--- a/graphicsEditorB/강의진행.pptx
+++ b/graphicsEditorB/강의진행.pptx
@@ -5,7 +5,7 @@
     <p:sldMasterId id="2147483648" r:id="rId1"/>
   </p:sldMasterIdLst>
   <p:notesMasterIdLst>
-    <p:notesMasterId r:id="rId31"/>
+    <p:notesMasterId r:id="rId33"/>
   </p:notesMasterIdLst>
   <p:sldIdLst>
     <p:sldId id="256" r:id="rId2"/>
@@ -37,6 +37,8 @@
     <p:sldId id="321" r:id="rId28"/>
     <p:sldId id="322" r:id="rId29"/>
     <p:sldId id="323" r:id="rId30"/>
+    <p:sldId id="325" r:id="rId31"/>
+    <p:sldId id="324" r:id="rId32"/>
   </p:sldIdLst>
   <p:sldSz cx="10150475" cy="7616825"/>
   <p:notesSz cx="6797675" cy="9928225"/>
@@ -241,6 +243,38 @@
     </pc:docChg>
   </pc:docChgLst>
   <pc:docChgLst>
+    <pc:chgData name="choi sungwoon" userId="dd863a805e970f02" providerId="LiveId" clId="{52F1679C-C1CE-4E42-94B3-FF28789B0641}"/>
+    <pc:docChg chg="custSel modSld">
+      <pc:chgData name="choi sungwoon" userId="dd863a805e970f02" providerId="LiveId" clId="{52F1679C-C1CE-4E42-94B3-FF28789B0641}" dt="2019-05-29T13:54:30.997" v="2" actId="478"/>
+      <pc:docMkLst>
+        <pc:docMk/>
+      </pc:docMkLst>
+      <pc:sldChg chg="addSp delSp">
+        <pc:chgData name="choi sungwoon" userId="dd863a805e970f02" providerId="LiveId" clId="{52F1679C-C1CE-4E42-94B3-FF28789B0641}" dt="2019-05-29T13:54:30.997" v="2" actId="478"/>
+        <pc:sldMkLst>
+          <pc:docMk/>
+          <pc:sldMk cId="2485293746" sldId="256"/>
+        </pc:sldMkLst>
+        <pc:inkChg chg="add">
+          <ac:chgData name="choi sungwoon" userId="dd863a805e970f02" providerId="LiveId" clId="{52F1679C-C1CE-4E42-94B3-FF28789B0641}" dt="2019-05-28T22:10:58.690" v="0" actId="9405"/>
+          <ac:inkMkLst>
+            <pc:docMk/>
+            <pc:sldMk cId="2485293746" sldId="256"/>
+            <ac:inkMk id="4" creationId="{FCB28EA2-490E-40CA-AA3B-D281A059F9B9}"/>
+          </ac:inkMkLst>
+        </pc:inkChg>
+        <pc:inkChg chg="add del">
+          <ac:chgData name="choi sungwoon" userId="dd863a805e970f02" providerId="LiveId" clId="{52F1679C-C1CE-4E42-94B3-FF28789B0641}" dt="2019-05-29T13:54:30.997" v="2" actId="478"/>
+          <ac:inkMkLst>
+            <pc:docMk/>
+            <pc:sldMk cId="2485293746" sldId="256"/>
+            <ac:inkMk id="5" creationId="{59FD07CF-5230-4010-ADCC-1DD5F68193B0}"/>
+          </ac:inkMkLst>
+        </pc:inkChg>
+      </pc:sldChg>
+    </pc:docChg>
+  </pc:docChgLst>
+  <pc:docChgLst>
     <pc:chgData name="choi sungwoon" userId="dd863a805e970f02" providerId="LiveId" clId="{7E7D5C7D-63AA-4A2C-8AC6-E70BAF3CBD81}"/>
     <pc:docChg chg="undo custSel addSld modSld">
       <pc:chgData name="choi sungwoon" userId="dd863a805e970f02" providerId="LiveId" clId="{7E7D5C7D-63AA-4A2C-8AC6-E70BAF3CBD81}" dt="2022-03-09T01:15:12.773" v="895" actId="20577"/>
@@ -417,6 +451,671 @@
             <pc:docMk/>
             <pc:sldMk cId="647720794" sldId="298"/>
             <ac:spMk id="8" creationId="{A55FD709-B4EC-491F-B6DA-7EF8BBF2852E}"/>
+          </ac:spMkLst>
+        </pc:spChg>
+      </pc:sldChg>
+    </pc:docChg>
+  </pc:docChgLst>
+  <pc:docChgLst>
+    <pc:chgData name="choi sungwoon" userId="dd863a805e970f02" providerId="LiveId" clId="{D3953FFF-05B6-42CB-8B83-486C793F6B02}"/>
+    <pc:docChg chg="undo custSel addSld delSld modSld">
+      <pc:chgData name="choi sungwoon" userId="dd863a805e970f02" providerId="LiveId" clId="{D3953FFF-05B6-42CB-8B83-486C793F6B02}" dt="2022-03-02T00:30:08.776" v="207" actId="6549"/>
+      <pc:docMkLst>
+        <pc:docMk/>
+      </pc:docMkLst>
+      <pc:sldChg chg="modSp mod">
+        <pc:chgData name="choi sungwoon" userId="dd863a805e970f02" providerId="LiveId" clId="{D3953FFF-05B6-42CB-8B83-486C793F6B02}" dt="2022-02-28T06:04:37.783" v="142"/>
+        <pc:sldMkLst>
+          <pc:docMk/>
+          <pc:sldMk cId="2485293746" sldId="256"/>
+        </pc:sldMkLst>
+        <pc:spChg chg="mod">
+          <ac:chgData name="choi sungwoon" userId="dd863a805e970f02" providerId="LiveId" clId="{D3953FFF-05B6-42CB-8B83-486C793F6B02}" dt="2022-02-28T06:04:37.783" v="142"/>
+          <ac:spMkLst>
+            <pc:docMk/>
+            <pc:sldMk cId="2485293746" sldId="256"/>
+            <ac:spMk id="2" creationId="{00000000-0000-0000-0000-000000000000}"/>
+          </ac:spMkLst>
+        </pc:spChg>
+      </pc:sldChg>
+      <pc:sldChg chg="modSp mod">
+        <pc:chgData name="choi sungwoon" userId="dd863a805e970f02" providerId="LiveId" clId="{D3953FFF-05B6-42CB-8B83-486C793F6B02}" dt="2022-02-28T06:07:07.173" v="147"/>
+        <pc:sldMkLst>
+          <pc:docMk/>
+          <pc:sldMk cId="1585406783" sldId="274"/>
+        </pc:sldMkLst>
+        <pc:spChg chg="mod">
+          <ac:chgData name="choi sungwoon" userId="dd863a805e970f02" providerId="LiveId" clId="{D3953FFF-05B6-42CB-8B83-486C793F6B02}" dt="2022-02-28T06:07:07.173" v="147"/>
+          <ac:spMkLst>
+            <pc:docMk/>
+            <pc:sldMk cId="1585406783" sldId="274"/>
+            <ac:spMk id="3" creationId="{00000000-0000-0000-0000-000000000000}"/>
+          </ac:spMkLst>
+        </pc:spChg>
+      </pc:sldChg>
+      <pc:sldChg chg="addSp delSp modSp mod">
+        <pc:chgData name="choi sungwoon" userId="dd863a805e970f02" providerId="LiveId" clId="{D3953FFF-05B6-42CB-8B83-486C793F6B02}" dt="2022-03-01T08:06:27.123" v="193" actId="9405"/>
+        <pc:sldMkLst>
+          <pc:docMk/>
+          <pc:sldMk cId="1840630231" sldId="295"/>
+        </pc:sldMkLst>
+        <pc:spChg chg="mod">
+          <ac:chgData name="choi sungwoon" userId="dd863a805e970f02" providerId="LiveId" clId="{D3953FFF-05B6-42CB-8B83-486C793F6B02}" dt="2022-02-28T06:06:14.273" v="143"/>
+          <ac:spMkLst>
+            <pc:docMk/>
+            <pc:sldMk cId="1840630231" sldId="295"/>
+            <ac:spMk id="3" creationId="{00000000-0000-0000-0000-000000000000}"/>
+          </ac:spMkLst>
+        </pc:spChg>
+        <pc:spChg chg="mod">
+          <ac:chgData name="choi sungwoon" userId="dd863a805e970f02" providerId="LiveId" clId="{D3953FFF-05B6-42CB-8B83-486C793F6B02}" dt="2022-02-28T06:04:07.206" v="77" actId="14"/>
+          <ac:spMkLst>
+            <pc:docMk/>
+            <pc:sldMk cId="1840630231" sldId="295"/>
+            <ac:spMk id="4" creationId="{00000000-0000-0000-0000-000000000000}"/>
+          </ac:spMkLst>
+        </pc:spChg>
+        <pc:grpChg chg="del mod">
+          <ac:chgData name="choi sungwoon" userId="dd863a805e970f02" providerId="LiveId" clId="{D3953FFF-05B6-42CB-8B83-486C793F6B02}" dt="2022-03-01T08:05:30.779" v="157"/>
+          <ac:grpSpMkLst>
+            <pc:docMk/>
+            <pc:sldMk cId="1840630231" sldId="295"/>
+            <ac:grpSpMk id="9" creationId="{6A879285-E47E-4A79-8836-8DC557F03A52}"/>
+          </ac:grpSpMkLst>
+        </pc:grpChg>
+        <pc:grpChg chg="del mod">
+          <ac:chgData name="choi sungwoon" userId="dd863a805e970f02" providerId="LiveId" clId="{D3953FFF-05B6-42CB-8B83-486C793F6B02}" dt="2022-03-01T08:05:48.783" v="174"/>
+          <ac:grpSpMkLst>
+            <pc:docMk/>
+            <pc:sldMk cId="1840630231" sldId="295"/>
+            <ac:grpSpMk id="12" creationId="{DAA310F7-FCEA-4839-8C43-7581BCC51C73}"/>
+          </ac:grpSpMkLst>
+        </pc:grpChg>
+        <pc:grpChg chg="del mod">
+          <ac:chgData name="choi sungwoon" userId="dd863a805e970f02" providerId="LiveId" clId="{D3953FFF-05B6-42CB-8B83-486C793F6B02}" dt="2022-03-01T08:05:44.163" v="169"/>
+          <ac:grpSpMkLst>
+            <pc:docMk/>
+            <pc:sldMk cId="1840630231" sldId="295"/>
+            <ac:grpSpMk id="17" creationId="{9236B06A-2FB5-4B71-BBDF-C612F423CAFB}"/>
+          </ac:grpSpMkLst>
+        </pc:grpChg>
+        <pc:grpChg chg="del mod">
+          <ac:chgData name="choi sungwoon" userId="dd863a805e970f02" providerId="LiveId" clId="{D3953FFF-05B6-42CB-8B83-486C793F6B02}" dt="2022-03-01T08:05:48.784" v="175"/>
+          <ac:grpSpMkLst>
+            <pc:docMk/>
+            <pc:sldMk cId="1840630231" sldId="295"/>
+            <ac:grpSpMk id="20" creationId="{5241782C-AE88-46A2-9971-DEC0C5EC457C}"/>
+          </ac:grpSpMkLst>
+        </pc:grpChg>
+        <pc:grpChg chg="del mod">
+          <ac:chgData name="choi sungwoon" userId="dd863a805e970f02" providerId="LiveId" clId="{D3953FFF-05B6-42CB-8B83-486C793F6B02}" dt="2022-03-01T08:06:15.965" v="181"/>
+          <ac:grpSpMkLst>
+            <pc:docMk/>
+            <pc:sldMk cId="1840630231" sldId="295"/>
+            <ac:grpSpMk id="25" creationId="{D97FC7F7-7576-4CA4-B60E-33FDD0652D29}"/>
+          </ac:grpSpMkLst>
+        </pc:grpChg>
+        <pc:grpChg chg="mod">
+          <ac:chgData name="choi sungwoon" userId="dd863a805e970f02" providerId="LiveId" clId="{D3953FFF-05B6-42CB-8B83-486C793F6B02}" dt="2022-03-01T08:06:25.251" v="190"/>
+          <ac:grpSpMkLst>
+            <pc:docMk/>
+            <pc:sldMk cId="1840630231" sldId="295"/>
+            <ac:grpSpMk id="30" creationId="{2D363C25-880C-4E1B-A07C-FD9EBAF14A18}"/>
+          </ac:grpSpMkLst>
+        </pc:grpChg>
+        <pc:inkChg chg="add del">
+          <ac:chgData name="choi sungwoon" userId="dd863a805e970f02" providerId="LiveId" clId="{D3953FFF-05B6-42CB-8B83-486C793F6B02}" dt="2022-03-01T08:05:15.663" v="153"/>
+          <ac:inkMkLst>
+            <pc:docMk/>
+            <pc:sldMk cId="1840630231" sldId="295"/>
+            <ac:inkMk id="5" creationId="{7848D2BB-E62F-4D4B-A775-124BFA3B821E}"/>
+          </ac:inkMkLst>
+        </pc:inkChg>
+        <pc:inkChg chg="add del">
+          <ac:chgData name="choi sungwoon" userId="dd863a805e970f02" providerId="LiveId" clId="{D3953FFF-05B6-42CB-8B83-486C793F6B02}" dt="2022-03-01T08:05:15.655" v="152"/>
+          <ac:inkMkLst>
+            <pc:docMk/>
+            <pc:sldMk cId="1840630231" sldId="295"/>
+            <ac:inkMk id="6" creationId="{1FEFBBDC-DEFF-45D1-9DB3-E8C2CDBCF92E}"/>
+          </ac:inkMkLst>
+        </pc:inkChg>
+        <pc:inkChg chg="add del mod">
+          <ac:chgData name="choi sungwoon" userId="dd863a805e970f02" providerId="LiveId" clId="{D3953FFF-05B6-42CB-8B83-486C793F6B02}" dt="2022-03-01T08:05:30.779" v="157"/>
+          <ac:inkMkLst>
+            <pc:docMk/>
+            <pc:sldMk cId="1840630231" sldId="295"/>
+            <ac:inkMk id="7" creationId="{D957D894-1D9B-4E72-928D-9699D85BE8F5}"/>
+          </ac:inkMkLst>
+        </pc:inkChg>
+        <pc:inkChg chg="add del mod">
+          <ac:chgData name="choi sungwoon" userId="dd863a805e970f02" providerId="LiveId" clId="{D3953FFF-05B6-42CB-8B83-486C793F6B02}" dt="2022-03-01T08:05:30.781" v="158"/>
+          <ac:inkMkLst>
+            <pc:docMk/>
+            <pc:sldMk cId="1840630231" sldId="295"/>
+            <ac:inkMk id="8" creationId="{DC18F8FB-5A6A-4BF1-B0CD-9CD093C89C4C}"/>
+          </ac:inkMkLst>
+        </pc:inkChg>
+        <pc:inkChg chg="add del mod">
+          <ac:chgData name="choi sungwoon" userId="dd863a805e970f02" providerId="LiveId" clId="{D3953FFF-05B6-42CB-8B83-486C793F6B02}" dt="2022-03-01T08:05:48.786" v="177"/>
+          <ac:inkMkLst>
+            <pc:docMk/>
+            <pc:sldMk cId="1840630231" sldId="295"/>
+            <ac:inkMk id="10" creationId="{DC4B5D40-1572-447C-A6FD-4979406931D6}"/>
+          </ac:inkMkLst>
+        </pc:inkChg>
+        <pc:inkChg chg="add del mod">
+          <ac:chgData name="choi sungwoon" userId="dd863a805e970f02" providerId="LiveId" clId="{D3953FFF-05B6-42CB-8B83-486C793F6B02}" dt="2022-03-01T08:05:48.783" v="174"/>
+          <ac:inkMkLst>
+            <pc:docMk/>
+            <pc:sldMk cId="1840630231" sldId="295"/>
+            <ac:inkMk id="11" creationId="{228723B2-9E87-4DB3-9C72-E4A87716B01D}"/>
+          </ac:inkMkLst>
+        </pc:inkChg>
+        <pc:inkChg chg="add del mod">
+          <ac:chgData name="choi sungwoon" userId="dd863a805e970f02" providerId="LiveId" clId="{D3953FFF-05B6-42CB-8B83-486C793F6B02}" dt="2022-03-01T08:05:48.784" v="175"/>
+          <ac:inkMkLst>
+            <pc:docMk/>
+            <pc:sldMk cId="1840630231" sldId="295"/>
+            <ac:inkMk id="13" creationId="{D2CCA858-7D1C-4D53-8A6A-13F3200B841D}"/>
+          </ac:inkMkLst>
+        </pc:inkChg>
+        <pc:inkChg chg="add del mod">
+          <ac:chgData name="choi sungwoon" userId="dd863a805e970f02" providerId="LiveId" clId="{D3953FFF-05B6-42CB-8B83-486C793F6B02}" dt="2022-03-01T08:05:48.778" v="171"/>
+          <ac:inkMkLst>
+            <pc:docMk/>
+            <pc:sldMk cId="1840630231" sldId="295"/>
+            <ac:inkMk id="14" creationId="{1F5C1456-BA15-4491-9FA8-AE700BC636C5}"/>
+          </ac:inkMkLst>
+        </pc:inkChg>
+        <pc:inkChg chg="add del mod">
+          <ac:chgData name="choi sungwoon" userId="dd863a805e970f02" providerId="LiveId" clId="{D3953FFF-05B6-42CB-8B83-486C793F6B02}" dt="2022-03-01T08:05:48.780" v="172"/>
+          <ac:inkMkLst>
+            <pc:docMk/>
+            <pc:sldMk cId="1840630231" sldId="295"/>
+            <ac:inkMk id="15" creationId="{C148FF07-5B0D-4A8A-97BF-9FAEA7DB9B95}"/>
+          </ac:inkMkLst>
+        </pc:inkChg>
+        <pc:inkChg chg="add del mod">
+          <ac:chgData name="choi sungwoon" userId="dd863a805e970f02" providerId="LiveId" clId="{D3953FFF-05B6-42CB-8B83-486C793F6B02}" dt="2022-03-01T08:05:48.785" v="176"/>
+          <ac:inkMkLst>
+            <pc:docMk/>
+            <pc:sldMk cId="1840630231" sldId="295"/>
+            <ac:inkMk id="16" creationId="{8F1DFC68-CD6B-485F-9689-F8CA938B7147}"/>
+          </ac:inkMkLst>
+        </pc:inkChg>
+        <pc:inkChg chg="add del mod">
+          <ac:chgData name="choi sungwoon" userId="dd863a805e970f02" providerId="LiveId" clId="{D3953FFF-05B6-42CB-8B83-486C793F6B02}" dt="2022-03-01T08:05:48.781" v="173"/>
+          <ac:inkMkLst>
+            <pc:docMk/>
+            <pc:sldMk cId="1840630231" sldId="295"/>
+            <ac:inkMk id="18" creationId="{1DEE958B-799C-43B0-91BB-D264B10E54B8}"/>
+          </ac:inkMkLst>
+        </pc:inkChg>
+        <pc:inkChg chg="add del mod">
+          <ac:chgData name="choi sungwoon" userId="dd863a805e970f02" providerId="LiveId" clId="{D3953FFF-05B6-42CB-8B83-486C793F6B02}" dt="2022-03-01T08:05:48.777" v="170"/>
+          <ac:inkMkLst>
+            <pc:docMk/>
+            <pc:sldMk cId="1840630231" sldId="295"/>
+            <ac:inkMk id="19" creationId="{333EFA81-CC3F-4E7F-88D2-9691EA99870D}"/>
+          </ac:inkMkLst>
+        </pc:inkChg>
+        <pc:inkChg chg="add del mod">
+          <ac:chgData name="choi sungwoon" userId="dd863a805e970f02" providerId="LiveId" clId="{D3953FFF-05B6-42CB-8B83-486C793F6B02}" dt="2022-03-01T08:06:15.966" v="182"/>
+          <ac:inkMkLst>
+            <pc:docMk/>
+            <pc:sldMk cId="1840630231" sldId="295"/>
+            <ac:inkMk id="22" creationId="{91EC7C56-CF78-44F3-A4BA-E5AA53B1D196}"/>
+          </ac:inkMkLst>
+        </pc:inkChg>
+        <pc:inkChg chg="add del mod">
+          <ac:chgData name="choi sungwoon" userId="dd863a805e970f02" providerId="LiveId" clId="{D3953FFF-05B6-42CB-8B83-486C793F6B02}" dt="2022-03-01T08:06:15.965" v="181"/>
+          <ac:inkMkLst>
+            <pc:docMk/>
+            <pc:sldMk cId="1840630231" sldId="295"/>
+            <ac:inkMk id="24" creationId="{5EB555CE-45C9-4928-B982-571C663EF689}"/>
+          </ac:inkMkLst>
+        </pc:inkChg>
+        <pc:inkChg chg="add del">
+          <ac:chgData name="choi sungwoon" userId="dd863a805e970f02" providerId="LiveId" clId="{D3953FFF-05B6-42CB-8B83-486C793F6B02}" dt="2022-03-01T08:06:19.117" v="184" actId="9405"/>
+          <ac:inkMkLst>
+            <pc:docMk/>
+            <pc:sldMk cId="1840630231" sldId="295"/>
+            <ac:inkMk id="26" creationId="{24B37C3A-8408-4A9B-8BA7-C6564851518E}"/>
+          </ac:inkMkLst>
+        </pc:inkChg>
+        <pc:inkChg chg="add del">
+          <ac:chgData name="choi sungwoon" userId="dd863a805e970f02" providerId="LiveId" clId="{D3953FFF-05B6-42CB-8B83-486C793F6B02}" dt="2022-03-01T08:06:26.718" v="192" actId="9405"/>
+          <ac:inkMkLst>
+            <pc:docMk/>
+            <pc:sldMk cId="1840630231" sldId="295"/>
+            <ac:inkMk id="27" creationId="{872D565A-6762-4747-B4A8-C24F2D1730E5}"/>
+          </ac:inkMkLst>
+        </pc:inkChg>
+        <pc:inkChg chg="add del mod">
+          <ac:chgData name="choi sungwoon" userId="dd863a805e970f02" providerId="LiveId" clId="{D3953FFF-05B6-42CB-8B83-486C793F6B02}" dt="2022-03-01T08:06:25.935" v="191" actId="9405"/>
+          <ac:inkMkLst>
+            <pc:docMk/>
+            <pc:sldMk cId="1840630231" sldId="295"/>
+            <ac:inkMk id="28" creationId="{DD935BAD-1A83-4A47-9E1C-08036D36954D}"/>
+          </ac:inkMkLst>
+        </pc:inkChg>
+        <pc:inkChg chg="add del mod">
+          <ac:chgData name="choi sungwoon" userId="dd863a805e970f02" providerId="LiveId" clId="{D3953FFF-05B6-42CB-8B83-486C793F6B02}" dt="2022-03-01T08:06:25.251" v="190"/>
+          <ac:inkMkLst>
+            <pc:docMk/>
+            <pc:sldMk cId="1840630231" sldId="295"/>
+            <ac:inkMk id="29" creationId="{A77BABF9-2363-47D7-A0ED-972AADD1A9F8}"/>
+          </ac:inkMkLst>
+        </pc:inkChg>
+        <pc:inkChg chg="add">
+          <ac:chgData name="choi sungwoon" userId="dd863a805e970f02" providerId="LiveId" clId="{D3953FFF-05B6-42CB-8B83-486C793F6B02}" dt="2022-03-01T08:06:27.123" v="193" actId="9405"/>
+          <ac:inkMkLst>
+            <pc:docMk/>
+            <pc:sldMk cId="1840630231" sldId="295"/>
+            <ac:inkMk id="31" creationId="{6AED0832-9105-42FE-9899-4350E4E26352}"/>
+          </ac:inkMkLst>
+        </pc:inkChg>
+      </pc:sldChg>
+      <pc:sldChg chg="modSp mod">
+        <pc:chgData name="choi sungwoon" userId="dd863a805e970f02" providerId="LiveId" clId="{D3953FFF-05B6-42CB-8B83-486C793F6B02}" dt="2022-02-28T06:07:22.813" v="149"/>
+        <pc:sldMkLst>
+          <pc:docMk/>
+          <pc:sldMk cId="3692906224" sldId="297"/>
+        </pc:sldMkLst>
+        <pc:spChg chg="mod">
+          <ac:chgData name="choi sungwoon" userId="dd863a805e970f02" providerId="LiveId" clId="{D3953FFF-05B6-42CB-8B83-486C793F6B02}" dt="2022-02-28T06:07:17.598" v="148"/>
+          <ac:spMkLst>
+            <pc:docMk/>
+            <pc:sldMk cId="3692906224" sldId="297"/>
+            <ac:spMk id="3" creationId="{00000000-0000-0000-0000-000000000000}"/>
+          </ac:spMkLst>
+        </pc:spChg>
+        <pc:spChg chg="mod">
+          <ac:chgData name="choi sungwoon" userId="dd863a805e970f02" providerId="LiveId" clId="{D3953FFF-05B6-42CB-8B83-486C793F6B02}" dt="2022-02-28T06:07:22.813" v="149"/>
+          <ac:spMkLst>
+            <pc:docMk/>
+            <pc:sldMk cId="3692906224" sldId="297"/>
+            <ac:spMk id="4" creationId="{518B59C7-B6A2-4309-9D4C-1BD9AB9DB4D9}"/>
+          </ac:spMkLst>
+        </pc:spChg>
+      </pc:sldChg>
+      <pc:sldChg chg="modSp del mod">
+        <pc:chgData name="choi sungwoon" userId="dd863a805e970f02" providerId="LiveId" clId="{D3953FFF-05B6-42CB-8B83-486C793F6B02}" dt="2022-02-28T06:06:57.200" v="146" actId="47"/>
+        <pc:sldMkLst>
+          <pc:docMk/>
+          <pc:sldMk cId="2409189787" sldId="303"/>
+        </pc:sldMkLst>
+        <pc:spChg chg="mod">
+          <ac:chgData name="choi sungwoon" userId="dd863a805e970f02" providerId="LiveId" clId="{D3953FFF-05B6-42CB-8B83-486C793F6B02}" dt="2022-02-28T06:06:31.334" v="144"/>
+          <ac:spMkLst>
+            <pc:docMk/>
+            <pc:sldMk cId="2409189787" sldId="303"/>
+            <ac:spMk id="3" creationId="{00000000-0000-0000-0000-000000000000}"/>
+          </ac:spMkLst>
+        </pc:spChg>
+      </pc:sldChg>
+      <pc:sldChg chg="modSp add mod">
+        <pc:chgData name="choi sungwoon" userId="dd863a805e970f02" providerId="LiveId" clId="{D3953FFF-05B6-42CB-8B83-486C793F6B02}" dt="2022-03-02T00:30:08.776" v="207" actId="6549"/>
+        <pc:sldMkLst>
+          <pc:docMk/>
+          <pc:sldMk cId="1227341336" sldId="304"/>
+        </pc:sldMkLst>
+        <pc:spChg chg="mod">
+          <ac:chgData name="choi sungwoon" userId="dd863a805e970f02" providerId="LiveId" clId="{D3953FFF-05B6-42CB-8B83-486C793F6B02}" dt="2022-03-02T00:30:08.776" v="207" actId="6549"/>
+          <ac:spMkLst>
+            <pc:docMk/>
+            <pc:sldMk cId="1227341336" sldId="304"/>
+            <ac:spMk id="3" creationId="{00000000-0000-0000-0000-000000000000}"/>
+          </ac:spMkLst>
+        </pc:spChg>
+      </pc:sldChg>
+    </pc:docChg>
+  </pc:docChgLst>
+  <pc:docChgLst>
+    <pc:chgData name="choi sungwoon" userId="dd863a805e970f02" providerId="LiveId" clId="{3223C278-182A-4164-944A-77D2770CD722}"/>
+    <pc:docChg chg="custSel addSld modSld">
+      <pc:chgData name="choi sungwoon" userId="dd863a805e970f02" providerId="LiveId" clId="{3223C278-182A-4164-944A-77D2770CD722}" dt="2021-09-29T00:57:31.638" v="157" actId="14100"/>
+      <pc:docMkLst>
+        <pc:docMk/>
+      </pc:docMkLst>
+      <pc:sldChg chg="addSp modSp new mod">
+        <pc:chgData name="choi sungwoon" userId="dd863a805e970f02" providerId="LiveId" clId="{3223C278-182A-4164-944A-77D2770CD722}" dt="2021-09-29T00:57:31.638" v="157" actId="14100"/>
+        <pc:sldMkLst>
+          <pc:docMk/>
+          <pc:sldMk cId="994641858" sldId="310"/>
+        </pc:sldMkLst>
+        <pc:spChg chg="mod">
+          <ac:chgData name="choi sungwoon" userId="dd863a805e970f02" providerId="LiveId" clId="{3223C278-182A-4164-944A-77D2770CD722}" dt="2021-09-28T23:24:27.951" v="10" actId="20577"/>
+          <ac:spMkLst>
+            <pc:docMk/>
+            <pc:sldMk cId="994641858" sldId="310"/>
+            <ac:spMk id="2" creationId="{F9B993EC-1778-4B45-A53E-DAECC2520628}"/>
+          </ac:spMkLst>
+        </pc:spChg>
+        <pc:spChg chg="mod">
+          <ac:chgData name="choi sungwoon" userId="dd863a805e970f02" providerId="LiveId" clId="{3223C278-182A-4164-944A-77D2770CD722}" dt="2021-09-29T00:52:28.944" v="85" actId="20577"/>
+          <ac:spMkLst>
+            <pc:docMk/>
+            <pc:sldMk cId="994641858" sldId="310"/>
+            <ac:spMk id="3" creationId="{72870C10-7291-42B7-9702-AEE120564EC8}"/>
+          </ac:spMkLst>
+        </pc:spChg>
+        <pc:spChg chg="add mod">
+          <ac:chgData name="choi sungwoon" userId="dd863a805e970f02" providerId="LiveId" clId="{3223C278-182A-4164-944A-77D2770CD722}" dt="2021-09-29T00:57:31.638" v="157" actId="14100"/>
+          <ac:spMkLst>
+            <pc:docMk/>
+            <pc:sldMk cId="994641858" sldId="310"/>
+            <ac:spMk id="6" creationId="{1CCEA1BC-0447-4ECC-879E-D2F685BE6A92}"/>
+          </ac:spMkLst>
+        </pc:spChg>
+      </pc:sldChg>
+    </pc:docChg>
+  </pc:docChgLst>
+  <pc:docChgLst>
+    <pc:chgData name="choi sungwoon" userId="dd863a805e970f02" providerId="LiveId" clId="{8A0E5E79-6D94-496A-9D55-32C1DBF10D41}"/>
+    <pc:docChg chg="custSel addSld modSld">
+      <pc:chgData name="choi sungwoon" userId="dd863a805e970f02" providerId="LiveId" clId="{8A0E5E79-6D94-496A-9D55-32C1DBF10D41}" dt="2022-04-18T01:19:31.452" v="689"/>
+      <pc:docMkLst>
+        <pc:docMk/>
+      </pc:docMkLst>
+      <pc:sldChg chg="addSp delSp modSp add mod modClrScheme chgLayout">
+        <pc:chgData name="choi sungwoon" userId="dd863a805e970f02" providerId="LiveId" clId="{8A0E5E79-6D94-496A-9D55-32C1DBF10D41}" dt="2022-04-18T01:19:31.452" v="689"/>
+        <pc:sldMkLst>
+          <pc:docMk/>
+          <pc:sldMk cId="2267256780" sldId="318"/>
+        </pc:sldMkLst>
+        <pc:spChg chg="mod ord">
+          <ac:chgData name="choi sungwoon" userId="dd863a805e970f02" providerId="LiveId" clId="{8A0E5E79-6D94-496A-9D55-32C1DBF10D41}" dt="2022-04-18T01:19:31.452" v="689"/>
+          <ac:spMkLst>
+            <pc:docMk/>
+            <pc:sldMk cId="2267256780" sldId="318"/>
+            <ac:spMk id="2" creationId="{6FCB2A0A-8027-4DF3-AEC2-6B5155C460F5}"/>
+          </ac:spMkLst>
+        </pc:spChg>
+        <pc:spChg chg="del mod ord">
+          <ac:chgData name="choi sungwoon" userId="dd863a805e970f02" providerId="LiveId" clId="{8A0E5E79-6D94-496A-9D55-32C1DBF10D41}" dt="2022-04-17T22:25:42.140" v="1" actId="700"/>
+          <ac:spMkLst>
+            <pc:docMk/>
+            <pc:sldMk cId="2267256780" sldId="318"/>
+            <ac:spMk id="3" creationId="{F835BB5E-6B68-4759-AA95-87C8435AC685}"/>
+          </ac:spMkLst>
+        </pc:spChg>
+        <pc:spChg chg="mod ord">
+          <ac:chgData name="choi sungwoon" userId="dd863a805e970f02" providerId="LiveId" clId="{8A0E5E79-6D94-496A-9D55-32C1DBF10D41}" dt="2022-04-18T00:08:10.885" v="225"/>
+          <ac:spMkLst>
+            <pc:docMk/>
+            <pc:sldMk cId="2267256780" sldId="318"/>
+            <ac:spMk id="4" creationId="{A2505BF3-4D79-44F5-8F7C-E6BAEA76976B}"/>
+          </ac:spMkLst>
+        </pc:spChg>
+        <pc:spChg chg="mod ord">
+          <ac:chgData name="choi sungwoon" userId="dd863a805e970f02" providerId="LiveId" clId="{8A0E5E79-6D94-496A-9D55-32C1DBF10D41}" dt="2022-04-18T00:08:10.885" v="225"/>
+          <ac:spMkLst>
+            <pc:docMk/>
+            <pc:sldMk cId="2267256780" sldId="318"/>
+            <ac:spMk id="5" creationId="{9EE095CF-3E79-485D-876E-A3BFB63004DF}"/>
+          </ac:spMkLst>
+        </pc:spChg>
+        <pc:spChg chg="add mod ord">
+          <ac:chgData name="choi sungwoon" userId="dd863a805e970f02" providerId="LiveId" clId="{8A0E5E79-6D94-496A-9D55-32C1DBF10D41}" dt="2022-04-18T00:08:10.885" v="225"/>
+          <ac:spMkLst>
+            <pc:docMk/>
+            <pc:sldMk cId="2267256780" sldId="318"/>
+            <ac:spMk id="6" creationId="{88CF9E69-8A00-40C5-8C63-1C6971FD34B3}"/>
+          </ac:spMkLst>
+        </pc:spChg>
+        <pc:spChg chg="add mod ord">
+          <ac:chgData name="choi sungwoon" userId="dd863a805e970f02" providerId="LiveId" clId="{8A0E5E79-6D94-496A-9D55-32C1DBF10D41}" dt="2022-04-18T00:09:58.126" v="357" actId="6549"/>
+          <ac:spMkLst>
+            <pc:docMk/>
+            <pc:sldMk cId="2267256780" sldId="318"/>
+            <ac:spMk id="7" creationId="{60429683-71FB-4591-BE05-A807DD810990}"/>
+          </ac:spMkLst>
+        </pc:spChg>
+        <pc:spChg chg="add del mod">
+          <ac:chgData name="choi sungwoon" userId="dd863a805e970f02" providerId="LiveId" clId="{8A0E5E79-6D94-496A-9D55-32C1DBF10D41}" dt="2022-04-18T00:08:10.885" v="225"/>
+          <ac:spMkLst>
+            <pc:docMk/>
+            <pc:sldMk cId="2267256780" sldId="318"/>
+            <ac:spMk id="10" creationId="{5D56BB26-F66E-43BE-8181-5FD8939028B4}"/>
+          </ac:spMkLst>
+        </pc:spChg>
+        <pc:spChg chg="add del mod">
+          <ac:chgData name="choi sungwoon" userId="dd863a805e970f02" providerId="LiveId" clId="{8A0E5E79-6D94-496A-9D55-32C1DBF10D41}" dt="2022-04-18T00:08:10.885" v="225"/>
+          <ac:spMkLst>
+            <pc:docMk/>
+            <pc:sldMk cId="2267256780" sldId="318"/>
+            <ac:spMk id="11" creationId="{720FF8D0-3591-4C78-91C1-FEA60684E731}"/>
+          </ac:spMkLst>
+        </pc:spChg>
+        <pc:spChg chg="add del mod">
+          <ac:chgData name="choi sungwoon" userId="dd863a805e970f02" providerId="LiveId" clId="{8A0E5E79-6D94-496A-9D55-32C1DBF10D41}" dt="2022-04-18T00:08:10.885" v="225"/>
+          <ac:spMkLst>
+            <pc:docMk/>
+            <pc:sldMk cId="2267256780" sldId="318"/>
+            <ac:spMk id="12" creationId="{5EF799E8-9A24-4616-A720-CCC7C07BCF05}"/>
+          </ac:spMkLst>
+        </pc:spChg>
+        <pc:spChg chg="add del mod">
+          <ac:chgData name="choi sungwoon" userId="dd863a805e970f02" providerId="LiveId" clId="{8A0E5E79-6D94-496A-9D55-32C1DBF10D41}" dt="2022-04-18T00:08:10.885" v="225"/>
+          <ac:spMkLst>
+            <pc:docMk/>
+            <pc:sldMk cId="2267256780" sldId="318"/>
+            <ac:spMk id="13" creationId="{8918A5C8-B57D-46DF-9A66-20451D8857FC}"/>
+          </ac:spMkLst>
+        </pc:spChg>
+        <pc:spChg chg="add del mod">
+          <ac:chgData name="choi sungwoon" userId="dd863a805e970f02" providerId="LiveId" clId="{8A0E5E79-6D94-496A-9D55-32C1DBF10D41}" dt="2022-04-18T00:08:10.885" v="225"/>
+          <ac:spMkLst>
+            <pc:docMk/>
+            <pc:sldMk cId="2267256780" sldId="318"/>
+            <ac:spMk id="14" creationId="{1172D91C-1D00-48C2-9DA3-C8E17C33FDD5}"/>
+          </ac:spMkLst>
+        </pc:spChg>
+        <pc:graphicFrameChg chg="add del">
+          <ac:chgData name="choi sungwoon" userId="dd863a805e970f02" providerId="LiveId" clId="{8A0E5E79-6D94-496A-9D55-32C1DBF10D41}" dt="2022-04-18T00:06:21.052" v="174" actId="478"/>
+          <ac:graphicFrameMkLst>
+            <pc:docMk/>
+            <pc:sldMk cId="2267256780" sldId="318"/>
+            <ac:graphicFrameMk id="8" creationId="{3F968254-A8EB-4FE9-B493-3F944BBB317E}"/>
+          </ac:graphicFrameMkLst>
+        </pc:graphicFrameChg>
+        <pc:graphicFrameChg chg="add mod modGraphic">
+          <ac:chgData name="choi sungwoon" userId="dd863a805e970f02" providerId="LiveId" clId="{8A0E5E79-6D94-496A-9D55-32C1DBF10D41}" dt="2022-04-18T00:10:53.037" v="359" actId="1076"/>
+          <ac:graphicFrameMkLst>
+            <pc:docMk/>
+            <pc:sldMk cId="2267256780" sldId="318"/>
+            <ac:graphicFrameMk id="9" creationId="{E50268E5-FD4A-4B71-B457-1772D41AAEEE}"/>
+          </ac:graphicFrameMkLst>
+        </pc:graphicFrameChg>
+      </pc:sldChg>
+      <pc:sldChg chg="addSp delSp modSp new mod modClrScheme chgLayout">
+        <pc:chgData name="choi sungwoon" userId="dd863a805e970f02" providerId="LiveId" clId="{8A0E5E79-6D94-496A-9D55-32C1DBF10D41}" dt="2022-04-18T00:49:05.622" v="645" actId="1076"/>
+        <pc:sldMkLst>
+          <pc:docMk/>
+          <pc:sldMk cId="8479433" sldId="319"/>
+        </pc:sldMkLst>
+        <pc:spChg chg="del">
+          <ac:chgData name="choi sungwoon" userId="dd863a805e970f02" providerId="LiveId" clId="{8A0E5E79-6D94-496A-9D55-32C1DBF10D41}" dt="2022-04-18T00:12:17.528" v="361" actId="700"/>
+          <ac:spMkLst>
+            <pc:docMk/>
+            <pc:sldMk cId="8479433" sldId="319"/>
+            <ac:spMk id="2" creationId="{93208FAF-90DC-455F-A128-6308292E4CCC}"/>
+          </ac:spMkLst>
+        </pc:spChg>
+        <pc:spChg chg="del mod ord">
+          <ac:chgData name="choi sungwoon" userId="dd863a805e970f02" providerId="LiveId" clId="{8A0E5E79-6D94-496A-9D55-32C1DBF10D41}" dt="2022-04-18T00:12:17.528" v="361" actId="700"/>
+          <ac:spMkLst>
+            <pc:docMk/>
+            <pc:sldMk cId="8479433" sldId="319"/>
+            <ac:spMk id="3" creationId="{534D7161-2FA8-43AE-92F0-DA0BCA3107FF}"/>
+          </ac:spMkLst>
+        </pc:spChg>
+        <pc:spChg chg="del mod ord">
+          <ac:chgData name="choi sungwoon" userId="dd863a805e970f02" providerId="LiveId" clId="{8A0E5E79-6D94-496A-9D55-32C1DBF10D41}" dt="2022-04-18T00:12:17.528" v="361" actId="700"/>
+          <ac:spMkLst>
+            <pc:docMk/>
+            <pc:sldMk cId="8479433" sldId="319"/>
+            <ac:spMk id="4" creationId="{FF4EC790-CBAA-41E6-9439-1F583587335F}"/>
+          </ac:spMkLst>
+        </pc:spChg>
+        <pc:spChg chg="mod ord">
+          <ac:chgData name="choi sungwoon" userId="dd863a805e970f02" providerId="LiveId" clId="{8A0E5E79-6D94-496A-9D55-32C1DBF10D41}" dt="2022-04-18T00:12:17.528" v="361" actId="700"/>
+          <ac:spMkLst>
+            <pc:docMk/>
+            <pc:sldMk cId="8479433" sldId="319"/>
+            <ac:spMk id="5" creationId="{8AA1591F-9227-490C-8293-96A8CB4068E8}"/>
+          </ac:spMkLst>
+        </pc:spChg>
+        <pc:spChg chg="mod ord">
+          <ac:chgData name="choi sungwoon" userId="dd863a805e970f02" providerId="LiveId" clId="{8A0E5E79-6D94-496A-9D55-32C1DBF10D41}" dt="2022-04-18T00:12:17.528" v="361" actId="700"/>
+          <ac:spMkLst>
+            <pc:docMk/>
+            <pc:sldMk cId="8479433" sldId="319"/>
+            <ac:spMk id="6" creationId="{B2271DEF-FEDF-4592-8285-517CDB3355D4}"/>
+          </ac:spMkLst>
+        </pc:spChg>
+        <pc:spChg chg="add mod ord">
+          <ac:chgData name="choi sungwoon" userId="dd863a805e970f02" providerId="LiveId" clId="{8A0E5E79-6D94-496A-9D55-32C1DBF10D41}" dt="2022-04-18T00:23:43.045" v="571" actId="15"/>
+          <ac:spMkLst>
+            <pc:docMk/>
+            <pc:sldMk cId="8479433" sldId="319"/>
+            <ac:spMk id="7" creationId="{171DE78A-9972-463C-8F7C-07B1739863C6}"/>
+          </ac:spMkLst>
+        </pc:spChg>
+        <pc:spChg chg="add del mod ord">
+          <ac:chgData name="choi sungwoon" userId="dd863a805e970f02" providerId="LiveId" clId="{8A0E5E79-6D94-496A-9D55-32C1DBF10D41}" dt="2022-04-18T00:27:58.799" v="610" actId="3680"/>
+          <ac:spMkLst>
+            <pc:docMk/>
+            <pc:sldMk cId="8479433" sldId="319"/>
+            <ac:spMk id="8" creationId="{E7395D9C-A7FC-4E61-AB3C-2BB1948B2657}"/>
+          </ac:spMkLst>
+        </pc:spChg>
+        <pc:spChg chg="add mod">
+          <ac:chgData name="choi sungwoon" userId="dd863a805e970f02" providerId="LiveId" clId="{8A0E5E79-6D94-496A-9D55-32C1DBF10D41}" dt="2022-04-18T00:23:48.611" v="572" actId="1076"/>
+          <ac:spMkLst>
+            <pc:docMk/>
+            <pc:sldMk cId="8479433" sldId="319"/>
+            <ac:spMk id="9" creationId="{85976EF0-2891-4029-A5AC-DA94E927B6AD}"/>
+          </ac:spMkLst>
+        </pc:spChg>
+        <pc:spChg chg="add del mod">
+          <ac:chgData name="choi sungwoon" userId="dd863a805e970f02" providerId="LiveId" clId="{8A0E5E79-6D94-496A-9D55-32C1DBF10D41}" dt="2022-04-18T00:13:05.952" v="437" actId="478"/>
+          <ac:spMkLst>
+            <pc:docMk/>
+            <pc:sldMk cId="8479433" sldId="319"/>
+            <ac:spMk id="10" creationId="{85B7993D-94BF-4A97-9232-6C5BCA5FBCC4}"/>
+          </ac:spMkLst>
+        </pc:spChg>
+        <pc:spChg chg="add mod">
+          <ac:chgData name="choi sungwoon" userId="dd863a805e970f02" providerId="LiveId" clId="{8A0E5E79-6D94-496A-9D55-32C1DBF10D41}" dt="2022-04-18T00:44:45.654" v="644" actId="14100"/>
+          <ac:spMkLst>
+            <pc:docMk/>
+            <pc:sldMk cId="8479433" sldId="319"/>
+            <ac:spMk id="11" creationId="{0EDCF5E1-7B73-4A43-A987-06C20BA57804}"/>
+          </ac:spMkLst>
+        </pc:spChg>
+        <pc:spChg chg="add mod">
+          <ac:chgData name="choi sungwoon" userId="dd863a805e970f02" providerId="LiveId" clId="{8A0E5E79-6D94-496A-9D55-32C1DBF10D41}" dt="2022-04-18T00:44:39.273" v="643" actId="1076"/>
+          <ac:spMkLst>
+            <pc:docMk/>
+            <pc:sldMk cId="8479433" sldId="319"/>
+            <ac:spMk id="13" creationId="{8F2B19A0-BEC0-4BE6-B7A7-353FEB8A6E64}"/>
+          </ac:spMkLst>
+        </pc:spChg>
+        <pc:spChg chg="add mod">
+          <ac:chgData name="choi sungwoon" userId="dd863a805e970f02" providerId="LiveId" clId="{8A0E5E79-6D94-496A-9D55-32C1DBF10D41}" dt="2022-04-18T00:49:05.622" v="645" actId="1076"/>
+          <ac:spMkLst>
+            <pc:docMk/>
+            <pc:sldMk cId="8479433" sldId="319"/>
+            <ac:spMk id="14" creationId="{4D40CFBD-6319-4BB8-9479-3645DD48A54A}"/>
+          </ac:spMkLst>
+        </pc:spChg>
+        <pc:spChg chg="add mod">
+          <ac:chgData name="choi sungwoon" userId="dd863a805e970f02" providerId="LiveId" clId="{8A0E5E79-6D94-496A-9D55-32C1DBF10D41}" dt="2022-04-18T00:49:05.622" v="645" actId="1076"/>
+          <ac:spMkLst>
+            <pc:docMk/>
+            <pc:sldMk cId="8479433" sldId="319"/>
+            <ac:spMk id="15" creationId="{2CFC7D53-C7C2-4F8F-B771-423F7535DDF9}"/>
+          </ac:spMkLst>
+        </pc:spChg>
+        <pc:spChg chg="add mod">
+          <ac:chgData name="choi sungwoon" userId="dd863a805e970f02" providerId="LiveId" clId="{8A0E5E79-6D94-496A-9D55-32C1DBF10D41}" dt="2022-04-18T00:49:05.622" v="645" actId="1076"/>
+          <ac:spMkLst>
+            <pc:docMk/>
+            <pc:sldMk cId="8479433" sldId="319"/>
+            <ac:spMk id="16" creationId="{DD78F409-3443-4EDD-BD35-1B774D44120D}"/>
+          </ac:spMkLst>
+        </pc:spChg>
+        <pc:spChg chg="add mod">
+          <ac:chgData name="choi sungwoon" userId="dd863a805e970f02" providerId="LiveId" clId="{8A0E5E79-6D94-496A-9D55-32C1DBF10D41}" dt="2022-04-18T00:49:05.622" v="645" actId="1076"/>
+          <ac:spMkLst>
+            <pc:docMk/>
+            <pc:sldMk cId="8479433" sldId="319"/>
+            <ac:spMk id="18" creationId="{688B148F-79F6-4A95-914F-6D14C92407B7}"/>
+          </ac:spMkLst>
+        </pc:spChg>
+        <pc:spChg chg="add mod">
+          <ac:chgData name="choi sungwoon" userId="dd863a805e970f02" providerId="LiveId" clId="{8A0E5E79-6D94-496A-9D55-32C1DBF10D41}" dt="2022-04-18T00:49:05.622" v="645" actId="1076"/>
+          <ac:spMkLst>
+            <pc:docMk/>
+            <pc:sldMk cId="8479433" sldId="319"/>
+            <ac:spMk id="23" creationId="{5FC486A5-6359-4C70-AEAE-15DB7EA9BF62}"/>
+          </ac:spMkLst>
+        </pc:spChg>
+        <pc:spChg chg="add mod">
+          <ac:chgData name="choi sungwoon" userId="dd863a805e970f02" providerId="LiveId" clId="{8A0E5E79-6D94-496A-9D55-32C1DBF10D41}" dt="2022-04-18T00:49:05.622" v="645" actId="1076"/>
+          <ac:spMkLst>
+            <pc:docMk/>
+            <pc:sldMk cId="8479433" sldId="319"/>
+            <ac:spMk id="24" creationId="{78B6824A-5A82-4880-A065-95935203F511}"/>
+          </ac:spMkLst>
+        </pc:spChg>
+        <pc:spChg chg="add mod">
+          <ac:chgData name="choi sungwoon" userId="dd863a805e970f02" providerId="LiveId" clId="{8A0E5E79-6D94-496A-9D55-32C1DBF10D41}" dt="2022-04-18T00:49:05.622" v="645" actId="1076"/>
+          <ac:spMkLst>
+            <pc:docMk/>
+            <pc:sldMk cId="8479433" sldId="319"/>
+            <ac:spMk id="25" creationId="{5F6B336E-5FA7-43F8-8447-BDFB0DB1B3D2}"/>
+          </ac:spMkLst>
+        </pc:spChg>
+        <pc:graphicFrameChg chg="add mod ord modGraphic">
+          <ac:chgData name="choi sungwoon" userId="dd863a805e970f02" providerId="LiveId" clId="{8A0E5E79-6D94-496A-9D55-32C1DBF10D41}" dt="2022-04-18T00:49:05.622" v="645" actId="1076"/>
+          <ac:graphicFrameMkLst>
+            <pc:docMk/>
+            <pc:sldMk cId="8479433" sldId="319"/>
+            <ac:graphicFrameMk id="17" creationId="{8F084C23-2925-4CE8-B117-77EC0D32F961}"/>
+          </ac:graphicFrameMkLst>
+        </pc:graphicFrameChg>
+        <pc:cxnChg chg="add mod">
+          <ac:chgData name="choi sungwoon" userId="dd863a805e970f02" providerId="LiveId" clId="{8A0E5E79-6D94-496A-9D55-32C1DBF10D41}" dt="2022-04-18T00:44:45.654" v="644" actId="14100"/>
+          <ac:cxnSpMkLst>
+            <pc:docMk/>
+            <pc:sldMk cId="8479433" sldId="319"/>
+            <ac:cxnSpMk id="12" creationId="{3E18EA2D-E8C7-427C-AB54-B5D21DA2BAF2}"/>
+          </ac:cxnSpMkLst>
+        </pc:cxnChg>
+        <pc:cxnChg chg="add mod">
+          <ac:chgData name="choi sungwoon" userId="dd863a805e970f02" providerId="LiveId" clId="{8A0E5E79-6D94-496A-9D55-32C1DBF10D41}" dt="2022-04-18T00:49:05.622" v="645" actId="1076"/>
+          <ac:cxnSpMkLst>
+            <pc:docMk/>
+            <pc:sldMk cId="8479433" sldId="319"/>
+            <ac:cxnSpMk id="20" creationId="{708DC581-E0CA-4C11-A65D-789BE4E5E2BB}"/>
+          </ac:cxnSpMkLst>
+        </pc:cxnChg>
+      </pc:sldChg>
+      <pc:sldChg chg="modSp new mod">
+        <pc:chgData name="choi sungwoon" userId="dd863a805e970f02" providerId="LiveId" clId="{8A0E5E79-6D94-496A-9D55-32C1DBF10D41}" dt="2022-04-18T01:19:04.316" v="672"/>
+        <pc:sldMkLst>
+          <pc:docMk/>
+          <pc:sldMk cId="2903520252" sldId="320"/>
+        </pc:sldMkLst>
+        <pc:spChg chg="mod">
+          <ac:chgData name="choi sungwoon" userId="dd863a805e970f02" providerId="LiveId" clId="{8A0E5E79-6D94-496A-9D55-32C1DBF10D41}" dt="2022-04-18T01:19:04.316" v="672"/>
+          <ac:spMkLst>
+            <pc:docMk/>
+            <pc:sldMk cId="2903520252" sldId="320"/>
+            <ac:spMk id="2" creationId="{A1F3C985-21A4-44D5-AC5D-007D0D623BD6}"/>
           </ac:spMkLst>
         </pc:spChg>
       </pc:sldChg>
@@ -3480,345 +4179,93 @@
     </pc:docChg>
   </pc:docChgLst>
   <pc:docChgLst>
-    <pc:chgData name="choi sungwoon" userId="dd863a805e970f02" providerId="LiveId" clId="{8A0E5E79-6D94-496A-9D55-32C1DBF10D41}"/>
-    <pc:docChg chg="custSel addSld modSld">
-      <pc:chgData name="choi sungwoon" userId="dd863a805e970f02" providerId="LiveId" clId="{8A0E5E79-6D94-496A-9D55-32C1DBF10D41}" dt="2022-04-18T01:19:31.452" v="689"/>
+    <pc:chgData name="choi sungwoon" userId="dd863a805e970f02" providerId="LiveId" clId="{9C9EC46F-1152-4496-A736-3DD329BD77C4}"/>
+    <pc:docChg chg="custSel delSld modSld">
+      <pc:chgData name="choi sungwoon" userId="dd863a805e970f02" providerId="LiveId" clId="{9C9EC46F-1152-4496-A736-3DD329BD77C4}" dt="2022-03-02T01:14:53.421" v="401"/>
       <pc:docMkLst>
         <pc:docMk/>
       </pc:docMkLst>
-      <pc:sldChg chg="addSp delSp modSp add mod modClrScheme chgLayout">
-        <pc:chgData name="choi sungwoon" userId="dd863a805e970f02" providerId="LiveId" clId="{8A0E5E79-6D94-496A-9D55-32C1DBF10D41}" dt="2022-04-18T01:19:31.452" v="689"/>
+      <pc:sldChg chg="del">
+        <pc:chgData name="choi sungwoon" userId="dd863a805e970f02" providerId="LiveId" clId="{9C9EC46F-1152-4496-A736-3DD329BD77C4}" dt="2022-03-02T00:35:53.264" v="0" actId="47"/>
         <pc:sldMkLst>
           <pc:docMk/>
-          <pc:sldMk cId="2267256780" sldId="318"/>
+          <pc:sldMk cId="1520484175" sldId="257"/>
         </pc:sldMkLst>
-        <pc:spChg chg="mod ord">
-          <ac:chgData name="choi sungwoon" userId="dd863a805e970f02" providerId="LiveId" clId="{8A0E5E79-6D94-496A-9D55-32C1DBF10D41}" dt="2022-04-18T01:19:31.452" v="689"/>
-          <ac:spMkLst>
-            <pc:docMk/>
-            <pc:sldMk cId="2267256780" sldId="318"/>
-            <ac:spMk id="2" creationId="{6FCB2A0A-8027-4DF3-AEC2-6B5155C460F5}"/>
-          </ac:spMkLst>
-        </pc:spChg>
-        <pc:spChg chg="del mod ord">
-          <ac:chgData name="choi sungwoon" userId="dd863a805e970f02" providerId="LiveId" clId="{8A0E5E79-6D94-496A-9D55-32C1DBF10D41}" dt="2022-04-17T22:25:42.140" v="1" actId="700"/>
-          <ac:spMkLst>
-            <pc:docMk/>
-            <pc:sldMk cId="2267256780" sldId="318"/>
-            <ac:spMk id="3" creationId="{F835BB5E-6B68-4759-AA95-87C8435AC685}"/>
-          </ac:spMkLst>
-        </pc:spChg>
-        <pc:spChg chg="mod ord">
-          <ac:chgData name="choi sungwoon" userId="dd863a805e970f02" providerId="LiveId" clId="{8A0E5E79-6D94-496A-9D55-32C1DBF10D41}" dt="2022-04-18T00:08:10.885" v="225"/>
-          <ac:spMkLst>
-            <pc:docMk/>
-            <pc:sldMk cId="2267256780" sldId="318"/>
-            <ac:spMk id="4" creationId="{A2505BF3-4D79-44F5-8F7C-E6BAEA76976B}"/>
-          </ac:spMkLst>
-        </pc:spChg>
-        <pc:spChg chg="mod ord">
-          <ac:chgData name="choi sungwoon" userId="dd863a805e970f02" providerId="LiveId" clId="{8A0E5E79-6D94-496A-9D55-32C1DBF10D41}" dt="2022-04-18T00:08:10.885" v="225"/>
-          <ac:spMkLst>
-            <pc:docMk/>
-            <pc:sldMk cId="2267256780" sldId="318"/>
-            <ac:spMk id="5" creationId="{9EE095CF-3E79-485D-876E-A3BFB63004DF}"/>
-          </ac:spMkLst>
-        </pc:spChg>
-        <pc:spChg chg="add mod ord">
-          <ac:chgData name="choi sungwoon" userId="dd863a805e970f02" providerId="LiveId" clId="{8A0E5E79-6D94-496A-9D55-32C1DBF10D41}" dt="2022-04-18T00:08:10.885" v="225"/>
-          <ac:spMkLst>
-            <pc:docMk/>
-            <pc:sldMk cId="2267256780" sldId="318"/>
-            <ac:spMk id="6" creationId="{88CF9E69-8A00-40C5-8C63-1C6971FD34B3}"/>
-          </ac:spMkLst>
-        </pc:spChg>
-        <pc:spChg chg="add mod ord">
-          <ac:chgData name="choi sungwoon" userId="dd863a805e970f02" providerId="LiveId" clId="{8A0E5E79-6D94-496A-9D55-32C1DBF10D41}" dt="2022-04-18T00:09:58.126" v="357" actId="6549"/>
-          <ac:spMkLst>
-            <pc:docMk/>
-            <pc:sldMk cId="2267256780" sldId="318"/>
-            <ac:spMk id="7" creationId="{60429683-71FB-4591-BE05-A807DD810990}"/>
-          </ac:spMkLst>
-        </pc:spChg>
-        <pc:spChg chg="add del mod">
-          <ac:chgData name="choi sungwoon" userId="dd863a805e970f02" providerId="LiveId" clId="{8A0E5E79-6D94-496A-9D55-32C1DBF10D41}" dt="2022-04-18T00:08:10.885" v="225"/>
-          <ac:spMkLst>
-            <pc:docMk/>
-            <pc:sldMk cId="2267256780" sldId="318"/>
-            <ac:spMk id="10" creationId="{5D56BB26-F66E-43BE-8181-5FD8939028B4}"/>
-          </ac:spMkLst>
-        </pc:spChg>
-        <pc:spChg chg="add del mod">
-          <ac:chgData name="choi sungwoon" userId="dd863a805e970f02" providerId="LiveId" clId="{8A0E5E79-6D94-496A-9D55-32C1DBF10D41}" dt="2022-04-18T00:08:10.885" v="225"/>
-          <ac:spMkLst>
-            <pc:docMk/>
-            <pc:sldMk cId="2267256780" sldId="318"/>
-            <ac:spMk id="11" creationId="{720FF8D0-3591-4C78-91C1-FEA60684E731}"/>
-          </ac:spMkLst>
-        </pc:spChg>
-        <pc:spChg chg="add del mod">
-          <ac:chgData name="choi sungwoon" userId="dd863a805e970f02" providerId="LiveId" clId="{8A0E5E79-6D94-496A-9D55-32C1DBF10D41}" dt="2022-04-18T00:08:10.885" v="225"/>
-          <ac:spMkLst>
-            <pc:docMk/>
-            <pc:sldMk cId="2267256780" sldId="318"/>
-            <ac:spMk id="12" creationId="{5EF799E8-9A24-4616-A720-CCC7C07BCF05}"/>
-          </ac:spMkLst>
-        </pc:spChg>
-        <pc:spChg chg="add del mod">
-          <ac:chgData name="choi sungwoon" userId="dd863a805e970f02" providerId="LiveId" clId="{8A0E5E79-6D94-496A-9D55-32C1DBF10D41}" dt="2022-04-18T00:08:10.885" v="225"/>
-          <ac:spMkLst>
-            <pc:docMk/>
-            <pc:sldMk cId="2267256780" sldId="318"/>
-            <ac:spMk id="13" creationId="{8918A5C8-B57D-46DF-9A66-20451D8857FC}"/>
-          </ac:spMkLst>
-        </pc:spChg>
-        <pc:spChg chg="add del mod">
-          <ac:chgData name="choi sungwoon" userId="dd863a805e970f02" providerId="LiveId" clId="{8A0E5E79-6D94-496A-9D55-32C1DBF10D41}" dt="2022-04-18T00:08:10.885" v="225"/>
-          <ac:spMkLst>
-            <pc:docMk/>
-            <pc:sldMk cId="2267256780" sldId="318"/>
-            <ac:spMk id="14" creationId="{1172D91C-1D00-48C2-9DA3-C8E17C33FDD5}"/>
-          </ac:spMkLst>
-        </pc:spChg>
-        <pc:graphicFrameChg chg="add del">
-          <ac:chgData name="choi sungwoon" userId="dd863a805e970f02" providerId="LiveId" clId="{8A0E5E79-6D94-496A-9D55-32C1DBF10D41}" dt="2022-04-18T00:06:21.052" v="174" actId="478"/>
-          <ac:graphicFrameMkLst>
-            <pc:docMk/>
-            <pc:sldMk cId="2267256780" sldId="318"/>
-            <ac:graphicFrameMk id="8" creationId="{3F968254-A8EB-4FE9-B493-3F944BBB317E}"/>
-          </ac:graphicFrameMkLst>
-        </pc:graphicFrameChg>
-        <pc:graphicFrameChg chg="add mod modGraphic">
-          <ac:chgData name="choi sungwoon" userId="dd863a805e970f02" providerId="LiveId" clId="{8A0E5E79-6D94-496A-9D55-32C1DBF10D41}" dt="2022-04-18T00:10:53.037" v="359" actId="1076"/>
-          <ac:graphicFrameMkLst>
-            <pc:docMk/>
-            <pc:sldMk cId="2267256780" sldId="318"/>
-            <ac:graphicFrameMk id="9" creationId="{E50268E5-FD4A-4B71-B457-1772D41AAEEE}"/>
-          </ac:graphicFrameMkLst>
-        </pc:graphicFrameChg>
       </pc:sldChg>
-      <pc:sldChg chg="addSp delSp modSp new mod modClrScheme chgLayout">
-        <pc:chgData name="choi sungwoon" userId="dd863a805e970f02" providerId="LiveId" clId="{8A0E5E79-6D94-496A-9D55-32C1DBF10D41}" dt="2022-04-18T00:49:05.622" v="645" actId="1076"/>
+      <pc:sldChg chg="del">
+        <pc:chgData name="choi sungwoon" userId="dd863a805e970f02" providerId="LiveId" clId="{9C9EC46F-1152-4496-A736-3DD329BD77C4}" dt="2022-03-02T00:35:53.264" v="0" actId="47"/>
         <pc:sldMkLst>
           <pc:docMk/>
-          <pc:sldMk cId="8479433" sldId="319"/>
+          <pc:sldMk cId="1585406783" sldId="274"/>
         </pc:sldMkLst>
-        <pc:spChg chg="del">
-          <ac:chgData name="choi sungwoon" userId="dd863a805e970f02" providerId="LiveId" clId="{8A0E5E79-6D94-496A-9D55-32C1DBF10D41}" dt="2022-04-18T00:12:17.528" v="361" actId="700"/>
-          <ac:spMkLst>
-            <pc:docMk/>
-            <pc:sldMk cId="8479433" sldId="319"/>
-            <ac:spMk id="2" creationId="{93208FAF-90DC-455F-A128-6308292E4CCC}"/>
-          </ac:spMkLst>
-        </pc:spChg>
-        <pc:spChg chg="del mod ord">
-          <ac:chgData name="choi sungwoon" userId="dd863a805e970f02" providerId="LiveId" clId="{8A0E5E79-6D94-496A-9D55-32C1DBF10D41}" dt="2022-04-18T00:12:17.528" v="361" actId="700"/>
-          <ac:spMkLst>
-            <pc:docMk/>
-            <pc:sldMk cId="8479433" sldId="319"/>
-            <ac:spMk id="3" creationId="{534D7161-2FA8-43AE-92F0-DA0BCA3107FF}"/>
-          </ac:spMkLst>
-        </pc:spChg>
-        <pc:spChg chg="del mod ord">
-          <ac:chgData name="choi sungwoon" userId="dd863a805e970f02" providerId="LiveId" clId="{8A0E5E79-6D94-496A-9D55-32C1DBF10D41}" dt="2022-04-18T00:12:17.528" v="361" actId="700"/>
-          <ac:spMkLst>
-            <pc:docMk/>
-            <pc:sldMk cId="8479433" sldId="319"/>
-            <ac:spMk id="4" creationId="{FF4EC790-CBAA-41E6-9439-1F583587335F}"/>
-          </ac:spMkLst>
-        </pc:spChg>
-        <pc:spChg chg="mod ord">
-          <ac:chgData name="choi sungwoon" userId="dd863a805e970f02" providerId="LiveId" clId="{8A0E5E79-6D94-496A-9D55-32C1DBF10D41}" dt="2022-04-18T00:12:17.528" v="361" actId="700"/>
-          <ac:spMkLst>
-            <pc:docMk/>
-            <pc:sldMk cId="8479433" sldId="319"/>
-            <ac:spMk id="5" creationId="{8AA1591F-9227-490C-8293-96A8CB4068E8}"/>
-          </ac:spMkLst>
-        </pc:spChg>
-        <pc:spChg chg="mod ord">
-          <ac:chgData name="choi sungwoon" userId="dd863a805e970f02" providerId="LiveId" clId="{8A0E5E79-6D94-496A-9D55-32C1DBF10D41}" dt="2022-04-18T00:12:17.528" v="361" actId="700"/>
-          <ac:spMkLst>
-            <pc:docMk/>
-            <pc:sldMk cId="8479433" sldId="319"/>
-            <ac:spMk id="6" creationId="{B2271DEF-FEDF-4592-8285-517CDB3355D4}"/>
-          </ac:spMkLst>
-        </pc:spChg>
-        <pc:spChg chg="add mod ord">
-          <ac:chgData name="choi sungwoon" userId="dd863a805e970f02" providerId="LiveId" clId="{8A0E5E79-6D94-496A-9D55-32C1DBF10D41}" dt="2022-04-18T00:23:43.045" v="571" actId="15"/>
-          <ac:spMkLst>
-            <pc:docMk/>
-            <pc:sldMk cId="8479433" sldId="319"/>
-            <ac:spMk id="7" creationId="{171DE78A-9972-463C-8F7C-07B1739863C6}"/>
-          </ac:spMkLst>
-        </pc:spChg>
-        <pc:spChg chg="add del mod ord">
-          <ac:chgData name="choi sungwoon" userId="dd863a805e970f02" providerId="LiveId" clId="{8A0E5E79-6D94-496A-9D55-32C1DBF10D41}" dt="2022-04-18T00:27:58.799" v="610" actId="3680"/>
-          <ac:spMkLst>
-            <pc:docMk/>
-            <pc:sldMk cId="8479433" sldId="319"/>
-            <ac:spMk id="8" creationId="{E7395D9C-A7FC-4E61-AB3C-2BB1948B2657}"/>
-          </ac:spMkLst>
-        </pc:spChg>
-        <pc:spChg chg="add mod">
-          <ac:chgData name="choi sungwoon" userId="dd863a805e970f02" providerId="LiveId" clId="{8A0E5E79-6D94-496A-9D55-32C1DBF10D41}" dt="2022-04-18T00:23:48.611" v="572" actId="1076"/>
-          <ac:spMkLst>
-            <pc:docMk/>
-            <pc:sldMk cId="8479433" sldId="319"/>
-            <ac:spMk id="9" creationId="{85976EF0-2891-4029-A5AC-DA94E927B6AD}"/>
-          </ac:spMkLst>
-        </pc:spChg>
-        <pc:spChg chg="add del mod">
-          <ac:chgData name="choi sungwoon" userId="dd863a805e970f02" providerId="LiveId" clId="{8A0E5E79-6D94-496A-9D55-32C1DBF10D41}" dt="2022-04-18T00:13:05.952" v="437" actId="478"/>
-          <ac:spMkLst>
-            <pc:docMk/>
-            <pc:sldMk cId="8479433" sldId="319"/>
-            <ac:spMk id="10" creationId="{85B7993D-94BF-4A97-9232-6C5BCA5FBCC4}"/>
-          </ac:spMkLst>
-        </pc:spChg>
-        <pc:spChg chg="add mod">
-          <ac:chgData name="choi sungwoon" userId="dd863a805e970f02" providerId="LiveId" clId="{8A0E5E79-6D94-496A-9D55-32C1DBF10D41}" dt="2022-04-18T00:44:45.654" v="644" actId="14100"/>
-          <ac:spMkLst>
-            <pc:docMk/>
-            <pc:sldMk cId="8479433" sldId="319"/>
-            <ac:spMk id="11" creationId="{0EDCF5E1-7B73-4A43-A987-06C20BA57804}"/>
-          </ac:spMkLst>
-        </pc:spChg>
-        <pc:spChg chg="add mod">
-          <ac:chgData name="choi sungwoon" userId="dd863a805e970f02" providerId="LiveId" clId="{8A0E5E79-6D94-496A-9D55-32C1DBF10D41}" dt="2022-04-18T00:44:39.273" v="643" actId="1076"/>
-          <ac:spMkLst>
-            <pc:docMk/>
-            <pc:sldMk cId="8479433" sldId="319"/>
-            <ac:spMk id="13" creationId="{8F2B19A0-BEC0-4BE6-B7A7-353FEB8A6E64}"/>
-          </ac:spMkLst>
-        </pc:spChg>
-        <pc:spChg chg="add mod">
-          <ac:chgData name="choi sungwoon" userId="dd863a805e970f02" providerId="LiveId" clId="{8A0E5E79-6D94-496A-9D55-32C1DBF10D41}" dt="2022-04-18T00:49:05.622" v="645" actId="1076"/>
-          <ac:spMkLst>
-            <pc:docMk/>
-            <pc:sldMk cId="8479433" sldId="319"/>
-            <ac:spMk id="14" creationId="{4D40CFBD-6319-4BB8-9479-3645DD48A54A}"/>
-          </ac:spMkLst>
-        </pc:spChg>
-        <pc:spChg chg="add mod">
-          <ac:chgData name="choi sungwoon" userId="dd863a805e970f02" providerId="LiveId" clId="{8A0E5E79-6D94-496A-9D55-32C1DBF10D41}" dt="2022-04-18T00:49:05.622" v="645" actId="1076"/>
-          <ac:spMkLst>
-            <pc:docMk/>
-            <pc:sldMk cId="8479433" sldId="319"/>
-            <ac:spMk id="15" creationId="{2CFC7D53-C7C2-4F8F-B771-423F7535DDF9}"/>
-          </ac:spMkLst>
-        </pc:spChg>
-        <pc:spChg chg="add mod">
-          <ac:chgData name="choi sungwoon" userId="dd863a805e970f02" providerId="LiveId" clId="{8A0E5E79-6D94-496A-9D55-32C1DBF10D41}" dt="2022-04-18T00:49:05.622" v="645" actId="1076"/>
-          <ac:spMkLst>
-            <pc:docMk/>
-            <pc:sldMk cId="8479433" sldId="319"/>
-            <ac:spMk id="16" creationId="{DD78F409-3443-4EDD-BD35-1B774D44120D}"/>
-          </ac:spMkLst>
-        </pc:spChg>
-        <pc:spChg chg="add mod">
-          <ac:chgData name="choi sungwoon" userId="dd863a805e970f02" providerId="LiveId" clId="{8A0E5E79-6D94-496A-9D55-32C1DBF10D41}" dt="2022-04-18T00:49:05.622" v="645" actId="1076"/>
-          <ac:spMkLst>
-            <pc:docMk/>
-            <pc:sldMk cId="8479433" sldId="319"/>
-            <ac:spMk id="18" creationId="{688B148F-79F6-4A95-914F-6D14C92407B7}"/>
-          </ac:spMkLst>
-        </pc:spChg>
-        <pc:spChg chg="add mod">
-          <ac:chgData name="choi sungwoon" userId="dd863a805e970f02" providerId="LiveId" clId="{8A0E5E79-6D94-496A-9D55-32C1DBF10D41}" dt="2022-04-18T00:49:05.622" v="645" actId="1076"/>
-          <ac:spMkLst>
-            <pc:docMk/>
-            <pc:sldMk cId="8479433" sldId="319"/>
-            <ac:spMk id="23" creationId="{5FC486A5-6359-4C70-AEAE-15DB7EA9BF62}"/>
-          </ac:spMkLst>
-        </pc:spChg>
-        <pc:spChg chg="add mod">
-          <ac:chgData name="choi sungwoon" userId="dd863a805e970f02" providerId="LiveId" clId="{8A0E5E79-6D94-496A-9D55-32C1DBF10D41}" dt="2022-04-18T00:49:05.622" v="645" actId="1076"/>
-          <ac:spMkLst>
-            <pc:docMk/>
-            <pc:sldMk cId="8479433" sldId="319"/>
-            <ac:spMk id="24" creationId="{78B6824A-5A82-4880-A065-95935203F511}"/>
-          </ac:spMkLst>
-        </pc:spChg>
-        <pc:spChg chg="add mod">
-          <ac:chgData name="choi sungwoon" userId="dd863a805e970f02" providerId="LiveId" clId="{8A0E5E79-6D94-496A-9D55-32C1DBF10D41}" dt="2022-04-18T00:49:05.622" v="645" actId="1076"/>
-          <ac:spMkLst>
-            <pc:docMk/>
-            <pc:sldMk cId="8479433" sldId="319"/>
-            <ac:spMk id="25" creationId="{5F6B336E-5FA7-43F8-8447-BDFB0DB1B3D2}"/>
-          </ac:spMkLst>
-        </pc:spChg>
-        <pc:graphicFrameChg chg="add mod ord modGraphic">
-          <ac:chgData name="choi sungwoon" userId="dd863a805e970f02" providerId="LiveId" clId="{8A0E5E79-6D94-496A-9D55-32C1DBF10D41}" dt="2022-04-18T00:49:05.622" v="645" actId="1076"/>
-          <ac:graphicFrameMkLst>
-            <pc:docMk/>
-            <pc:sldMk cId="8479433" sldId="319"/>
-            <ac:graphicFrameMk id="17" creationId="{8F084C23-2925-4CE8-B117-77EC0D32F961}"/>
-          </ac:graphicFrameMkLst>
-        </pc:graphicFrameChg>
-        <pc:cxnChg chg="add mod">
-          <ac:chgData name="choi sungwoon" userId="dd863a805e970f02" providerId="LiveId" clId="{8A0E5E79-6D94-496A-9D55-32C1DBF10D41}" dt="2022-04-18T00:44:45.654" v="644" actId="14100"/>
-          <ac:cxnSpMkLst>
-            <pc:docMk/>
-            <pc:sldMk cId="8479433" sldId="319"/>
-            <ac:cxnSpMk id="12" creationId="{3E18EA2D-E8C7-427C-AB54-B5D21DA2BAF2}"/>
-          </ac:cxnSpMkLst>
-        </pc:cxnChg>
-        <pc:cxnChg chg="add mod">
-          <ac:chgData name="choi sungwoon" userId="dd863a805e970f02" providerId="LiveId" clId="{8A0E5E79-6D94-496A-9D55-32C1DBF10D41}" dt="2022-04-18T00:49:05.622" v="645" actId="1076"/>
-          <ac:cxnSpMkLst>
-            <pc:docMk/>
-            <pc:sldMk cId="8479433" sldId="319"/>
-            <ac:cxnSpMk id="20" creationId="{708DC581-E0CA-4C11-A65D-789BE4E5E2BB}"/>
-          </ac:cxnSpMkLst>
-        </pc:cxnChg>
       </pc:sldChg>
-      <pc:sldChg chg="modSp new mod">
-        <pc:chgData name="choi sungwoon" userId="dd863a805e970f02" providerId="LiveId" clId="{8A0E5E79-6D94-496A-9D55-32C1DBF10D41}" dt="2022-04-18T01:19:04.316" v="672"/>
+      <pc:sldChg chg="modSp mod">
+        <pc:chgData name="choi sungwoon" userId="dd863a805e970f02" providerId="LiveId" clId="{9C9EC46F-1152-4496-A736-3DD329BD77C4}" dt="2022-03-02T01:14:53.421" v="401"/>
         <pc:sldMkLst>
           <pc:docMk/>
-          <pc:sldMk cId="2903520252" sldId="320"/>
+          <pc:sldMk cId="1840630231" sldId="295"/>
         </pc:sldMkLst>
         <pc:spChg chg="mod">
-          <ac:chgData name="choi sungwoon" userId="dd863a805e970f02" providerId="LiveId" clId="{8A0E5E79-6D94-496A-9D55-32C1DBF10D41}" dt="2022-04-18T01:19:04.316" v="672"/>
-          <ac:spMkLst>
-            <pc:docMk/>
-            <pc:sldMk cId="2903520252" sldId="320"/>
-            <ac:spMk id="2" creationId="{A1F3C985-21A4-44D5-AC5D-007D0D623BD6}"/>
+          <ac:chgData name="choi sungwoon" userId="dd863a805e970f02" providerId="LiveId" clId="{9C9EC46F-1152-4496-A736-3DD329BD77C4}" dt="2022-03-02T00:36:25.010" v="48"/>
+          <ac:spMkLst>
+            <pc:docMk/>
+            <pc:sldMk cId="1840630231" sldId="295"/>
+            <ac:spMk id="2" creationId="{00000000-0000-0000-0000-000000000000}"/>
+          </ac:spMkLst>
+        </pc:spChg>
+        <pc:spChg chg="mod">
+          <ac:chgData name="choi sungwoon" userId="dd863a805e970f02" providerId="LiveId" clId="{9C9EC46F-1152-4496-A736-3DD329BD77C4}" dt="2022-03-02T01:12:53.307" v="225" actId="20577"/>
+          <ac:spMkLst>
+            <pc:docMk/>
+            <pc:sldMk cId="1840630231" sldId="295"/>
+            <ac:spMk id="3" creationId="{00000000-0000-0000-0000-000000000000}"/>
+          </ac:spMkLst>
+        </pc:spChg>
+        <pc:spChg chg="mod">
+          <ac:chgData name="choi sungwoon" userId="dd863a805e970f02" providerId="LiveId" clId="{9C9EC46F-1152-4496-A736-3DD329BD77C4}" dt="2022-03-02T01:14:53.421" v="401"/>
+          <ac:spMkLst>
+            <pc:docMk/>
+            <pc:sldMk cId="1840630231" sldId="295"/>
+            <ac:spMk id="4" creationId="{00000000-0000-0000-0000-000000000000}"/>
           </ac:spMkLst>
         </pc:spChg>
       </pc:sldChg>
-    </pc:docChg>
-  </pc:docChgLst>
-  <pc:docChgLst>
-    <pc:chgData name="choi sungwoon" userId="dd863a805e970f02" providerId="LiveId" clId="{52F1679C-C1CE-4E42-94B3-FF28789B0641}"/>
-    <pc:docChg chg="custSel modSld">
-      <pc:chgData name="choi sungwoon" userId="dd863a805e970f02" providerId="LiveId" clId="{52F1679C-C1CE-4E42-94B3-FF28789B0641}" dt="2019-05-29T13:54:30.997" v="2" actId="478"/>
-      <pc:docMkLst>
-        <pc:docMk/>
-      </pc:docMkLst>
-      <pc:sldChg chg="addSp delSp">
-        <pc:chgData name="choi sungwoon" userId="dd863a805e970f02" providerId="LiveId" clId="{52F1679C-C1CE-4E42-94B3-FF28789B0641}" dt="2019-05-29T13:54:30.997" v="2" actId="478"/>
+      <pc:sldChg chg="del">
+        <pc:chgData name="choi sungwoon" userId="dd863a805e970f02" providerId="LiveId" clId="{9C9EC46F-1152-4496-A736-3DD329BD77C4}" dt="2022-03-02T00:35:53.264" v="0" actId="47"/>
         <pc:sldMkLst>
           <pc:docMk/>
-          <pc:sldMk cId="2485293746" sldId="256"/>
+          <pc:sldMk cId="3692906224" sldId="297"/>
         </pc:sldMkLst>
-        <pc:inkChg chg="add">
-          <ac:chgData name="choi sungwoon" userId="dd863a805e970f02" providerId="LiveId" clId="{52F1679C-C1CE-4E42-94B3-FF28789B0641}" dt="2019-05-28T22:10:58.690" v="0" actId="9405"/>
-          <ac:inkMkLst>
-            <pc:docMk/>
-            <pc:sldMk cId="2485293746" sldId="256"/>
-            <ac:inkMk id="4" creationId="{FCB28EA2-490E-40CA-AA3B-D281A059F9B9}"/>
-          </ac:inkMkLst>
-        </pc:inkChg>
-        <pc:inkChg chg="add del">
-          <ac:chgData name="choi sungwoon" userId="dd863a805e970f02" providerId="LiveId" clId="{52F1679C-C1CE-4E42-94B3-FF28789B0641}" dt="2019-05-29T13:54:30.997" v="2" actId="478"/>
-          <ac:inkMkLst>
-            <pc:docMk/>
-            <pc:sldMk cId="2485293746" sldId="256"/>
-            <ac:inkMk id="5" creationId="{59FD07CF-5230-4010-ADCC-1DD5F68193B0}"/>
-          </ac:inkMkLst>
-        </pc:inkChg>
       </pc:sldChg>
+      <pc:sldChg chg="del">
+        <pc:chgData name="choi sungwoon" userId="dd863a805e970f02" providerId="LiveId" clId="{9C9EC46F-1152-4496-A736-3DD329BD77C4}" dt="2022-03-02T00:35:53.264" v="0" actId="47"/>
+        <pc:sldMkLst>
+          <pc:docMk/>
+          <pc:sldMk cId="2885449281" sldId="302"/>
+        </pc:sldMkLst>
+      </pc:sldChg>
+      <pc:sldChg chg="del">
+        <pc:chgData name="choi sungwoon" userId="dd863a805e970f02" providerId="LiveId" clId="{9C9EC46F-1152-4496-A736-3DD329BD77C4}" dt="2022-03-02T00:35:53.264" v="0" actId="47"/>
+        <pc:sldMkLst>
+          <pc:docMk/>
+          <pc:sldMk cId="1227341336" sldId="304"/>
+        </pc:sldMkLst>
+      </pc:sldChg>
+      <pc:sldMasterChg chg="delSldLayout">
+        <pc:chgData name="choi sungwoon" userId="dd863a805e970f02" providerId="LiveId" clId="{9C9EC46F-1152-4496-A736-3DD329BD77C4}" dt="2022-03-02T00:35:53.264" v="0" actId="47"/>
+        <pc:sldMasterMkLst>
+          <pc:docMk/>
+          <pc:sldMasterMk cId="0" sldId="2147483648"/>
+        </pc:sldMasterMkLst>
+        <pc:sldLayoutChg chg="del">
+          <pc:chgData name="choi sungwoon" userId="dd863a805e970f02" providerId="LiveId" clId="{9C9EC46F-1152-4496-A736-3DD329BD77C4}" dt="2022-03-02T00:35:53.264" v="0" actId="47"/>
+          <pc:sldLayoutMkLst>
+            <pc:docMk/>
+            <pc:sldMasterMk cId="0" sldId="2147483648"/>
+            <pc:sldLayoutMk cId="3345718621" sldId="2147483664"/>
+          </pc:sldLayoutMkLst>
+        </pc:sldLayoutChg>
+      </pc:sldMasterChg>
     </pc:docChg>
   </pc:docChgLst>
   <pc:docChgLst>
@@ -4801,451 +5248,6 @@
           </pc:cxnChg>
         </pc:sldLayoutChg>
       </pc:sldMasterChg>
-    </pc:docChg>
-  </pc:docChgLst>
-  <pc:docChgLst>
-    <pc:chgData name="choi sungwoon" userId="dd863a805e970f02" providerId="LiveId" clId="{9C9EC46F-1152-4496-A736-3DD329BD77C4}"/>
-    <pc:docChg chg="custSel delSld modSld">
-      <pc:chgData name="choi sungwoon" userId="dd863a805e970f02" providerId="LiveId" clId="{9C9EC46F-1152-4496-A736-3DD329BD77C4}" dt="2022-03-02T01:14:53.421" v="401"/>
-      <pc:docMkLst>
-        <pc:docMk/>
-      </pc:docMkLst>
-      <pc:sldChg chg="del">
-        <pc:chgData name="choi sungwoon" userId="dd863a805e970f02" providerId="LiveId" clId="{9C9EC46F-1152-4496-A736-3DD329BD77C4}" dt="2022-03-02T00:35:53.264" v="0" actId="47"/>
-        <pc:sldMkLst>
-          <pc:docMk/>
-          <pc:sldMk cId="1520484175" sldId="257"/>
-        </pc:sldMkLst>
-      </pc:sldChg>
-      <pc:sldChg chg="del">
-        <pc:chgData name="choi sungwoon" userId="dd863a805e970f02" providerId="LiveId" clId="{9C9EC46F-1152-4496-A736-3DD329BD77C4}" dt="2022-03-02T00:35:53.264" v="0" actId="47"/>
-        <pc:sldMkLst>
-          <pc:docMk/>
-          <pc:sldMk cId="1585406783" sldId="274"/>
-        </pc:sldMkLst>
-      </pc:sldChg>
-      <pc:sldChg chg="modSp mod">
-        <pc:chgData name="choi sungwoon" userId="dd863a805e970f02" providerId="LiveId" clId="{9C9EC46F-1152-4496-A736-3DD329BD77C4}" dt="2022-03-02T01:14:53.421" v="401"/>
-        <pc:sldMkLst>
-          <pc:docMk/>
-          <pc:sldMk cId="1840630231" sldId="295"/>
-        </pc:sldMkLst>
-        <pc:spChg chg="mod">
-          <ac:chgData name="choi sungwoon" userId="dd863a805e970f02" providerId="LiveId" clId="{9C9EC46F-1152-4496-A736-3DD329BD77C4}" dt="2022-03-02T00:36:25.010" v="48"/>
-          <ac:spMkLst>
-            <pc:docMk/>
-            <pc:sldMk cId="1840630231" sldId="295"/>
-            <ac:spMk id="2" creationId="{00000000-0000-0000-0000-000000000000}"/>
-          </ac:spMkLst>
-        </pc:spChg>
-        <pc:spChg chg="mod">
-          <ac:chgData name="choi sungwoon" userId="dd863a805e970f02" providerId="LiveId" clId="{9C9EC46F-1152-4496-A736-3DD329BD77C4}" dt="2022-03-02T01:12:53.307" v="225" actId="20577"/>
-          <ac:spMkLst>
-            <pc:docMk/>
-            <pc:sldMk cId="1840630231" sldId="295"/>
-            <ac:spMk id="3" creationId="{00000000-0000-0000-0000-000000000000}"/>
-          </ac:spMkLst>
-        </pc:spChg>
-        <pc:spChg chg="mod">
-          <ac:chgData name="choi sungwoon" userId="dd863a805e970f02" providerId="LiveId" clId="{9C9EC46F-1152-4496-A736-3DD329BD77C4}" dt="2022-03-02T01:14:53.421" v="401"/>
-          <ac:spMkLst>
-            <pc:docMk/>
-            <pc:sldMk cId="1840630231" sldId="295"/>
-            <ac:spMk id="4" creationId="{00000000-0000-0000-0000-000000000000}"/>
-          </ac:spMkLst>
-        </pc:spChg>
-      </pc:sldChg>
-      <pc:sldChg chg="del">
-        <pc:chgData name="choi sungwoon" userId="dd863a805e970f02" providerId="LiveId" clId="{9C9EC46F-1152-4496-A736-3DD329BD77C4}" dt="2022-03-02T00:35:53.264" v="0" actId="47"/>
-        <pc:sldMkLst>
-          <pc:docMk/>
-          <pc:sldMk cId="3692906224" sldId="297"/>
-        </pc:sldMkLst>
-      </pc:sldChg>
-      <pc:sldChg chg="del">
-        <pc:chgData name="choi sungwoon" userId="dd863a805e970f02" providerId="LiveId" clId="{9C9EC46F-1152-4496-A736-3DD329BD77C4}" dt="2022-03-02T00:35:53.264" v="0" actId="47"/>
-        <pc:sldMkLst>
-          <pc:docMk/>
-          <pc:sldMk cId="2885449281" sldId="302"/>
-        </pc:sldMkLst>
-      </pc:sldChg>
-      <pc:sldChg chg="del">
-        <pc:chgData name="choi sungwoon" userId="dd863a805e970f02" providerId="LiveId" clId="{9C9EC46F-1152-4496-A736-3DD329BD77C4}" dt="2022-03-02T00:35:53.264" v="0" actId="47"/>
-        <pc:sldMkLst>
-          <pc:docMk/>
-          <pc:sldMk cId="1227341336" sldId="304"/>
-        </pc:sldMkLst>
-      </pc:sldChg>
-      <pc:sldMasterChg chg="delSldLayout">
-        <pc:chgData name="choi sungwoon" userId="dd863a805e970f02" providerId="LiveId" clId="{9C9EC46F-1152-4496-A736-3DD329BD77C4}" dt="2022-03-02T00:35:53.264" v="0" actId="47"/>
-        <pc:sldMasterMkLst>
-          <pc:docMk/>
-          <pc:sldMasterMk cId="0" sldId="2147483648"/>
-        </pc:sldMasterMkLst>
-        <pc:sldLayoutChg chg="del">
-          <pc:chgData name="choi sungwoon" userId="dd863a805e970f02" providerId="LiveId" clId="{9C9EC46F-1152-4496-A736-3DD329BD77C4}" dt="2022-03-02T00:35:53.264" v="0" actId="47"/>
-          <pc:sldLayoutMkLst>
-            <pc:docMk/>
-            <pc:sldMasterMk cId="0" sldId="2147483648"/>
-            <pc:sldLayoutMk cId="3345718621" sldId="2147483664"/>
-          </pc:sldLayoutMkLst>
-        </pc:sldLayoutChg>
-      </pc:sldMasterChg>
-    </pc:docChg>
-  </pc:docChgLst>
-  <pc:docChgLst>
-    <pc:chgData name="choi sungwoon" userId="dd863a805e970f02" providerId="LiveId" clId="{D3953FFF-05B6-42CB-8B83-486C793F6B02}"/>
-    <pc:docChg chg="undo custSel addSld delSld modSld">
-      <pc:chgData name="choi sungwoon" userId="dd863a805e970f02" providerId="LiveId" clId="{D3953FFF-05B6-42CB-8B83-486C793F6B02}" dt="2022-03-02T00:30:08.776" v="207" actId="6549"/>
-      <pc:docMkLst>
-        <pc:docMk/>
-      </pc:docMkLst>
-      <pc:sldChg chg="modSp mod">
-        <pc:chgData name="choi sungwoon" userId="dd863a805e970f02" providerId="LiveId" clId="{D3953FFF-05B6-42CB-8B83-486C793F6B02}" dt="2022-02-28T06:04:37.783" v="142"/>
-        <pc:sldMkLst>
-          <pc:docMk/>
-          <pc:sldMk cId="2485293746" sldId="256"/>
-        </pc:sldMkLst>
-        <pc:spChg chg="mod">
-          <ac:chgData name="choi sungwoon" userId="dd863a805e970f02" providerId="LiveId" clId="{D3953FFF-05B6-42CB-8B83-486C793F6B02}" dt="2022-02-28T06:04:37.783" v="142"/>
-          <ac:spMkLst>
-            <pc:docMk/>
-            <pc:sldMk cId="2485293746" sldId="256"/>
-            <ac:spMk id="2" creationId="{00000000-0000-0000-0000-000000000000}"/>
-          </ac:spMkLst>
-        </pc:spChg>
-      </pc:sldChg>
-      <pc:sldChg chg="modSp mod">
-        <pc:chgData name="choi sungwoon" userId="dd863a805e970f02" providerId="LiveId" clId="{D3953FFF-05B6-42CB-8B83-486C793F6B02}" dt="2022-02-28T06:07:07.173" v="147"/>
-        <pc:sldMkLst>
-          <pc:docMk/>
-          <pc:sldMk cId="1585406783" sldId="274"/>
-        </pc:sldMkLst>
-        <pc:spChg chg="mod">
-          <ac:chgData name="choi sungwoon" userId="dd863a805e970f02" providerId="LiveId" clId="{D3953FFF-05B6-42CB-8B83-486C793F6B02}" dt="2022-02-28T06:07:07.173" v="147"/>
-          <ac:spMkLst>
-            <pc:docMk/>
-            <pc:sldMk cId="1585406783" sldId="274"/>
-            <ac:spMk id="3" creationId="{00000000-0000-0000-0000-000000000000}"/>
-          </ac:spMkLst>
-        </pc:spChg>
-      </pc:sldChg>
-      <pc:sldChg chg="addSp delSp modSp mod">
-        <pc:chgData name="choi sungwoon" userId="dd863a805e970f02" providerId="LiveId" clId="{D3953FFF-05B6-42CB-8B83-486C793F6B02}" dt="2022-03-01T08:06:27.123" v="193" actId="9405"/>
-        <pc:sldMkLst>
-          <pc:docMk/>
-          <pc:sldMk cId="1840630231" sldId="295"/>
-        </pc:sldMkLst>
-        <pc:spChg chg="mod">
-          <ac:chgData name="choi sungwoon" userId="dd863a805e970f02" providerId="LiveId" clId="{D3953FFF-05B6-42CB-8B83-486C793F6B02}" dt="2022-02-28T06:06:14.273" v="143"/>
-          <ac:spMkLst>
-            <pc:docMk/>
-            <pc:sldMk cId="1840630231" sldId="295"/>
-            <ac:spMk id="3" creationId="{00000000-0000-0000-0000-000000000000}"/>
-          </ac:spMkLst>
-        </pc:spChg>
-        <pc:spChg chg="mod">
-          <ac:chgData name="choi sungwoon" userId="dd863a805e970f02" providerId="LiveId" clId="{D3953FFF-05B6-42CB-8B83-486C793F6B02}" dt="2022-02-28T06:04:07.206" v="77" actId="14"/>
-          <ac:spMkLst>
-            <pc:docMk/>
-            <pc:sldMk cId="1840630231" sldId="295"/>
-            <ac:spMk id="4" creationId="{00000000-0000-0000-0000-000000000000}"/>
-          </ac:spMkLst>
-        </pc:spChg>
-        <pc:grpChg chg="del mod">
-          <ac:chgData name="choi sungwoon" userId="dd863a805e970f02" providerId="LiveId" clId="{D3953FFF-05B6-42CB-8B83-486C793F6B02}" dt="2022-03-01T08:05:30.779" v="157"/>
-          <ac:grpSpMkLst>
-            <pc:docMk/>
-            <pc:sldMk cId="1840630231" sldId="295"/>
-            <ac:grpSpMk id="9" creationId="{6A879285-E47E-4A79-8836-8DC557F03A52}"/>
-          </ac:grpSpMkLst>
-        </pc:grpChg>
-        <pc:grpChg chg="del mod">
-          <ac:chgData name="choi sungwoon" userId="dd863a805e970f02" providerId="LiveId" clId="{D3953FFF-05B6-42CB-8B83-486C793F6B02}" dt="2022-03-01T08:05:48.783" v="174"/>
-          <ac:grpSpMkLst>
-            <pc:docMk/>
-            <pc:sldMk cId="1840630231" sldId="295"/>
-            <ac:grpSpMk id="12" creationId="{DAA310F7-FCEA-4839-8C43-7581BCC51C73}"/>
-          </ac:grpSpMkLst>
-        </pc:grpChg>
-        <pc:grpChg chg="del mod">
-          <ac:chgData name="choi sungwoon" userId="dd863a805e970f02" providerId="LiveId" clId="{D3953FFF-05B6-42CB-8B83-486C793F6B02}" dt="2022-03-01T08:05:44.163" v="169"/>
-          <ac:grpSpMkLst>
-            <pc:docMk/>
-            <pc:sldMk cId="1840630231" sldId="295"/>
-            <ac:grpSpMk id="17" creationId="{9236B06A-2FB5-4B71-BBDF-C612F423CAFB}"/>
-          </ac:grpSpMkLst>
-        </pc:grpChg>
-        <pc:grpChg chg="del mod">
-          <ac:chgData name="choi sungwoon" userId="dd863a805e970f02" providerId="LiveId" clId="{D3953FFF-05B6-42CB-8B83-486C793F6B02}" dt="2022-03-01T08:05:48.784" v="175"/>
-          <ac:grpSpMkLst>
-            <pc:docMk/>
-            <pc:sldMk cId="1840630231" sldId="295"/>
-            <ac:grpSpMk id="20" creationId="{5241782C-AE88-46A2-9971-DEC0C5EC457C}"/>
-          </ac:grpSpMkLst>
-        </pc:grpChg>
-        <pc:grpChg chg="del mod">
-          <ac:chgData name="choi sungwoon" userId="dd863a805e970f02" providerId="LiveId" clId="{D3953FFF-05B6-42CB-8B83-486C793F6B02}" dt="2022-03-01T08:06:15.965" v="181"/>
-          <ac:grpSpMkLst>
-            <pc:docMk/>
-            <pc:sldMk cId="1840630231" sldId="295"/>
-            <ac:grpSpMk id="25" creationId="{D97FC7F7-7576-4CA4-B60E-33FDD0652D29}"/>
-          </ac:grpSpMkLst>
-        </pc:grpChg>
-        <pc:grpChg chg="mod">
-          <ac:chgData name="choi sungwoon" userId="dd863a805e970f02" providerId="LiveId" clId="{D3953FFF-05B6-42CB-8B83-486C793F6B02}" dt="2022-03-01T08:06:25.251" v="190"/>
-          <ac:grpSpMkLst>
-            <pc:docMk/>
-            <pc:sldMk cId="1840630231" sldId="295"/>
-            <ac:grpSpMk id="30" creationId="{2D363C25-880C-4E1B-A07C-FD9EBAF14A18}"/>
-          </ac:grpSpMkLst>
-        </pc:grpChg>
-        <pc:inkChg chg="add del">
-          <ac:chgData name="choi sungwoon" userId="dd863a805e970f02" providerId="LiveId" clId="{D3953FFF-05B6-42CB-8B83-486C793F6B02}" dt="2022-03-01T08:05:15.663" v="153"/>
-          <ac:inkMkLst>
-            <pc:docMk/>
-            <pc:sldMk cId="1840630231" sldId="295"/>
-            <ac:inkMk id="5" creationId="{7848D2BB-E62F-4D4B-A775-124BFA3B821E}"/>
-          </ac:inkMkLst>
-        </pc:inkChg>
-        <pc:inkChg chg="add del">
-          <ac:chgData name="choi sungwoon" userId="dd863a805e970f02" providerId="LiveId" clId="{D3953FFF-05B6-42CB-8B83-486C793F6B02}" dt="2022-03-01T08:05:15.655" v="152"/>
-          <ac:inkMkLst>
-            <pc:docMk/>
-            <pc:sldMk cId="1840630231" sldId="295"/>
-            <ac:inkMk id="6" creationId="{1FEFBBDC-DEFF-45D1-9DB3-E8C2CDBCF92E}"/>
-          </ac:inkMkLst>
-        </pc:inkChg>
-        <pc:inkChg chg="add del mod">
-          <ac:chgData name="choi sungwoon" userId="dd863a805e970f02" providerId="LiveId" clId="{D3953FFF-05B6-42CB-8B83-486C793F6B02}" dt="2022-03-01T08:05:30.779" v="157"/>
-          <ac:inkMkLst>
-            <pc:docMk/>
-            <pc:sldMk cId="1840630231" sldId="295"/>
-            <ac:inkMk id="7" creationId="{D957D894-1D9B-4E72-928D-9699D85BE8F5}"/>
-          </ac:inkMkLst>
-        </pc:inkChg>
-        <pc:inkChg chg="add del mod">
-          <ac:chgData name="choi sungwoon" userId="dd863a805e970f02" providerId="LiveId" clId="{D3953FFF-05B6-42CB-8B83-486C793F6B02}" dt="2022-03-01T08:05:30.781" v="158"/>
-          <ac:inkMkLst>
-            <pc:docMk/>
-            <pc:sldMk cId="1840630231" sldId="295"/>
-            <ac:inkMk id="8" creationId="{DC18F8FB-5A6A-4BF1-B0CD-9CD093C89C4C}"/>
-          </ac:inkMkLst>
-        </pc:inkChg>
-        <pc:inkChg chg="add del mod">
-          <ac:chgData name="choi sungwoon" userId="dd863a805e970f02" providerId="LiveId" clId="{D3953FFF-05B6-42CB-8B83-486C793F6B02}" dt="2022-03-01T08:05:48.786" v="177"/>
-          <ac:inkMkLst>
-            <pc:docMk/>
-            <pc:sldMk cId="1840630231" sldId="295"/>
-            <ac:inkMk id="10" creationId="{DC4B5D40-1572-447C-A6FD-4979406931D6}"/>
-          </ac:inkMkLst>
-        </pc:inkChg>
-        <pc:inkChg chg="add del mod">
-          <ac:chgData name="choi sungwoon" userId="dd863a805e970f02" providerId="LiveId" clId="{D3953FFF-05B6-42CB-8B83-486C793F6B02}" dt="2022-03-01T08:05:48.783" v="174"/>
-          <ac:inkMkLst>
-            <pc:docMk/>
-            <pc:sldMk cId="1840630231" sldId="295"/>
-            <ac:inkMk id="11" creationId="{228723B2-9E87-4DB3-9C72-E4A87716B01D}"/>
-          </ac:inkMkLst>
-        </pc:inkChg>
-        <pc:inkChg chg="add del mod">
-          <ac:chgData name="choi sungwoon" userId="dd863a805e970f02" providerId="LiveId" clId="{D3953FFF-05B6-42CB-8B83-486C793F6B02}" dt="2022-03-01T08:05:48.784" v="175"/>
-          <ac:inkMkLst>
-            <pc:docMk/>
-            <pc:sldMk cId="1840630231" sldId="295"/>
-            <ac:inkMk id="13" creationId="{D2CCA858-7D1C-4D53-8A6A-13F3200B841D}"/>
-          </ac:inkMkLst>
-        </pc:inkChg>
-        <pc:inkChg chg="add del mod">
-          <ac:chgData name="choi sungwoon" userId="dd863a805e970f02" providerId="LiveId" clId="{D3953FFF-05B6-42CB-8B83-486C793F6B02}" dt="2022-03-01T08:05:48.778" v="171"/>
-          <ac:inkMkLst>
-            <pc:docMk/>
-            <pc:sldMk cId="1840630231" sldId="295"/>
-            <ac:inkMk id="14" creationId="{1F5C1456-BA15-4491-9FA8-AE700BC636C5}"/>
-          </ac:inkMkLst>
-        </pc:inkChg>
-        <pc:inkChg chg="add del mod">
-          <ac:chgData name="choi sungwoon" userId="dd863a805e970f02" providerId="LiveId" clId="{D3953FFF-05B6-42CB-8B83-486C793F6B02}" dt="2022-03-01T08:05:48.780" v="172"/>
-          <ac:inkMkLst>
-            <pc:docMk/>
-            <pc:sldMk cId="1840630231" sldId="295"/>
-            <ac:inkMk id="15" creationId="{C148FF07-5B0D-4A8A-97BF-9FAEA7DB9B95}"/>
-          </ac:inkMkLst>
-        </pc:inkChg>
-        <pc:inkChg chg="add del mod">
-          <ac:chgData name="choi sungwoon" userId="dd863a805e970f02" providerId="LiveId" clId="{D3953FFF-05B6-42CB-8B83-486C793F6B02}" dt="2022-03-01T08:05:48.785" v="176"/>
-          <ac:inkMkLst>
-            <pc:docMk/>
-            <pc:sldMk cId="1840630231" sldId="295"/>
-            <ac:inkMk id="16" creationId="{8F1DFC68-CD6B-485F-9689-F8CA938B7147}"/>
-          </ac:inkMkLst>
-        </pc:inkChg>
-        <pc:inkChg chg="add del mod">
-          <ac:chgData name="choi sungwoon" userId="dd863a805e970f02" providerId="LiveId" clId="{D3953FFF-05B6-42CB-8B83-486C793F6B02}" dt="2022-03-01T08:05:48.781" v="173"/>
-          <ac:inkMkLst>
-            <pc:docMk/>
-            <pc:sldMk cId="1840630231" sldId="295"/>
-            <ac:inkMk id="18" creationId="{1DEE958B-799C-43B0-91BB-D264B10E54B8}"/>
-          </ac:inkMkLst>
-        </pc:inkChg>
-        <pc:inkChg chg="add del mod">
-          <ac:chgData name="choi sungwoon" userId="dd863a805e970f02" providerId="LiveId" clId="{D3953FFF-05B6-42CB-8B83-486C793F6B02}" dt="2022-03-01T08:05:48.777" v="170"/>
-          <ac:inkMkLst>
-            <pc:docMk/>
-            <pc:sldMk cId="1840630231" sldId="295"/>
-            <ac:inkMk id="19" creationId="{333EFA81-CC3F-4E7F-88D2-9691EA99870D}"/>
-          </ac:inkMkLst>
-        </pc:inkChg>
-        <pc:inkChg chg="add del mod">
-          <ac:chgData name="choi sungwoon" userId="dd863a805e970f02" providerId="LiveId" clId="{D3953FFF-05B6-42CB-8B83-486C793F6B02}" dt="2022-03-01T08:06:15.966" v="182"/>
-          <ac:inkMkLst>
-            <pc:docMk/>
-            <pc:sldMk cId="1840630231" sldId="295"/>
-            <ac:inkMk id="22" creationId="{91EC7C56-CF78-44F3-A4BA-E5AA53B1D196}"/>
-          </ac:inkMkLst>
-        </pc:inkChg>
-        <pc:inkChg chg="add del mod">
-          <ac:chgData name="choi sungwoon" userId="dd863a805e970f02" providerId="LiveId" clId="{D3953FFF-05B6-42CB-8B83-486C793F6B02}" dt="2022-03-01T08:06:15.965" v="181"/>
-          <ac:inkMkLst>
-            <pc:docMk/>
-            <pc:sldMk cId="1840630231" sldId="295"/>
-            <ac:inkMk id="24" creationId="{5EB555CE-45C9-4928-B982-571C663EF689}"/>
-          </ac:inkMkLst>
-        </pc:inkChg>
-        <pc:inkChg chg="add del">
-          <ac:chgData name="choi sungwoon" userId="dd863a805e970f02" providerId="LiveId" clId="{D3953FFF-05B6-42CB-8B83-486C793F6B02}" dt="2022-03-01T08:06:19.117" v="184" actId="9405"/>
-          <ac:inkMkLst>
-            <pc:docMk/>
-            <pc:sldMk cId="1840630231" sldId="295"/>
-            <ac:inkMk id="26" creationId="{24B37C3A-8408-4A9B-8BA7-C6564851518E}"/>
-          </ac:inkMkLst>
-        </pc:inkChg>
-        <pc:inkChg chg="add del">
-          <ac:chgData name="choi sungwoon" userId="dd863a805e970f02" providerId="LiveId" clId="{D3953FFF-05B6-42CB-8B83-486C793F6B02}" dt="2022-03-01T08:06:26.718" v="192" actId="9405"/>
-          <ac:inkMkLst>
-            <pc:docMk/>
-            <pc:sldMk cId="1840630231" sldId="295"/>
-            <ac:inkMk id="27" creationId="{872D565A-6762-4747-B4A8-C24F2D1730E5}"/>
-          </ac:inkMkLst>
-        </pc:inkChg>
-        <pc:inkChg chg="add del mod">
-          <ac:chgData name="choi sungwoon" userId="dd863a805e970f02" providerId="LiveId" clId="{D3953FFF-05B6-42CB-8B83-486C793F6B02}" dt="2022-03-01T08:06:25.935" v="191" actId="9405"/>
-          <ac:inkMkLst>
-            <pc:docMk/>
-            <pc:sldMk cId="1840630231" sldId="295"/>
-            <ac:inkMk id="28" creationId="{DD935BAD-1A83-4A47-9E1C-08036D36954D}"/>
-          </ac:inkMkLst>
-        </pc:inkChg>
-        <pc:inkChg chg="add del mod">
-          <ac:chgData name="choi sungwoon" userId="dd863a805e970f02" providerId="LiveId" clId="{D3953FFF-05B6-42CB-8B83-486C793F6B02}" dt="2022-03-01T08:06:25.251" v="190"/>
-          <ac:inkMkLst>
-            <pc:docMk/>
-            <pc:sldMk cId="1840630231" sldId="295"/>
-            <ac:inkMk id="29" creationId="{A77BABF9-2363-47D7-A0ED-972AADD1A9F8}"/>
-          </ac:inkMkLst>
-        </pc:inkChg>
-        <pc:inkChg chg="add">
-          <ac:chgData name="choi sungwoon" userId="dd863a805e970f02" providerId="LiveId" clId="{D3953FFF-05B6-42CB-8B83-486C793F6B02}" dt="2022-03-01T08:06:27.123" v="193" actId="9405"/>
-          <ac:inkMkLst>
-            <pc:docMk/>
-            <pc:sldMk cId="1840630231" sldId="295"/>
-            <ac:inkMk id="31" creationId="{6AED0832-9105-42FE-9899-4350E4E26352}"/>
-          </ac:inkMkLst>
-        </pc:inkChg>
-      </pc:sldChg>
-      <pc:sldChg chg="modSp mod">
-        <pc:chgData name="choi sungwoon" userId="dd863a805e970f02" providerId="LiveId" clId="{D3953FFF-05B6-42CB-8B83-486C793F6B02}" dt="2022-02-28T06:07:22.813" v="149"/>
-        <pc:sldMkLst>
-          <pc:docMk/>
-          <pc:sldMk cId="3692906224" sldId="297"/>
-        </pc:sldMkLst>
-        <pc:spChg chg="mod">
-          <ac:chgData name="choi sungwoon" userId="dd863a805e970f02" providerId="LiveId" clId="{D3953FFF-05B6-42CB-8B83-486C793F6B02}" dt="2022-02-28T06:07:17.598" v="148"/>
-          <ac:spMkLst>
-            <pc:docMk/>
-            <pc:sldMk cId="3692906224" sldId="297"/>
-            <ac:spMk id="3" creationId="{00000000-0000-0000-0000-000000000000}"/>
-          </ac:spMkLst>
-        </pc:spChg>
-        <pc:spChg chg="mod">
-          <ac:chgData name="choi sungwoon" userId="dd863a805e970f02" providerId="LiveId" clId="{D3953FFF-05B6-42CB-8B83-486C793F6B02}" dt="2022-02-28T06:07:22.813" v="149"/>
-          <ac:spMkLst>
-            <pc:docMk/>
-            <pc:sldMk cId="3692906224" sldId="297"/>
-            <ac:spMk id="4" creationId="{518B59C7-B6A2-4309-9D4C-1BD9AB9DB4D9}"/>
-          </ac:spMkLst>
-        </pc:spChg>
-      </pc:sldChg>
-      <pc:sldChg chg="modSp del mod">
-        <pc:chgData name="choi sungwoon" userId="dd863a805e970f02" providerId="LiveId" clId="{D3953FFF-05B6-42CB-8B83-486C793F6B02}" dt="2022-02-28T06:06:57.200" v="146" actId="47"/>
-        <pc:sldMkLst>
-          <pc:docMk/>
-          <pc:sldMk cId="2409189787" sldId="303"/>
-        </pc:sldMkLst>
-        <pc:spChg chg="mod">
-          <ac:chgData name="choi sungwoon" userId="dd863a805e970f02" providerId="LiveId" clId="{D3953FFF-05B6-42CB-8B83-486C793F6B02}" dt="2022-02-28T06:06:31.334" v="144"/>
-          <ac:spMkLst>
-            <pc:docMk/>
-            <pc:sldMk cId="2409189787" sldId="303"/>
-            <ac:spMk id="3" creationId="{00000000-0000-0000-0000-000000000000}"/>
-          </ac:spMkLst>
-        </pc:spChg>
-      </pc:sldChg>
-      <pc:sldChg chg="modSp add mod">
-        <pc:chgData name="choi sungwoon" userId="dd863a805e970f02" providerId="LiveId" clId="{D3953FFF-05B6-42CB-8B83-486C793F6B02}" dt="2022-03-02T00:30:08.776" v="207" actId="6549"/>
-        <pc:sldMkLst>
-          <pc:docMk/>
-          <pc:sldMk cId="1227341336" sldId="304"/>
-        </pc:sldMkLst>
-        <pc:spChg chg="mod">
-          <ac:chgData name="choi sungwoon" userId="dd863a805e970f02" providerId="LiveId" clId="{D3953FFF-05B6-42CB-8B83-486C793F6B02}" dt="2022-03-02T00:30:08.776" v="207" actId="6549"/>
-          <ac:spMkLst>
-            <pc:docMk/>
-            <pc:sldMk cId="1227341336" sldId="304"/>
-            <ac:spMk id="3" creationId="{00000000-0000-0000-0000-000000000000}"/>
-          </ac:spMkLst>
-        </pc:spChg>
-      </pc:sldChg>
-    </pc:docChg>
-  </pc:docChgLst>
-  <pc:docChgLst>
-    <pc:chgData name="choi sungwoon" userId="dd863a805e970f02" providerId="LiveId" clId="{3223C278-182A-4164-944A-77D2770CD722}"/>
-    <pc:docChg chg="custSel addSld modSld">
-      <pc:chgData name="choi sungwoon" userId="dd863a805e970f02" providerId="LiveId" clId="{3223C278-182A-4164-944A-77D2770CD722}" dt="2021-09-29T00:57:31.638" v="157" actId="14100"/>
-      <pc:docMkLst>
-        <pc:docMk/>
-      </pc:docMkLst>
-      <pc:sldChg chg="addSp modSp new mod">
-        <pc:chgData name="choi sungwoon" userId="dd863a805e970f02" providerId="LiveId" clId="{3223C278-182A-4164-944A-77D2770CD722}" dt="2021-09-29T00:57:31.638" v="157" actId="14100"/>
-        <pc:sldMkLst>
-          <pc:docMk/>
-          <pc:sldMk cId="994641858" sldId="310"/>
-        </pc:sldMkLst>
-        <pc:spChg chg="mod">
-          <ac:chgData name="choi sungwoon" userId="dd863a805e970f02" providerId="LiveId" clId="{3223C278-182A-4164-944A-77D2770CD722}" dt="2021-09-28T23:24:27.951" v="10" actId="20577"/>
-          <ac:spMkLst>
-            <pc:docMk/>
-            <pc:sldMk cId="994641858" sldId="310"/>
-            <ac:spMk id="2" creationId="{F9B993EC-1778-4B45-A53E-DAECC2520628}"/>
-          </ac:spMkLst>
-        </pc:spChg>
-        <pc:spChg chg="mod">
-          <ac:chgData name="choi sungwoon" userId="dd863a805e970f02" providerId="LiveId" clId="{3223C278-182A-4164-944A-77D2770CD722}" dt="2021-09-29T00:52:28.944" v="85" actId="20577"/>
-          <ac:spMkLst>
-            <pc:docMk/>
-            <pc:sldMk cId="994641858" sldId="310"/>
-            <ac:spMk id="3" creationId="{72870C10-7291-42B7-9702-AEE120564EC8}"/>
-          </ac:spMkLst>
-        </pc:spChg>
-        <pc:spChg chg="add mod">
-          <ac:chgData name="choi sungwoon" userId="dd863a805e970f02" providerId="LiveId" clId="{3223C278-182A-4164-944A-77D2770CD722}" dt="2021-09-29T00:57:31.638" v="157" actId="14100"/>
-          <ac:spMkLst>
-            <pc:docMk/>
-            <pc:sldMk cId="994641858" sldId="310"/>
-            <ac:spMk id="6" creationId="{1CCEA1BC-0447-4ECC-879E-D2F685BE6A92}"/>
-          </ac:spMkLst>
-        </pc:spChg>
-      </pc:sldChg>
     </pc:docChg>
   </pc:docChgLst>
 </pc:chgInfo>
@@ -5393,7 +5395,7 @@
             <a:fld id="{6D61DB4D-25AF-4EE9-B3EB-9D14CE91ACF1}" type="datetimeFigureOut">
               <a:rPr lang="ko-KR" altLang="en-US" smtClean="0"/>
               <a:pPr/>
-              <a:t>2022-05-30</a:t>
+              <a:t>2022-06-06</a:t>
             </a:fld>
             <a:endParaRPr lang="ko-KR" altLang="en-US" dirty="0"/>
           </a:p>
@@ -32004,7 +32006,7 @@
           <a:lstStyle/>
           <a:p>
             <a:r>
-              <a:rPr lang="en-US" altLang="ko-KR" dirty="0" smtClean="0"/>
+              <a:rPr lang="en-US" altLang="ko-KR" dirty="0"/>
               <a:t>2022-05-30</a:t>
             </a:r>
             <a:endParaRPr lang="ko-KR" altLang="en-US" dirty="0"/>
@@ -32027,38 +32029,38 @@
           <a:lstStyle/>
           <a:p>
             <a:r>
-              <a:rPr lang="ko-KR" altLang="en-US" dirty="0" smtClean="0"/>
+              <a:rPr lang="ko-KR" altLang="en-US" dirty="0"/>
               <a:t>진행</a:t>
             </a:r>
-            <a:endParaRPr lang="en-US" altLang="ko-KR" dirty="0" smtClean="0"/>
+            <a:endParaRPr lang="en-US" altLang="ko-KR" dirty="0"/>
           </a:p>
           <a:p>
             <a:pPr lvl="1"/>
             <a:r>
-              <a:rPr lang="en-US" altLang="ko-KR" dirty="0" smtClean="0"/>
+              <a:rPr lang="en-US" altLang="ko-KR" dirty="0"/>
               <a:t>Refactoring</a:t>
             </a:r>
           </a:p>
           <a:p>
             <a:pPr lvl="2"/>
             <a:r>
-              <a:rPr lang="en-US" altLang="ko-KR" dirty="0" err="1" smtClean="0"/>
+              <a:rPr lang="en-US" altLang="ko-KR" dirty="0" err="1"/>
               <a:t>DrawingPanel</a:t>
             </a:r>
-            <a:endParaRPr lang="en-US" altLang="ko-KR" dirty="0" smtClean="0"/>
+            <a:endParaRPr lang="en-US" altLang="ko-KR" dirty="0"/>
           </a:p>
           <a:p>
             <a:pPr lvl="2"/>
             <a:r>
-              <a:rPr lang="en-US" altLang="ko-KR" dirty="0" err="1" smtClean="0"/>
+              <a:rPr lang="en-US" altLang="ko-KR" dirty="0" err="1"/>
               <a:t>Tshape</a:t>
             </a:r>
-            <a:endParaRPr lang="en-US" altLang="ko-KR" dirty="0" smtClean="0"/>
+            <a:endParaRPr lang="en-US" altLang="ko-KR" dirty="0"/>
           </a:p>
           <a:p>
             <a:pPr lvl="2"/>
             <a:r>
-              <a:rPr lang="en-US" altLang="ko-KR" dirty="0" smtClean="0"/>
+              <a:rPr lang="en-US" altLang="ko-KR" dirty="0"/>
               <a:t>Transformer</a:t>
             </a:r>
             <a:endParaRPr lang="ko-KR" altLang="en-US" dirty="0"/>
@@ -32081,28 +32083,28 @@
           <a:lstStyle/>
           <a:p>
             <a:r>
-              <a:rPr lang="en-US" altLang="ko-KR" dirty="0" smtClean="0"/>
+              <a:rPr lang="en-US" altLang="ko-KR" dirty="0"/>
               <a:t>Design Principles</a:t>
             </a:r>
           </a:p>
           <a:p>
             <a:pPr lvl="1"/>
             <a:r>
-              <a:rPr lang="en-US" altLang="ko-KR" dirty="0" smtClean="0"/>
+              <a:rPr lang="en-US" altLang="ko-KR" dirty="0"/>
               <a:t>Modularity</a:t>
             </a:r>
           </a:p>
           <a:p>
             <a:pPr lvl="2"/>
             <a:r>
-              <a:rPr lang="en-US" altLang="ko-KR" dirty="0" smtClean="0"/>
+              <a:rPr lang="en-US" altLang="ko-KR" dirty="0"/>
               <a:t>Coupling Low</a:t>
             </a:r>
           </a:p>
           <a:p>
             <a:pPr lvl="2"/>
             <a:r>
-              <a:rPr lang="en-US" altLang="ko-KR" dirty="0" smtClean="0"/>
+              <a:rPr lang="en-US" altLang="ko-KR" dirty="0"/>
               <a:t>Cohesion High</a:t>
             </a:r>
             <a:endParaRPr lang="ko-KR" altLang="en-US" dirty="0"/>
@@ -32129,7 +32131,7 @@
               <a:buChar char="ⓒ"/>
             </a:pPr>
             <a:r>
-              <a:rPr lang="en-US" altLang="ko-KR" smtClean="0"/>
+              <a:rPr lang="en-US" altLang="ko-KR"/>
               <a:t>Sungwoon Choi 2021</a:t>
             </a:r>
             <a:endParaRPr lang="en-US" altLang="ko-KR" dirty="0"/>
@@ -32218,7 +32220,7 @@
               <a:tabLst/>
             </a:pPr>
             <a:r>
-              <a:rPr kumimoji="0" lang="en-US" altLang="ko-KR" sz="1400" b="0" i="0" u="none" strike="noStrike" cap="none" normalizeH="0" baseline="0" dirty="0" smtClean="0">
+              <a:rPr kumimoji="0" lang="en-US" altLang="ko-KR" sz="1400" b="0" i="0" u="none" strike="noStrike" cap="none" normalizeH="0" baseline="0" dirty="0">
                 <a:ln>
                   <a:noFill/>
                 </a:ln>
@@ -32230,7 +32232,7 @@
               </a:rPr>
               <a:t>Drawing Panel</a:t>
             </a:r>
-            <a:endParaRPr kumimoji="0" lang="ko-KR" altLang="en-US" sz="1400" b="0" i="0" u="none" strike="noStrike" cap="none" normalizeH="0" baseline="0" dirty="0" smtClean="0">
+            <a:endParaRPr kumimoji="0" lang="ko-KR" altLang="en-US" sz="1400" b="0" i="0" u="none" strike="noStrike" cap="none" normalizeH="0" baseline="0" dirty="0">
               <a:ln>
                 <a:noFill/>
               </a:ln>
@@ -32301,7 +32303,7 @@
               <a:tabLst/>
             </a:pPr>
             <a:r>
-              <a:rPr kumimoji="0" lang="en-US" altLang="ko-KR" sz="1400" b="0" i="0" u="none" strike="noStrike" cap="none" normalizeH="0" baseline="0" dirty="0" smtClean="0">
+              <a:rPr kumimoji="0" lang="en-US" altLang="ko-KR" sz="1400" b="0" i="0" u="none" strike="noStrike" cap="none" normalizeH="0" baseline="0" dirty="0">
                 <a:ln>
                   <a:noFill/>
                 </a:ln>
@@ -32332,7 +32334,7 @@
               <a:tabLst/>
             </a:pPr>
             <a:r>
-              <a:rPr kumimoji="0" lang="en-US" altLang="ko-KR" sz="1400" b="0" i="0" u="none" strike="noStrike" cap="none" normalizeH="0" baseline="0" dirty="0" err="1" smtClean="0">
+              <a:rPr kumimoji="0" lang="en-US" altLang="ko-KR" sz="1400" b="0" i="0" u="none" strike="noStrike" cap="none" normalizeH="0" baseline="0" dirty="0" err="1">
                 <a:ln>
                   <a:noFill/>
                 </a:ln>
@@ -32344,7 +32346,7 @@
               </a:rPr>
               <a:t>TShape</a:t>
             </a:r>
-            <a:endParaRPr kumimoji="0" lang="en-US" altLang="ko-KR" sz="1400" b="0" i="0" u="none" strike="noStrike" cap="none" normalizeH="0" baseline="0" dirty="0" smtClean="0">
+            <a:endParaRPr kumimoji="0" lang="en-US" altLang="ko-KR" sz="1400" b="0" i="0" u="none" strike="noStrike" cap="none" normalizeH="0" baseline="0" dirty="0">
               <a:ln>
                 <a:noFill/>
               </a:ln>
@@ -32458,7 +32460,7 @@
               <a:tabLst/>
             </a:pPr>
             <a:r>
-              <a:rPr kumimoji="0" lang="en-US" altLang="ko-KR" sz="1400" b="0" i="0" u="none" strike="noStrike" cap="none" normalizeH="0" baseline="0" dirty="0" smtClean="0">
+              <a:rPr kumimoji="0" lang="en-US" altLang="ko-KR" sz="1400" b="0" i="0" u="none" strike="noStrike" cap="none" normalizeH="0" baseline="0" dirty="0">
                 <a:ln>
                   <a:noFill/>
                 </a:ln>
@@ -32489,7 +32491,7 @@
               <a:tabLst/>
             </a:pPr>
             <a:r>
-              <a:rPr kumimoji="0" lang="en-US" altLang="ko-KR" sz="1400" b="0" i="0" u="none" strike="noStrike" cap="none" normalizeH="0" baseline="0" dirty="0" smtClean="0">
+              <a:rPr kumimoji="0" lang="en-US" altLang="ko-KR" sz="1400" b="0" i="0" u="none" strike="noStrike" cap="none" normalizeH="0" baseline="0" dirty="0">
                 <a:ln>
                   <a:noFill/>
                 </a:ln>
@@ -32501,7 +32503,7 @@
               </a:rPr>
               <a:t>Transformer</a:t>
             </a:r>
-            <a:endParaRPr kumimoji="0" lang="ko-KR" altLang="en-US" sz="1400" b="0" i="0" u="none" strike="noStrike" cap="none" normalizeH="0" baseline="0" dirty="0" smtClean="0">
+            <a:endParaRPr kumimoji="0" lang="ko-KR" altLang="en-US" sz="1400" b="0" i="0" u="none" strike="noStrike" cap="none" normalizeH="0" baseline="0" dirty="0">
               <a:ln>
                 <a:noFill/>
               </a:ln>
@@ -32614,7 +32616,7 @@
               <a:buNone/>
               <a:tabLst/>
             </a:pPr>
-            <a:endParaRPr kumimoji="0" lang="ko-KR" altLang="en-US" sz="1400" b="0" i="0" u="none" strike="noStrike" cap="none" normalizeH="0" baseline="0" smtClean="0">
+            <a:endParaRPr kumimoji="0" lang="ko-KR" altLang="en-US" sz="1400" b="0" i="0" u="none" strike="noStrike" cap="none" normalizeH="0" baseline="0">
               <a:ln>
                 <a:noFill/>
               </a:ln>
@@ -32684,7 +32686,7 @@
               <a:buNone/>
               <a:tabLst/>
             </a:pPr>
-            <a:endParaRPr kumimoji="0" lang="ko-KR" altLang="en-US" sz="1400" b="0" i="0" u="none" strike="noStrike" cap="none" normalizeH="0" baseline="0" smtClean="0">
+            <a:endParaRPr kumimoji="0" lang="ko-KR" altLang="en-US" sz="1400" b="0" i="0" u="none" strike="noStrike" cap="none" normalizeH="0" baseline="0">
               <a:ln>
                 <a:noFill/>
               </a:ln>
@@ -32798,7 +32800,7 @@
               <a:tabLst/>
             </a:pPr>
             <a:r>
-              <a:rPr kumimoji="0" lang="en-US" altLang="ko-KR" sz="1400" b="0" i="0" u="none" strike="noStrike" cap="none" normalizeH="0" baseline="0" dirty="0" smtClean="0">
+              <a:rPr kumimoji="0" lang="en-US" altLang="ko-KR" sz="1400" b="0" i="0" u="none" strike="noStrike" cap="none" normalizeH="0" baseline="0" dirty="0">
                 <a:ln>
                   <a:noFill/>
                 </a:ln>
@@ -32829,7 +32831,7 @@
               <a:tabLst/>
             </a:pPr>
             <a:r>
-              <a:rPr kumimoji="0" lang="en-US" altLang="ko-KR" sz="1400" b="0" i="0" u="none" strike="noStrike" cap="none" normalizeH="0" baseline="0" dirty="0" smtClean="0">
+              <a:rPr kumimoji="0" lang="en-US" altLang="ko-KR" sz="1400" b="0" i="0" u="none" strike="noStrike" cap="none" normalizeH="0" baseline="0" dirty="0">
                 <a:ln>
                   <a:noFill/>
                 </a:ln>
@@ -32860,7 +32862,7 @@
               <a:tabLst/>
             </a:pPr>
             <a:r>
-              <a:rPr kumimoji="0" lang="en-US" altLang="ko-KR" sz="1400" b="0" i="0" u="none" strike="noStrike" cap="none" normalizeH="0" baseline="0" dirty="0" smtClean="0">
+              <a:rPr kumimoji="0" lang="en-US" altLang="ko-KR" sz="1400" b="0" i="0" u="none" strike="noStrike" cap="none" normalizeH="0" baseline="0" dirty="0">
                 <a:ln>
                   <a:noFill/>
                 </a:ln>
@@ -32872,7 +32874,7 @@
               </a:rPr>
               <a:t>- x, y, w, h</a:t>
             </a:r>
-            <a:endParaRPr kumimoji="0" lang="ko-KR" altLang="en-US" sz="1400" b="0" i="0" u="none" strike="noStrike" cap="none" normalizeH="0" baseline="0" dirty="0" smtClean="0">
+            <a:endParaRPr kumimoji="0" lang="ko-KR" altLang="en-US" sz="1400" b="0" i="0" u="none" strike="noStrike" cap="none" normalizeH="0" baseline="0" dirty="0">
               <a:ln>
                 <a:noFill/>
               </a:ln>
@@ -32942,7 +32944,7 @@
               <a:buNone/>
               <a:tabLst/>
             </a:pPr>
-            <a:endParaRPr kumimoji="0" lang="ko-KR" altLang="en-US" sz="1400" b="0" i="0" u="none" strike="noStrike" cap="none" normalizeH="0" baseline="0" smtClean="0">
+            <a:endParaRPr kumimoji="0" lang="ko-KR" altLang="en-US" sz="1400" b="0" i="0" u="none" strike="noStrike" cap="none" normalizeH="0" baseline="0">
               <a:ln>
                 <a:noFill/>
               </a:ln>
@@ -33056,7 +33058,7 @@
               <a:tabLst/>
             </a:pPr>
             <a:r>
-              <a:rPr kumimoji="0" lang="en-US" altLang="ko-KR" sz="1400" b="0" i="0" u="none" strike="noStrike" cap="none" normalizeH="0" baseline="0" smtClean="0">
+              <a:rPr kumimoji="0" lang="en-US" altLang="ko-KR" sz="1400" b="0" i="0" u="none" strike="noStrike" cap="none" normalizeH="0" baseline="0">
                 <a:ln>
                   <a:noFill/>
                 </a:ln>
@@ -33068,7 +33070,7 @@
               </a:rPr>
               <a:t>Affine Transform</a:t>
             </a:r>
-            <a:endParaRPr kumimoji="0" lang="ko-KR" altLang="en-US" sz="1400" b="0" i="0" u="none" strike="noStrike" cap="none" normalizeH="0" baseline="0" dirty="0" smtClean="0">
+            <a:endParaRPr kumimoji="0" lang="ko-KR" altLang="en-US" sz="1400" b="0" i="0" u="none" strike="noStrike" cap="none" normalizeH="0" baseline="0" dirty="0">
               <a:ln>
                 <a:noFill/>
               </a:ln>
@@ -33139,7 +33141,7 @@
               <a:tabLst/>
             </a:pPr>
             <a:r>
-              <a:rPr kumimoji="0" lang="en-US" altLang="ko-KR" sz="1400" b="0" i="0" u="none" strike="noStrike" cap="none" normalizeH="0" baseline="0" dirty="0" smtClean="0">
+              <a:rPr kumimoji="0" lang="en-US" altLang="ko-KR" sz="1400" b="0" i="0" u="none" strike="noStrike" cap="none" normalizeH="0" baseline="0" dirty="0">
                 <a:ln>
                   <a:noFill/>
                 </a:ln>
@@ -33151,7 +33153,7 @@
               </a:rPr>
               <a:t>Anchors</a:t>
             </a:r>
-            <a:endParaRPr kumimoji="0" lang="ko-KR" altLang="en-US" sz="1400" b="0" i="0" u="none" strike="noStrike" cap="none" normalizeH="0" baseline="0" dirty="0" smtClean="0">
+            <a:endParaRPr kumimoji="0" lang="ko-KR" altLang="en-US" sz="1400" b="0" i="0" u="none" strike="noStrike" cap="none" normalizeH="0" baseline="0" dirty="0">
               <a:ln>
                 <a:noFill/>
               </a:ln>
@@ -33398,7 +33400,7 @@
               <a:tabLst/>
             </a:pPr>
             <a:r>
-              <a:rPr kumimoji="0" lang="en-US" altLang="ko-KR" sz="1400" b="0" i="0" u="none" strike="noStrike" cap="none" normalizeH="0" baseline="0" dirty="0" smtClean="0">
+              <a:rPr kumimoji="0" lang="en-US" altLang="ko-KR" sz="1400" b="0" i="0" u="none" strike="noStrike" cap="none" normalizeH="0" baseline="0" dirty="0">
                 <a:ln>
                   <a:noFill/>
                 </a:ln>
@@ -33429,7 +33431,7 @@
               <a:tabLst/>
             </a:pPr>
             <a:r>
-              <a:rPr kumimoji="0" lang="en-US" altLang="ko-KR" sz="1400" b="0" i="0" u="none" strike="noStrike" cap="none" normalizeH="0" baseline="0" dirty="0" smtClean="0">
+              <a:rPr kumimoji="0" lang="en-US" altLang="ko-KR" sz="1400" b="0" i="0" u="none" strike="noStrike" cap="none" normalizeH="0" baseline="0" dirty="0">
                 <a:ln>
                   <a:noFill/>
                 </a:ln>
@@ -33441,7 +33443,7 @@
               </a:rPr>
               <a:t>Color Changer</a:t>
             </a:r>
-            <a:endParaRPr kumimoji="0" lang="ko-KR" altLang="en-US" sz="1400" b="0" i="0" u="none" strike="noStrike" cap="none" normalizeH="0" baseline="0" dirty="0" smtClean="0">
+            <a:endParaRPr kumimoji="0" lang="ko-KR" altLang="en-US" sz="1400" b="0" i="0" u="none" strike="noStrike" cap="none" normalizeH="0" baseline="0" dirty="0">
               <a:ln>
                 <a:noFill/>
               </a:ln>
@@ -33512,7 +33514,7 @@
               <a:tabLst/>
             </a:pPr>
             <a:r>
-              <a:rPr kumimoji="0" lang="en-US" altLang="ko-KR" sz="1400" b="0" i="0" u="none" strike="noStrike" cap="none" normalizeH="0" baseline="0" dirty="0" smtClean="0">
+              <a:rPr kumimoji="0" lang="en-US" altLang="ko-KR" sz="1400" b="0" i="0" u="none" strike="noStrike" cap="none" normalizeH="0" baseline="0" dirty="0">
                 <a:ln>
                   <a:noFill/>
                 </a:ln>
@@ -33524,7 +33526,7 @@
               </a:rPr>
               <a:t>Graphics Attributes</a:t>
             </a:r>
-            <a:endParaRPr kumimoji="0" lang="ko-KR" altLang="en-US" sz="1400" b="0" i="0" u="none" strike="noStrike" cap="none" normalizeH="0" baseline="0" dirty="0" smtClean="0">
+            <a:endParaRPr kumimoji="0" lang="ko-KR" altLang="en-US" sz="1400" b="0" i="0" u="none" strike="noStrike" cap="none" normalizeH="0" baseline="0" dirty="0">
               <a:ln>
                 <a:noFill/>
               </a:ln>
@@ -33673,41 +33675,41 @@
           <a:lstStyle/>
           <a:p>
             <a:r>
-              <a:rPr lang="ko-KR" altLang="en-US" dirty="0" smtClean="0"/>
+              <a:rPr lang="ko-KR" altLang="en-US" dirty="0"/>
               <a:t>과제</a:t>
             </a:r>
-            <a:endParaRPr lang="en-US" altLang="ko-KR" dirty="0" smtClean="0"/>
+            <a:endParaRPr lang="en-US" altLang="ko-KR" dirty="0"/>
           </a:p>
           <a:p>
             <a:pPr lvl="1"/>
             <a:r>
-              <a:rPr lang="en-US" altLang="ko-KR" dirty="0" smtClean="0"/>
+              <a:rPr lang="en-US" altLang="ko-KR" dirty="0"/>
               <a:t>Refactoring</a:t>
             </a:r>
           </a:p>
           <a:p>
             <a:pPr lvl="1"/>
             <a:r>
-              <a:rPr lang="en-US" altLang="ko-KR" dirty="0" smtClean="0"/>
+              <a:rPr lang="en-US" altLang="ko-KR" dirty="0"/>
               <a:t>Resize </a:t>
             </a:r>
             <a:r>
-              <a:rPr lang="ko-KR" altLang="en-US" dirty="0" smtClean="0"/>
+              <a:rPr lang="ko-KR" altLang="en-US" dirty="0"/>
               <a:t>수정</a:t>
             </a:r>
-            <a:endParaRPr lang="en-US" altLang="ko-KR" dirty="0" smtClean="0"/>
+            <a:endParaRPr lang="en-US" altLang="ko-KR" dirty="0"/>
           </a:p>
           <a:p>
             <a:pPr lvl="1"/>
             <a:r>
-              <a:rPr lang="en-US" altLang="ko-KR" dirty="0" smtClean="0"/>
+              <a:rPr lang="en-US" altLang="ko-KR" dirty="0"/>
               <a:t>Rotate </a:t>
             </a:r>
             <a:r>
-              <a:rPr lang="ko-KR" altLang="en-US" dirty="0" smtClean="0"/>
+              <a:rPr lang="ko-KR" altLang="en-US" dirty="0"/>
               <a:t>추가</a:t>
             </a:r>
-            <a:endParaRPr lang="en-US" altLang="ko-KR" dirty="0" smtClean="0"/>
+            <a:endParaRPr lang="en-US" altLang="ko-KR" dirty="0"/>
           </a:p>
           <a:p>
             <a:pPr lvl="1"/>
@@ -33754,7 +33756,7 @@
               <a:buChar char="ⓒ"/>
             </a:pPr>
             <a:r>
-              <a:rPr lang="en-US" altLang="ko-KR" smtClean="0"/>
+              <a:rPr lang="en-US" altLang="ko-KR"/>
               <a:t>Sungwoon Choi 2021</a:t>
             </a:r>
             <a:endParaRPr lang="en-US" altLang="ko-KR" dirty="0"/>
@@ -33831,7 +33833,7 @@
           <a:lstStyle/>
           <a:p>
             <a:r>
-              <a:rPr lang="en-US" altLang="ko-KR" dirty="0" smtClean="0"/>
+              <a:rPr lang="en-US" altLang="ko-KR" dirty="0"/>
               <a:t>2022-06-01</a:t>
             </a:r>
             <a:endParaRPr lang="ko-KR" altLang="en-US" dirty="0"/>
@@ -33854,15 +33856,15 @@
           <a:lstStyle/>
           <a:p>
             <a:r>
-              <a:rPr lang="ko-KR" altLang="en-US" dirty="0" smtClean="0"/>
+              <a:rPr lang="ko-KR" altLang="en-US" dirty="0"/>
               <a:t>진행</a:t>
             </a:r>
-            <a:endParaRPr lang="en-US" altLang="ko-KR" dirty="0" smtClean="0"/>
+            <a:endParaRPr lang="en-US" altLang="ko-KR" dirty="0"/>
           </a:p>
           <a:p>
             <a:pPr lvl="1"/>
             <a:r>
-              <a:rPr lang="en-US" altLang="ko-KR" dirty="0" smtClean="0"/>
+              <a:rPr lang="en-US" altLang="ko-KR" dirty="0"/>
               <a:t>Double Buffering</a:t>
             </a:r>
             <a:endParaRPr lang="ko-KR" altLang="en-US" dirty="0"/>
@@ -33908,7 +33910,7 @@
               <a:buChar char="ⓒ"/>
             </a:pPr>
             <a:r>
-              <a:rPr lang="en-US" altLang="ko-KR" smtClean="0"/>
+              <a:rPr lang="en-US" altLang="ko-KR"/>
               <a:t>Sungwoon Choi 2021</a:t>
             </a:r>
             <a:endParaRPr lang="en-US" altLang="ko-KR" dirty="0"/>
@@ -33936,6 +33938,1215 @@
               <a:t>29</a:t>
             </a:fld>
             <a:endParaRPr lang="en-US" altLang="ko-KR" dirty="0"/>
+          </a:p>
+        </p:txBody>
+      </p:sp>
+      <p:sp>
+        <p:nvSpPr>
+          <p:cNvPr id="2" name="직사각형 1">
+            <a:extLst>
+              <a:ext uri="{FF2B5EF4-FFF2-40B4-BE49-F238E27FC236}">
+                <a16:creationId xmlns:a16="http://schemas.microsoft.com/office/drawing/2014/main" id="{2BD636BF-D1CC-0490-942A-2A30077433E2}"/>
+              </a:ext>
+            </a:extLst>
+          </p:cNvPr>
+          <p:cNvSpPr/>
+          <p:nvPr/>
+        </p:nvSpPr>
+        <p:spPr bwMode="auto">
+          <a:xfrm>
+            <a:off x="1114797" y="2656284"/>
+            <a:ext cx="1080120" cy="648072"/>
+          </a:xfrm>
+          <a:prstGeom prst="rect">
+            <a:avLst/>
+          </a:prstGeom>
+          <a:solidFill>
+            <a:schemeClr val="bg1">
+              <a:lumMod val="95000"/>
+            </a:schemeClr>
+          </a:solidFill>
+          <a:ln w="9525" cap="flat" cmpd="sng" algn="ctr">
+            <a:solidFill>
+              <a:schemeClr val="accent3">
+                <a:lumMod val="75000"/>
+              </a:schemeClr>
+            </a:solidFill>
+            <a:prstDash val="solid"/>
+            <a:round/>
+            <a:headEnd type="none" w="med" len="med"/>
+            <a:tailEnd type="none" w="med" len="med"/>
+          </a:ln>
+          <a:effectLst/>
+        </p:spPr>
+        <p:txBody>
+          <a:bodyPr vert="horz" wrap="square" lIns="91440" tIns="45720" rIns="91440" bIns="45720" numCol="1" rtlCol="0" anchor="ctr" anchorCtr="0" compatLnSpc="1">
+            <a:prstTxWarp prst="textNoShape">
+              <a:avLst/>
+            </a:prstTxWarp>
+          </a:bodyPr>
+          <a:lstStyle/>
+          <a:p>
+            <a:pPr marL="0" marR="0" indent="0" algn="ctr" defTabSz="914400" rtl="0" eaLnBrk="1" fontAlgn="base" latinLnBrk="0" hangingPunct="1">
+              <a:lnSpc>
+                <a:spcPct val="100000"/>
+              </a:lnSpc>
+              <a:spcBef>
+                <a:spcPct val="0"/>
+              </a:spcBef>
+              <a:spcAft>
+                <a:spcPct val="0"/>
+              </a:spcAft>
+              <a:buClrTx/>
+              <a:buSzTx/>
+              <a:buFontTx/>
+              <a:buNone/>
+              <a:tabLst/>
+            </a:pPr>
+            <a:r>
+              <a:rPr kumimoji="0" lang="en-US" altLang="ko-KR" sz="1400" b="0" i="0" u="none" strike="noStrike" cap="none" normalizeH="0" baseline="0" dirty="0">
+                <a:ln>
+                  <a:noFill/>
+                </a:ln>
+                <a:solidFill>
+                  <a:schemeClr val="tx1"/>
+                </a:solidFill>
+                <a:effectLst/>
+                <a:latin typeface="Arial" charset="0"/>
+              </a:rPr>
+              <a:t>Monitor</a:t>
+            </a:r>
+            <a:endParaRPr kumimoji="0" lang="ko-KR" altLang="en-US" sz="1400" b="0" i="0" u="none" strike="noStrike" cap="none" normalizeH="0" baseline="0" dirty="0">
+              <a:ln>
+                <a:noFill/>
+              </a:ln>
+              <a:solidFill>
+                <a:schemeClr val="tx1"/>
+              </a:solidFill>
+              <a:effectLst/>
+              <a:latin typeface="Arial" charset="0"/>
+            </a:endParaRPr>
+          </a:p>
+        </p:txBody>
+      </p:sp>
+      <p:sp>
+        <p:nvSpPr>
+          <p:cNvPr id="9" name="직사각형 8">
+            <a:extLst>
+              <a:ext uri="{FF2B5EF4-FFF2-40B4-BE49-F238E27FC236}">
+                <a16:creationId xmlns:a16="http://schemas.microsoft.com/office/drawing/2014/main" id="{B697A5B1-820A-7131-9FA6-BDB3EB73357A}"/>
+              </a:ext>
+            </a:extLst>
+          </p:cNvPr>
+          <p:cNvSpPr/>
+          <p:nvPr/>
+        </p:nvSpPr>
+        <p:spPr bwMode="auto">
+          <a:xfrm>
+            <a:off x="2919523" y="2656284"/>
+            <a:ext cx="1080120" cy="648072"/>
+          </a:xfrm>
+          <a:prstGeom prst="rect">
+            <a:avLst/>
+          </a:prstGeom>
+          <a:solidFill>
+            <a:schemeClr val="accent3">
+              <a:lumMod val="20000"/>
+              <a:lumOff val="80000"/>
+            </a:schemeClr>
+          </a:solidFill>
+          <a:ln w="9525" cap="flat" cmpd="sng" algn="ctr">
+            <a:solidFill>
+              <a:schemeClr val="accent3">
+                <a:lumMod val="75000"/>
+              </a:schemeClr>
+            </a:solidFill>
+            <a:prstDash val="solid"/>
+            <a:round/>
+            <a:headEnd type="none" w="med" len="med"/>
+            <a:tailEnd type="none" w="med" len="med"/>
+          </a:ln>
+          <a:effectLst/>
+        </p:spPr>
+        <p:txBody>
+          <a:bodyPr vert="horz" wrap="square" lIns="91440" tIns="45720" rIns="91440" bIns="45720" numCol="1" rtlCol="0" anchor="ctr" anchorCtr="0" compatLnSpc="1">
+            <a:prstTxWarp prst="textNoShape">
+              <a:avLst/>
+            </a:prstTxWarp>
+          </a:bodyPr>
+          <a:lstStyle/>
+          <a:p>
+            <a:pPr marL="0" marR="0" indent="0" algn="ctr" defTabSz="914400" rtl="0" eaLnBrk="1" fontAlgn="base" latinLnBrk="0" hangingPunct="1">
+              <a:lnSpc>
+                <a:spcPct val="100000"/>
+              </a:lnSpc>
+              <a:spcBef>
+                <a:spcPct val="0"/>
+              </a:spcBef>
+              <a:spcAft>
+                <a:spcPct val="0"/>
+              </a:spcAft>
+              <a:buClrTx/>
+              <a:buSzTx/>
+              <a:buFontTx/>
+              <a:buNone/>
+              <a:tabLst/>
+            </a:pPr>
+            <a:r>
+              <a:rPr kumimoji="0" lang="en-US" altLang="ko-KR" sz="1400" b="0" i="0" u="none" strike="noStrike" cap="none" normalizeH="0" baseline="0" dirty="0">
+                <a:ln>
+                  <a:noFill/>
+                </a:ln>
+                <a:solidFill>
+                  <a:schemeClr val="tx1"/>
+                </a:solidFill>
+                <a:effectLst/>
+                <a:latin typeface="Arial" charset="0"/>
+              </a:rPr>
+              <a:t>Graphics Buffer</a:t>
+            </a:r>
+            <a:endParaRPr kumimoji="0" lang="ko-KR" altLang="en-US" sz="1400" b="0" i="0" u="none" strike="noStrike" cap="none" normalizeH="0" baseline="0" dirty="0">
+              <a:ln>
+                <a:noFill/>
+              </a:ln>
+              <a:solidFill>
+                <a:schemeClr val="tx1"/>
+              </a:solidFill>
+              <a:effectLst/>
+              <a:latin typeface="Arial" charset="0"/>
+            </a:endParaRPr>
+          </a:p>
+        </p:txBody>
+      </p:sp>
+      <p:sp>
+        <p:nvSpPr>
+          <p:cNvPr id="3" name="화살표: 왼쪽으로 구부러짐 2">
+            <a:extLst>
+              <a:ext uri="{FF2B5EF4-FFF2-40B4-BE49-F238E27FC236}">
+                <a16:creationId xmlns:a16="http://schemas.microsoft.com/office/drawing/2014/main" id="{1B800724-177F-6358-9C6D-B4D9D8312515}"/>
+              </a:ext>
+            </a:extLst>
+          </p:cNvPr>
+          <p:cNvSpPr/>
+          <p:nvPr/>
+        </p:nvSpPr>
+        <p:spPr bwMode="auto">
+          <a:xfrm>
+            <a:off x="2338933" y="2728292"/>
+            <a:ext cx="504056" cy="504056"/>
+          </a:xfrm>
+          <a:prstGeom prst="curvedLeftArrow">
+            <a:avLst/>
+          </a:prstGeom>
+          <a:solidFill>
+            <a:schemeClr val="accent3">
+              <a:lumMod val="20000"/>
+              <a:lumOff val="80000"/>
+            </a:schemeClr>
+          </a:solidFill>
+          <a:ln w="9525" cap="flat" cmpd="sng" algn="ctr">
+            <a:solidFill>
+              <a:schemeClr val="accent3">
+                <a:lumMod val="75000"/>
+              </a:schemeClr>
+            </a:solidFill>
+            <a:prstDash val="solid"/>
+            <a:round/>
+            <a:headEnd type="none" w="med" len="med"/>
+            <a:tailEnd type="none" w="med" len="med"/>
+          </a:ln>
+          <a:effectLst/>
+        </p:spPr>
+        <p:txBody>
+          <a:bodyPr vert="horz" wrap="square" lIns="91440" tIns="45720" rIns="91440" bIns="45720" numCol="1" rtlCol="0" anchor="ctr" anchorCtr="0" compatLnSpc="1">
+            <a:prstTxWarp prst="textNoShape">
+              <a:avLst/>
+            </a:prstTxWarp>
+          </a:bodyPr>
+          <a:lstStyle/>
+          <a:p>
+            <a:pPr marL="0" marR="0" indent="0" algn="ctr" defTabSz="914400" rtl="0" eaLnBrk="1" fontAlgn="base" latinLnBrk="0" hangingPunct="1">
+              <a:lnSpc>
+                <a:spcPct val="100000"/>
+              </a:lnSpc>
+              <a:spcBef>
+                <a:spcPct val="0"/>
+              </a:spcBef>
+              <a:spcAft>
+                <a:spcPct val="0"/>
+              </a:spcAft>
+              <a:buClrTx/>
+              <a:buSzTx/>
+              <a:buFontTx/>
+              <a:buNone/>
+              <a:tabLst/>
+            </a:pPr>
+            <a:endParaRPr kumimoji="0" lang="ko-KR" altLang="en-US" sz="1400" b="0" i="0" u="none" strike="noStrike" cap="none" normalizeH="0" baseline="0">
+              <a:ln>
+                <a:noFill/>
+              </a:ln>
+              <a:solidFill>
+                <a:schemeClr val="tx1"/>
+              </a:solidFill>
+              <a:effectLst/>
+              <a:latin typeface="Arial" charset="0"/>
+            </a:endParaRPr>
+          </a:p>
+        </p:txBody>
+      </p:sp>
+      <p:sp>
+        <p:nvSpPr>
+          <p:cNvPr id="10" name="직사각형 9">
+            <a:extLst>
+              <a:ext uri="{FF2B5EF4-FFF2-40B4-BE49-F238E27FC236}">
+                <a16:creationId xmlns:a16="http://schemas.microsoft.com/office/drawing/2014/main" id="{3DDA83F8-65EB-65AF-F31C-DE375E355563}"/>
+              </a:ext>
+            </a:extLst>
+          </p:cNvPr>
+          <p:cNvSpPr/>
+          <p:nvPr/>
+        </p:nvSpPr>
+        <p:spPr bwMode="auto">
+          <a:xfrm>
+            <a:off x="7863838" y="2656284"/>
+            <a:ext cx="1080120" cy="648072"/>
+          </a:xfrm>
+          <a:prstGeom prst="rect">
+            <a:avLst/>
+          </a:prstGeom>
+          <a:solidFill>
+            <a:schemeClr val="accent3">
+              <a:lumMod val="20000"/>
+              <a:lumOff val="80000"/>
+            </a:schemeClr>
+          </a:solidFill>
+          <a:ln w="9525" cap="flat" cmpd="sng" algn="ctr">
+            <a:solidFill>
+              <a:schemeClr val="accent3">
+                <a:lumMod val="75000"/>
+              </a:schemeClr>
+            </a:solidFill>
+            <a:prstDash val="solid"/>
+            <a:round/>
+            <a:headEnd type="none" w="med" len="med"/>
+            <a:tailEnd type="none" w="med" len="med"/>
+          </a:ln>
+          <a:effectLst/>
+        </p:spPr>
+        <p:txBody>
+          <a:bodyPr vert="horz" wrap="square" lIns="91440" tIns="45720" rIns="91440" bIns="45720" numCol="1" rtlCol="0" anchor="ctr" anchorCtr="0" compatLnSpc="1">
+            <a:prstTxWarp prst="textNoShape">
+              <a:avLst/>
+            </a:prstTxWarp>
+          </a:bodyPr>
+          <a:lstStyle/>
+          <a:p>
+            <a:pPr marL="0" marR="0" indent="0" algn="ctr" defTabSz="914400" rtl="0" eaLnBrk="1" fontAlgn="base" latinLnBrk="0" hangingPunct="1">
+              <a:lnSpc>
+                <a:spcPct val="100000"/>
+              </a:lnSpc>
+              <a:spcBef>
+                <a:spcPct val="0"/>
+              </a:spcBef>
+              <a:spcAft>
+                <a:spcPct val="0"/>
+              </a:spcAft>
+              <a:buClrTx/>
+              <a:buSzTx/>
+              <a:buFontTx/>
+              <a:buNone/>
+              <a:tabLst/>
+            </a:pPr>
+            <a:r>
+              <a:rPr kumimoji="0" lang="en-US" altLang="ko-KR" sz="1400" b="0" i="0" u="none" strike="noStrike" cap="none" normalizeH="0" baseline="0" dirty="0">
+                <a:ln>
+                  <a:noFill/>
+                </a:ln>
+                <a:solidFill>
+                  <a:schemeClr val="tx1"/>
+                </a:solidFill>
+                <a:effectLst/>
+                <a:latin typeface="Arial" charset="0"/>
+              </a:rPr>
+              <a:t>Drawing Panel</a:t>
+            </a:r>
+            <a:endParaRPr kumimoji="0" lang="ko-KR" altLang="en-US" sz="1400" b="0" i="0" u="none" strike="noStrike" cap="none" normalizeH="0" baseline="0" dirty="0">
+              <a:ln>
+                <a:noFill/>
+              </a:ln>
+              <a:solidFill>
+                <a:schemeClr val="tx1"/>
+              </a:solidFill>
+              <a:effectLst/>
+              <a:latin typeface="Arial" charset="0"/>
+            </a:endParaRPr>
+          </a:p>
+        </p:txBody>
+      </p:sp>
+      <p:sp>
+        <p:nvSpPr>
+          <p:cNvPr id="11" name="화살표: 왼쪽 10">
+            <a:extLst>
+              <a:ext uri="{FF2B5EF4-FFF2-40B4-BE49-F238E27FC236}">
+                <a16:creationId xmlns:a16="http://schemas.microsoft.com/office/drawing/2014/main" id="{8AE71DBF-894A-B7E9-73E2-D1CA049F5DA2}"/>
+              </a:ext>
+            </a:extLst>
+          </p:cNvPr>
+          <p:cNvSpPr/>
+          <p:nvPr/>
+        </p:nvSpPr>
+        <p:spPr bwMode="auto">
+          <a:xfrm>
+            <a:off x="4046210" y="2656284"/>
+            <a:ext cx="1080120" cy="648072"/>
+          </a:xfrm>
+          <a:prstGeom prst="leftArrow">
+            <a:avLst/>
+          </a:prstGeom>
+          <a:solidFill>
+            <a:schemeClr val="accent3">
+              <a:lumMod val="20000"/>
+              <a:lumOff val="80000"/>
+            </a:schemeClr>
+          </a:solidFill>
+          <a:ln w="9525" cap="flat" cmpd="sng" algn="ctr">
+            <a:solidFill>
+              <a:schemeClr val="accent3">
+                <a:lumMod val="75000"/>
+              </a:schemeClr>
+            </a:solidFill>
+            <a:prstDash val="solid"/>
+            <a:round/>
+            <a:headEnd type="none" w="med" len="med"/>
+            <a:tailEnd type="none" w="med" len="med"/>
+          </a:ln>
+          <a:effectLst/>
+        </p:spPr>
+        <p:txBody>
+          <a:bodyPr vert="horz" wrap="square" lIns="91440" tIns="45720" rIns="91440" bIns="45720" numCol="1" rtlCol="0" anchor="ctr" anchorCtr="0" compatLnSpc="1">
+            <a:prstTxWarp prst="textNoShape">
+              <a:avLst/>
+            </a:prstTxWarp>
+          </a:bodyPr>
+          <a:lstStyle/>
+          <a:p>
+            <a:pPr marL="0" marR="0" indent="0" algn="ctr" defTabSz="914400" rtl="0" eaLnBrk="1" fontAlgn="base" latinLnBrk="0" hangingPunct="1">
+              <a:lnSpc>
+                <a:spcPct val="100000"/>
+              </a:lnSpc>
+              <a:spcBef>
+                <a:spcPct val="0"/>
+              </a:spcBef>
+              <a:spcAft>
+                <a:spcPct val="0"/>
+              </a:spcAft>
+              <a:buClrTx/>
+              <a:buSzTx/>
+              <a:buFontTx/>
+              <a:buNone/>
+              <a:tabLst/>
+            </a:pPr>
+            <a:r>
+              <a:rPr kumimoji="0" lang="en-US" altLang="ko-KR" sz="1400" b="0" i="0" u="none" strike="noStrike" cap="none" normalizeH="0" baseline="0" dirty="0">
+                <a:ln>
+                  <a:noFill/>
+                </a:ln>
+                <a:solidFill>
+                  <a:schemeClr val="tx1"/>
+                </a:solidFill>
+                <a:effectLst/>
+                <a:latin typeface="Arial" charset="0"/>
+              </a:rPr>
+              <a:t>Graphics</a:t>
+            </a:r>
+            <a:endParaRPr kumimoji="0" lang="ko-KR" altLang="en-US" sz="1400" b="0" i="0" u="none" strike="noStrike" cap="none" normalizeH="0" baseline="0" dirty="0">
+              <a:ln>
+                <a:noFill/>
+              </a:ln>
+              <a:solidFill>
+                <a:schemeClr val="tx1"/>
+              </a:solidFill>
+              <a:effectLst/>
+              <a:latin typeface="Arial" charset="0"/>
+            </a:endParaRPr>
+          </a:p>
+        </p:txBody>
+      </p:sp>
+      <p:sp>
+        <p:nvSpPr>
+          <p:cNvPr id="12" name="직사각형 11">
+            <a:extLst>
+              <a:ext uri="{FF2B5EF4-FFF2-40B4-BE49-F238E27FC236}">
+                <a16:creationId xmlns:a16="http://schemas.microsoft.com/office/drawing/2014/main" id="{E4187C70-50F9-903C-CFC7-419EBD78D51A}"/>
+              </a:ext>
+            </a:extLst>
+          </p:cNvPr>
+          <p:cNvSpPr/>
+          <p:nvPr/>
+        </p:nvSpPr>
+        <p:spPr bwMode="auto">
+          <a:xfrm>
+            <a:off x="4430289" y="4096442"/>
+            <a:ext cx="1080120" cy="648072"/>
+          </a:xfrm>
+          <a:prstGeom prst="rect">
+            <a:avLst/>
+          </a:prstGeom>
+          <a:solidFill>
+            <a:schemeClr val="accent1">
+              <a:lumMod val="20000"/>
+              <a:lumOff val="80000"/>
+            </a:schemeClr>
+          </a:solidFill>
+          <a:ln w="9525" cap="flat" cmpd="sng" algn="ctr">
+            <a:solidFill>
+              <a:schemeClr val="accent3">
+                <a:lumMod val="75000"/>
+              </a:schemeClr>
+            </a:solidFill>
+            <a:prstDash val="solid"/>
+            <a:round/>
+            <a:headEnd type="none" w="med" len="med"/>
+            <a:tailEnd type="none" w="med" len="med"/>
+          </a:ln>
+          <a:effectLst/>
+        </p:spPr>
+        <p:txBody>
+          <a:bodyPr vert="horz" wrap="square" lIns="91440" tIns="45720" rIns="91440" bIns="45720" numCol="1" rtlCol="0" anchor="ctr" anchorCtr="0" compatLnSpc="1">
+            <a:prstTxWarp prst="textNoShape">
+              <a:avLst/>
+            </a:prstTxWarp>
+          </a:bodyPr>
+          <a:lstStyle/>
+          <a:p>
+            <a:pPr marL="0" marR="0" indent="0" algn="ctr" defTabSz="914400" rtl="0" eaLnBrk="1" fontAlgn="base" latinLnBrk="0" hangingPunct="1">
+              <a:lnSpc>
+                <a:spcPct val="100000"/>
+              </a:lnSpc>
+              <a:spcBef>
+                <a:spcPct val="0"/>
+              </a:spcBef>
+              <a:spcAft>
+                <a:spcPct val="0"/>
+              </a:spcAft>
+              <a:buClrTx/>
+              <a:buSzTx/>
+              <a:buFontTx/>
+              <a:buNone/>
+              <a:tabLst/>
+            </a:pPr>
+            <a:r>
+              <a:rPr kumimoji="0" lang="en-US" altLang="ko-KR" sz="1400" b="0" i="0" u="none" strike="noStrike" cap="none" normalizeH="0" baseline="0" dirty="0">
+                <a:ln>
+                  <a:noFill/>
+                </a:ln>
+                <a:solidFill>
+                  <a:schemeClr val="tx1"/>
+                </a:solidFill>
+                <a:effectLst/>
+                <a:latin typeface="Arial" charset="0"/>
+              </a:rPr>
+              <a:t>Graphics</a:t>
+            </a:r>
+            <a:endParaRPr kumimoji="0" lang="ko-KR" altLang="en-US" sz="1400" b="0" i="0" u="none" strike="noStrike" cap="none" normalizeH="0" baseline="0" dirty="0">
+              <a:ln>
+                <a:noFill/>
+              </a:ln>
+              <a:solidFill>
+                <a:schemeClr val="tx1"/>
+              </a:solidFill>
+              <a:effectLst/>
+              <a:latin typeface="Arial" charset="0"/>
+            </a:endParaRPr>
+          </a:p>
+        </p:txBody>
+      </p:sp>
+      <p:sp>
+        <p:nvSpPr>
+          <p:cNvPr id="13" name="직사각형 12">
+            <a:extLst>
+              <a:ext uri="{FF2B5EF4-FFF2-40B4-BE49-F238E27FC236}">
+                <a16:creationId xmlns:a16="http://schemas.microsoft.com/office/drawing/2014/main" id="{258D787B-ADD6-E923-7D1D-1693265CF09A}"/>
+              </a:ext>
+            </a:extLst>
+          </p:cNvPr>
+          <p:cNvSpPr/>
+          <p:nvPr/>
+        </p:nvSpPr>
+        <p:spPr bwMode="auto">
+          <a:xfrm>
+            <a:off x="5969503" y="4096442"/>
+            <a:ext cx="1080120" cy="648072"/>
+          </a:xfrm>
+          <a:prstGeom prst="rect">
+            <a:avLst/>
+          </a:prstGeom>
+          <a:solidFill>
+            <a:schemeClr val="accent1">
+              <a:lumMod val="20000"/>
+              <a:lumOff val="80000"/>
+            </a:schemeClr>
+          </a:solidFill>
+          <a:ln w="9525" cap="flat" cmpd="sng" algn="ctr">
+            <a:solidFill>
+              <a:schemeClr val="accent3">
+                <a:lumMod val="75000"/>
+              </a:schemeClr>
+            </a:solidFill>
+            <a:prstDash val="solid"/>
+            <a:round/>
+            <a:headEnd type="none" w="med" len="med"/>
+            <a:tailEnd type="none" w="med" len="med"/>
+          </a:ln>
+          <a:effectLst/>
+        </p:spPr>
+        <p:txBody>
+          <a:bodyPr vert="horz" wrap="square" lIns="91440" tIns="45720" rIns="91440" bIns="45720" numCol="1" rtlCol="0" anchor="ctr" anchorCtr="0" compatLnSpc="1">
+            <a:prstTxWarp prst="textNoShape">
+              <a:avLst/>
+            </a:prstTxWarp>
+          </a:bodyPr>
+          <a:lstStyle/>
+          <a:p>
+            <a:pPr marL="0" marR="0" indent="0" algn="ctr" defTabSz="914400" rtl="0" eaLnBrk="1" fontAlgn="base" latinLnBrk="0" hangingPunct="1">
+              <a:lnSpc>
+                <a:spcPct val="100000"/>
+              </a:lnSpc>
+              <a:spcBef>
+                <a:spcPct val="0"/>
+              </a:spcBef>
+              <a:spcAft>
+                <a:spcPct val="0"/>
+              </a:spcAft>
+              <a:buClrTx/>
+              <a:buSzTx/>
+              <a:buFontTx/>
+              <a:buNone/>
+              <a:tabLst/>
+            </a:pPr>
+            <a:r>
+              <a:rPr kumimoji="0" lang="en-US" altLang="ko-KR" sz="1400" b="0" i="0" u="none" strike="noStrike" cap="none" normalizeH="0" baseline="0" dirty="0">
+                <a:ln>
+                  <a:noFill/>
+                </a:ln>
+                <a:solidFill>
+                  <a:schemeClr val="tx1"/>
+                </a:solidFill>
+                <a:effectLst/>
+                <a:latin typeface="Arial" charset="0"/>
+              </a:rPr>
+              <a:t>Graphics Buffer</a:t>
+            </a:r>
+            <a:endParaRPr kumimoji="0" lang="ko-KR" altLang="en-US" sz="1400" b="0" i="0" u="none" strike="noStrike" cap="none" normalizeH="0" baseline="0" dirty="0">
+              <a:ln>
+                <a:noFill/>
+              </a:ln>
+              <a:solidFill>
+                <a:schemeClr val="tx1"/>
+              </a:solidFill>
+              <a:effectLst/>
+              <a:latin typeface="Arial" charset="0"/>
+            </a:endParaRPr>
+          </a:p>
+        </p:txBody>
+      </p:sp>
+      <p:sp>
+        <p:nvSpPr>
+          <p:cNvPr id="15" name="직사각형 14">
+            <a:extLst>
+              <a:ext uri="{FF2B5EF4-FFF2-40B4-BE49-F238E27FC236}">
+                <a16:creationId xmlns:a16="http://schemas.microsoft.com/office/drawing/2014/main" id="{2449A1E9-3FD2-9FEB-43E4-9D016A6BCDA6}"/>
+              </a:ext>
+            </a:extLst>
+          </p:cNvPr>
+          <p:cNvSpPr/>
+          <p:nvPr/>
+        </p:nvSpPr>
+        <p:spPr bwMode="auto">
+          <a:xfrm>
+            <a:off x="5207096" y="2656284"/>
+            <a:ext cx="1080120" cy="648072"/>
+          </a:xfrm>
+          <a:prstGeom prst="rect">
+            <a:avLst/>
+          </a:prstGeom>
+          <a:solidFill>
+            <a:schemeClr val="accent2">
+              <a:lumMod val="40000"/>
+              <a:lumOff val="60000"/>
+            </a:schemeClr>
+          </a:solidFill>
+          <a:ln w="9525" cap="flat" cmpd="sng" algn="ctr">
+            <a:solidFill>
+              <a:schemeClr val="accent3">
+                <a:lumMod val="75000"/>
+              </a:schemeClr>
+            </a:solidFill>
+            <a:prstDash val="solid"/>
+            <a:round/>
+            <a:headEnd type="none" w="med" len="med"/>
+            <a:tailEnd type="none" w="med" len="med"/>
+          </a:ln>
+          <a:effectLst/>
+        </p:spPr>
+        <p:txBody>
+          <a:bodyPr vert="horz" wrap="square" lIns="91440" tIns="45720" rIns="91440" bIns="45720" numCol="1" rtlCol="0" anchor="ctr" anchorCtr="0" compatLnSpc="1">
+            <a:prstTxWarp prst="textNoShape">
+              <a:avLst/>
+            </a:prstTxWarp>
+          </a:bodyPr>
+          <a:lstStyle/>
+          <a:p>
+            <a:pPr marL="0" marR="0" indent="0" algn="ctr" defTabSz="914400" rtl="0" eaLnBrk="1" fontAlgn="base" latinLnBrk="0" hangingPunct="1">
+              <a:lnSpc>
+                <a:spcPct val="100000"/>
+              </a:lnSpc>
+              <a:spcBef>
+                <a:spcPct val="0"/>
+              </a:spcBef>
+              <a:spcAft>
+                <a:spcPct val="0"/>
+              </a:spcAft>
+              <a:buClrTx/>
+              <a:buSzTx/>
+              <a:buFontTx/>
+              <a:buNone/>
+              <a:tabLst/>
+            </a:pPr>
+            <a:r>
+              <a:rPr kumimoji="0" lang="en-US" altLang="ko-KR" sz="1400" b="0" i="0" u="none" strike="noStrike" cap="none" normalizeH="0" baseline="0" dirty="0">
+                <a:ln>
+                  <a:noFill/>
+                </a:ln>
+                <a:solidFill>
+                  <a:schemeClr val="tx1"/>
+                </a:solidFill>
+                <a:effectLst/>
+                <a:latin typeface="Arial" charset="0"/>
+              </a:rPr>
+              <a:t>Image</a:t>
+            </a:r>
+          </a:p>
+          <a:p>
+            <a:pPr marL="0" marR="0" indent="0" algn="ctr" defTabSz="914400" rtl="0" eaLnBrk="1" fontAlgn="base" latinLnBrk="0" hangingPunct="1">
+              <a:lnSpc>
+                <a:spcPct val="100000"/>
+              </a:lnSpc>
+              <a:spcBef>
+                <a:spcPct val="0"/>
+              </a:spcBef>
+              <a:spcAft>
+                <a:spcPct val="0"/>
+              </a:spcAft>
+              <a:buClrTx/>
+              <a:buSzTx/>
+              <a:buFontTx/>
+              <a:buNone/>
+              <a:tabLst/>
+            </a:pPr>
+            <a:r>
+              <a:rPr kumimoji="0" lang="en-US" altLang="ko-KR" sz="1400" b="0" i="0" u="none" strike="noStrike" cap="none" normalizeH="0" baseline="0" dirty="0">
+                <a:ln>
+                  <a:noFill/>
+                </a:ln>
+                <a:solidFill>
+                  <a:schemeClr val="tx1"/>
+                </a:solidFill>
+                <a:effectLst/>
+                <a:latin typeface="Arial" charset="0"/>
+              </a:rPr>
+              <a:t>Buffer</a:t>
+            </a:r>
+            <a:endParaRPr kumimoji="0" lang="ko-KR" altLang="en-US" sz="1400" b="0" i="0" u="none" strike="noStrike" cap="none" normalizeH="0" baseline="0" dirty="0">
+              <a:ln>
+                <a:noFill/>
+              </a:ln>
+              <a:solidFill>
+                <a:schemeClr val="tx1"/>
+              </a:solidFill>
+              <a:effectLst/>
+              <a:latin typeface="Arial" charset="0"/>
+            </a:endParaRPr>
+          </a:p>
+        </p:txBody>
+      </p:sp>
+      <p:sp>
+        <p:nvSpPr>
+          <p:cNvPr id="16" name="화살표: 왼쪽 15">
+            <a:extLst>
+              <a:ext uri="{FF2B5EF4-FFF2-40B4-BE49-F238E27FC236}">
+                <a16:creationId xmlns:a16="http://schemas.microsoft.com/office/drawing/2014/main" id="{B9EB2CD7-BBE7-688B-E3AB-AC59CD8317ED}"/>
+              </a:ext>
+            </a:extLst>
+          </p:cNvPr>
+          <p:cNvSpPr/>
+          <p:nvPr/>
+        </p:nvSpPr>
+        <p:spPr bwMode="auto">
+          <a:xfrm>
+            <a:off x="6317698" y="2548272"/>
+            <a:ext cx="1405750" cy="864096"/>
+          </a:xfrm>
+          <a:prstGeom prst="leftArrow">
+            <a:avLst>
+              <a:gd name="adj1" fmla="val 77666"/>
+              <a:gd name="adj2" fmla="val 27867"/>
+            </a:avLst>
+          </a:prstGeom>
+          <a:solidFill>
+            <a:schemeClr val="accent2">
+              <a:lumMod val="20000"/>
+              <a:lumOff val="80000"/>
+            </a:schemeClr>
+          </a:solidFill>
+          <a:ln w="9525" cap="flat" cmpd="sng" algn="ctr">
+            <a:solidFill>
+              <a:schemeClr val="accent3">
+                <a:lumMod val="75000"/>
+              </a:schemeClr>
+            </a:solidFill>
+            <a:prstDash val="solid"/>
+            <a:round/>
+            <a:headEnd type="none" w="med" len="med"/>
+            <a:tailEnd type="none" w="med" len="med"/>
+          </a:ln>
+          <a:effectLst/>
+        </p:spPr>
+        <p:txBody>
+          <a:bodyPr vert="horz" wrap="square" lIns="91440" tIns="45720" rIns="91440" bIns="45720" numCol="1" rtlCol="0" anchor="ctr" anchorCtr="0" compatLnSpc="1">
+            <a:prstTxWarp prst="textNoShape">
+              <a:avLst/>
+            </a:prstTxWarp>
+          </a:bodyPr>
+          <a:lstStyle/>
+          <a:p>
+            <a:pPr marL="0" marR="0" indent="0" algn="ctr" defTabSz="914400" rtl="0" eaLnBrk="1" fontAlgn="base" latinLnBrk="0" hangingPunct="1">
+              <a:lnSpc>
+                <a:spcPct val="100000"/>
+              </a:lnSpc>
+              <a:spcBef>
+                <a:spcPct val="0"/>
+              </a:spcBef>
+              <a:spcAft>
+                <a:spcPct val="0"/>
+              </a:spcAft>
+              <a:buClrTx/>
+              <a:buSzTx/>
+              <a:buFontTx/>
+              <a:buNone/>
+              <a:tabLst/>
+            </a:pPr>
+            <a:r>
+              <a:rPr kumimoji="0" lang="en-US" altLang="ko-KR" sz="1400" b="0" i="0" u="none" strike="noStrike" cap="none" normalizeH="0" baseline="0" dirty="0">
+                <a:ln>
+                  <a:noFill/>
+                </a:ln>
+                <a:solidFill>
+                  <a:schemeClr val="tx1"/>
+                </a:solidFill>
+                <a:effectLst/>
+                <a:latin typeface="Arial" charset="0"/>
+              </a:rPr>
+              <a:t>Image Buffer Graphics</a:t>
+            </a:r>
+            <a:endParaRPr kumimoji="0" lang="ko-KR" altLang="en-US" sz="1400" b="0" i="0" u="none" strike="noStrike" cap="none" normalizeH="0" baseline="0" dirty="0">
+              <a:ln>
+                <a:noFill/>
+              </a:ln>
+              <a:solidFill>
+                <a:schemeClr val="tx1"/>
+              </a:solidFill>
+              <a:effectLst/>
+              <a:latin typeface="Arial" charset="0"/>
+            </a:endParaRPr>
+          </a:p>
+        </p:txBody>
+      </p:sp>
+      <p:sp>
+        <p:nvSpPr>
+          <p:cNvPr id="17" name="화살표: 오른쪽 16">
+            <a:extLst>
+              <a:ext uri="{FF2B5EF4-FFF2-40B4-BE49-F238E27FC236}">
+                <a16:creationId xmlns:a16="http://schemas.microsoft.com/office/drawing/2014/main" id="{61B2DBD3-FDB0-D0D1-2CC0-2E702C840555}"/>
+              </a:ext>
+            </a:extLst>
+          </p:cNvPr>
+          <p:cNvSpPr/>
+          <p:nvPr/>
+        </p:nvSpPr>
+        <p:spPr bwMode="auto">
+          <a:xfrm>
+            <a:off x="5590800" y="4240460"/>
+            <a:ext cx="292292" cy="360040"/>
+          </a:xfrm>
+          <a:prstGeom prst="rightArrow">
+            <a:avLst/>
+          </a:prstGeom>
+          <a:solidFill>
+            <a:schemeClr val="accent3">
+              <a:lumMod val="20000"/>
+              <a:lumOff val="80000"/>
+            </a:schemeClr>
+          </a:solidFill>
+          <a:ln w="9525" cap="flat" cmpd="sng" algn="ctr">
+            <a:solidFill>
+              <a:schemeClr val="accent3">
+                <a:lumMod val="75000"/>
+              </a:schemeClr>
+            </a:solidFill>
+            <a:prstDash val="solid"/>
+            <a:round/>
+            <a:headEnd type="none" w="med" len="med"/>
+            <a:tailEnd type="none" w="med" len="med"/>
+          </a:ln>
+          <a:effectLst/>
+        </p:spPr>
+        <p:txBody>
+          <a:bodyPr vert="horz" wrap="square" lIns="91440" tIns="45720" rIns="91440" bIns="45720" numCol="1" rtlCol="0" anchor="ctr" anchorCtr="0" compatLnSpc="1">
+            <a:prstTxWarp prst="textNoShape">
+              <a:avLst/>
+            </a:prstTxWarp>
+          </a:bodyPr>
+          <a:lstStyle/>
+          <a:p>
+            <a:pPr marL="0" marR="0" indent="0" algn="ctr" defTabSz="914400" rtl="0" eaLnBrk="1" fontAlgn="base" latinLnBrk="0" hangingPunct="1">
+              <a:lnSpc>
+                <a:spcPct val="100000"/>
+              </a:lnSpc>
+              <a:spcBef>
+                <a:spcPct val="0"/>
+              </a:spcBef>
+              <a:spcAft>
+                <a:spcPct val="0"/>
+              </a:spcAft>
+              <a:buClrTx/>
+              <a:buSzTx/>
+              <a:buFontTx/>
+              <a:buNone/>
+              <a:tabLst/>
+            </a:pPr>
+            <a:endParaRPr kumimoji="0" lang="ko-KR" altLang="en-US" sz="1400" b="0" i="0" u="none" strike="noStrike" cap="none" normalizeH="0" baseline="0">
+              <a:ln>
+                <a:noFill/>
+              </a:ln>
+              <a:solidFill>
+                <a:schemeClr val="tx1"/>
+              </a:solidFill>
+              <a:effectLst/>
+              <a:latin typeface="Arial" charset="0"/>
+            </a:endParaRPr>
+          </a:p>
+        </p:txBody>
+      </p:sp>
+      <p:sp>
+        <p:nvSpPr>
+          <p:cNvPr id="18" name="TextBox 17">
+            <a:extLst>
+              <a:ext uri="{FF2B5EF4-FFF2-40B4-BE49-F238E27FC236}">
+                <a16:creationId xmlns:a16="http://schemas.microsoft.com/office/drawing/2014/main" id="{0BC502B4-C431-D306-5AE6-1952346932BA}"/>
+              </a:ext>
+            </a:extLst>
+          </p:cNvPr>
+          <p:cNvSpPr txBox="1"/>
+          <p:nvPr/>
+        </p:nvSpPr>
+        <p:spPr>
+          <a:xfrm>
+            <a:off x="4806440" y="3664396"/>
+            <a:ext cx="268797" cy="288032"/>
+          </a:xfrm>
+          <a:prstGeom prst="rect">
+            <a:avLst/>
+          </a:prstGeom>
+          <a:solidFill>
+            <a:schemeClr val="accent1">
+              <a:lumMod val="20000"/>
+              <a:lumOff val="80000"/>
+            </a:schemeClr>
+          </a:solidFill>
+          <a:ln>
+            <a:solidFill>
+              <a:schemeClr val="accent1">
+                <a:lumMod val="50000"/>
+              </a:schemeClr>
+            </a:solidFill>
+          </a:ln>
+        </p:spPr>
+        <p:txBody>
+          <a:bodyPr wrap="square" rtlCol="0" anchor="ctr">
+            <a:noAutofit/>
+          </a:bodyPr>
+          <a:lstStyle/>
+          <a:p>
+            <a:pPr algn="ctr"/>
+            <a:r>
+              <a:rPr lang="en-US" altLang="ko-KR" sz="1600" dirty="0"/>
+              <a:t>1</a:t>
+            </a:r>
+            <a:endParaRPr lang="ko-KR" altLang="en-US" sz="1600" dirty="0" err="1"/>
+          </a:p>
+        </p:txBody>
+      </p:sp>
+      <p:sp>
+        <p:nvSpPr>
+          <p:cNvPr id="19" name="TextBox 18">
+            <a:extLst>
+              <a:ext uri="{FF2B5EF4-FFF2-40B4-BE49-F238E27FC236}">
+                <a16:creationId xmlns:a16="http://schemas.microsoft.com/office/drawing/2014/main" id="{C1AE6A31-8EB0-8402-72A7-DB02B6B5D4E9}"/>
+              </a:ext>
+            </a:extLst>
+          </p:cNvPr>
+          <p:cNvSpPr txBox="1"/>
+          <p:nvPr/>
+        </p:nvSpPr>
+        <p:spPr>
+          <a:xfrm>
+            <a:off x="6375164" y="3672780"/>
+            <a:ext cx="268797" cy="288032"/>
+          </a:xfrm>
+          <a:prstGeom prst="rect">
+            <a:avLst/>
+          </a:prstGeom>
+          <a:solidFill>
+            <a:schemeClr val="accent1">
+              <a:lumMod val="20000"/>
+              <a:lumOff val="80000"/>
+            </a:schemeClr>
+          </a:solidFill>
+          <a:ln>
+            <a:solidFill>
+              <a:schemeClr val="accent1">
+                <a:lumMod val="50000"/>
+              </a:schemeClr>
+            </a:solidFill>
+          </a:ln>
+        </p:spPr>
+        <p:txBody>
+          <a:bodyPr wrap="square" rtlCol="0" anchor="ctr">
+            <a:noAutofit/>
+          </a:bodyPr>
+          <a:lstStyle/>
+          <a:p>
+            <a:pPr algn="ctr"/>
+            <a:r>
+              <a:rPr lang="en-US" altLang="ko-KR" sz="1600" dirty="0"/>
+              <a:t>2</a:t>
+            </a:r>
+            <a:endParaRPr lang="ko-KR" altLang="en-US" sz="1600" dirty="0" err="1"/>
+          </a:p>
+        </p:txBody>
+      </p:sp>
+      <p:sp>
+        <p:nvSpPr>
+          <p:cNvPr id="20" name="직사각형 19">
+            <a:extLst>
+              <a:ext uri="{FF2B5EF4-FFF2-40B4-BE49-F238E27FC236}">
+                <a16:creationId xmlns:a16="http://schemas.microsoft.com/office/drawing/2014/main" id="{5CE07A70-23AA-682F-B518-883F2FA11A4E}"/>
+              </a:ext>
+            </a:extLst>
+          </p:cNvPr>
+          <p:cNvSpPr/>
+          <p:nvPr/>
+        </p:nvSpPr>
+        <p:spPr bwMode="auto">
+          <a:xfrm>
+            <a:off x="7518890" y="4101434"/>
+            <a:ext cx="1080120" cy="648072"/>
+          </a:xfrm>
+          <a:prstGeom prst="rect">
+            <a:avLst/>
+          </a:prstGeom>
+          <a:solidFill>
+            <a:schemeClr val="accent1">
+              <a:lumMod val="20000"/>
+              <a:lumOff val="80000"/>
+            </a:schemeClr>
+          </a:solidFill>
+          <a:ln w="9525" cap="flat" cmpd="sng" algn="ctr">
+            <a:solidFill>
+              <a:schemeClr val="accent3">
+                <a:lumMod val="75000"/>
+              </a:schemeClr>
+            </a:solidFill>
+            <a:prstDash val="solid"/>
+            <a:round/>
+            <a:headEnd type="none" w="med" len="med"/>
+            <a:tailEnd type="none" w="med" len="med"/>
+          </a:ln>
+          <a:effectLst/>
+        </p:spPr>
+        <p:txBody>
+          <a:bodyPr vert="horz" wrap="square" lIns="91440" tIns="45720" rIns="91440" bIns="45720" numCol="1" rtlCol="0" anchor="ctr" anchorCtr="0" compatLnSpc="1">
+            <a:prstTxWarp prst="textNoShape">
+              <a:avLst/>
+            </a:prstTxWarp>
+          </a:bodyPr>
+          <a:lstStyle/>
+          <a:p>
+            <a:pPr marL="0" marR="0" indent="0" algn="ctr" defTabSz="914400" rtl="0" eaLnBrk="1" fontAlgn="base" latinLnBrk="0" hangingPunct="1">
+              <a:lnSpc>
+                <a:spcPct val="100000"/>
+              </a:lnSpc>
+              <a:spcBef>
+                <a:spcPct val="0"/>
+              </a:spcBef>
+              <a:spcAft>
+                <a:spcPct val="0"/>
+              </a:spcAft>
+              <a:buClrTx/>
+              <a:buSzTx/>
+              <a:buFontTx/>
+              <a:buNone/>
+              <a:tabLst/>
+            </a:pPr>
+            <a:r>
+              <a:rPr kumimoji="0" lang="en-US" altLang="ko-KR" sz="1400" b="0" i="0" u="none" strike="noStrike" cap="none" normalizeH="0" baseline="0" dirty="0">
+                <a:ln>
+                  <a:noFill/>
+                </a:ln>
+                <a:solidFill>
+                  <a:schemeClr val="tx1"/>
+                </a:solidFill>
+                <a:effectLst/>
+                <a:latin typeface="Arial" charset="0"/>
+              </a:rPr>
+              <a:t>Graphics Buffer ----</a:t>
+            </a:r>
+            <a:endParaRPr kumimoji="0" lang="ko-KR" altLang="en-US" sz="1400" b="0" i="0" u="none" strike="noStrike" cap="none" normalizeH="0" baseline="0" dirty="0">
+              <a:ln>
+                <a:noFill/>
+              </a:ln>
+              <a:solidFill>
+                <a:schemeClr val="tx1"/>
+              </a:solidFill>
+              <a:effectLst/>
+              <a:latin typeface="Arial" charset="0"/>
+            </a:endParaRPr>
+          </a:p>
+        </p:txBody>
+      </p:sp>
+      <p:sp>
+        <p:nvSpPr>
+          <p:cNvPr id="21" name="TextBox 20">
+            <a:extLst>
+              <a:ext uri="{FF2B5EF4-FFF2-40B4-BE49-F238E27FC236}">
+                <a16:creationId xmlns:a16="http://schemas.microsoft.com/office/drawing/2014/main" id="{514A04C7-8134-6F09-1C06-5C64BDDA8300}"/>
+              </a:ext>
+            </a:extLst>
+          </p:cNvPr>
+          <p:cNvSpPr txBox="1"/>
+          <p:nvPr/>
+        </p:nvSpPr>
+        <p:spPr>
+          <a:xfrm>
+            <a:off x="7924551" y="3677772"/>
+            <a:ext cx="268797" cy="288032"/>
+          </a:xfrm>
+          <a:prstGeom prst="rect">
+            <a:avLst/>
+          </a:prstGeom>
+          <a:solidFill>
+            <a:schemeClr val="accent1">
+              <a:lumMod val="20000"/>
+              <a:lumOff val="80000"/>
+            </a:schemeClr>
+          </a:solidFill>
+          <a:ln>
+            <a:solidFill>
+              <a:schemeClr val="accent1">
+                <a:lumMod val="50000"/>
+              </a:schemeClr>
+            </a:solidFill>
+          </a:ln>
+        </p:spPr>
+        <p:txBody>
+          <a:bodyPr wrap="square" rtlCol="0" anchor="ctr">
+            <a:noAutofit/>
+          </a:bodyPr>
+          <a:lstStyle/>
+          <a:p>
+            <a:pPr algn="ctr"/>
+            <a:r>
+              <a:rPr lang="en-US" altLang="ko-KR" sz="1600" dirty="0"/>
+              <a:t>3</a:t>
+            </a:r>
+            <a:endParaRPr lang="ko-KR" altLang="en-US" sz="1600" dirty="0" err="1"/>
+          </a:p>
+        </p:txBody>
+      </p:sp>
+      <p:sp>
+        <p:nvSpPr>
+          <p:cNvPr id="22" name="화살표: 오른쪽 21">
+            <a:extLst>
+              <a:ext uri="{FF2B5EF4-FFF2-40B4-BE49-F238E27FC236}">
+                <a16:creationId xmlns:a16="http://schemas.microsoft.com/office/drawing/2014/main" id="{0D8B34FF-7719-B149-BCE6-9D9610424D0E}"/>
+              </a:ext>
+            </a:extLst>
+          </p:cNvPr>
+          <p:cNvSpPr/>
+          <p:nvPr/>
+        </p:nvSpPr>
+        <p:spPr bwMode="auto">
+          <a:xfrm>
+            <a:off x="7138110" y="4256279"/>
+            <a:ext cx="292292" cy="360040"/>
+          </a:xfrm>
+          <a:prstGeom prst="rightArrow">
+            <a:avLst/>
+          </a:prstGeom>
+          <a:solidFill>
+            <a:schemeClr val="accent3">
+              <a:lumMod val="20000"/>
+              <a:lumOff val="80000"/>
+            </a:schemeClr>
+          </a:solidFill>
+          <a:ln w="9525" cap="flat" cmpd="sng" algn="ctr">
+            <a:solidFill>
+              <a:schemeClr val="accent3">
+                <a:lumMod val="75000"/>
+              </a:schemeClr>
+            </a:solidFill>
+            <a:prstDash val="solid"/>
+            <a:round/>
+            <a:headEnd type="none" w="med" len="med"/>
+            <a:tailEnd type="none" w="med" len="med"/>
+          </a:ln>
+          <a:effectLst/>
+        </p:spPr>
+        <p:txBody>
+          <a:bodyPr vert="horz" wrap="square" lIns="91440" tIns="45720" rIns="91440" bIns="45720" numCol="1" rtlCol="0" anchor="ctr" anchorCtr="0" compatLnSpc="1">
+            <a:prstTxWarp prst="textNoShape">
+              <a:avLst/>
+            </a:prstTxWarp>
+          </a:bodyPr>
+          <a:lstStyle/>
+          <a:p>
+            <a:pPr marL="0" marR="0" indent="0" algn="ctr" defTabSz="914400" rtl="0" eaLnBrk="1" fontAlgn="base" latinLnBrk="0" hangingPunct="1">
+              <a:lnSpc>
+                <a:spcPct val="100000"/>
+              </a:lnSpc>
+              <a:spcBef>
+                <a:spcPct val="0"/>
+              </a:spcBef>
+              <a:spcAft>
+                <a:spcPct val="0"/>
+              </a:spcAft>
+              <a:buClrTx/>
+              <a:buSzTx/>
+              <a:buFontTx/>
+              <a:buNone/>
+              <a:tabLst/>
+            </a:pPr>
+            <a:endParaRPr kumimoji="0" lang="ko-KR" altLang="en-US" sz="1400" b="0" i="0" u="none" strike="noStrike" cap="none" normalizeH="0" baseline="0">
+              <a:ln>
+                <a:noFill/>
+              </a:ln>
+              <a:solidFill>
+                <a:schemeClr val="tx1"/>
+              </a:solidFill>
+              <a:effectLst/>
+              <a:latin typeface="Arial" charset="0"/>
+            </a:endParaRPr>
           </a:p>
         </p:txBody>
       </p:sp>
@@ -34244,6 +35455,1558 @@
     <p:extLst>
       <p:ext uri="{BB962C8B-B14F-4D97-AF65-F5344CB8AC3E}">
         <p14:creationId xmlns:p14="http://schemas.microsoft.com/office/powerpoint/2010/main" val="464962222"/>
+      </p:ext>
+    </p:extLst>
+  </p:cSld>
+  <p:clrMapOvr>
+    <a:masterClrMapping/>
+  </p:clrMapOvr>
+</p:sld>
+</file>
+
+<file path=ppt/slides/slide30.xml><?xml version="1.0" encoding="utf-8"?>
+<p:sld xmlns:a="http://schemas.openxmlformats.org/drawingml/2006/main" xmlns:r="http://schemas.openxmlformats.org/officeDocument/2006/relationships" xmlns:p="http://schemas.openxmlformats.org/presentationml/2006/main">
+  <p:cSld>
+    <p:spTree>
+      <p:nvGrpSpPr>
+        <p:cNvPr id="1" name=""/>
+        <p:cNvGrpSpPr/>
+        <p:nvPr/>
+      </p:nvGrpSpPr>
+      <p:grpSpPr>
+        <a:xfrm>
+          <a:off x="0" y="0"/>
+          <a:ext cx="0" cy="0"/>
+          <a:chOff x="0" y="0"/>
+          <a:chExt cx="0" cy="0"/>
+        </a:xfrm>
+      </p:grpSpPr>
+      <p:sp>
+        <p:nvSpPr>
+          <p:cNvPr id="7" name="내용 개체 틀 6">
+            <a:extLst>
+              <a:ext uri="{FF2B5EF4-FFF2-40B4-BE49-F238E27FC236}">
+                <a16:creationId xmlns:a16="http://schemas.microsoft.com/office/drawing/2014/main" id="{FBCC7D72-5E18-71E7-A537-B53A305967D6}"/>
+              </a:ext>
+            </a:extLst>
+          </p:cNvPr>
+          <p:cNvSpPr>
+            <a:spLocks noGrp="1"/>
+          </p:cNvSpPr>
+          <p:nvPr>
+            <p:ph sz="half" idx="1"/>
+          </p:nvPr>
+        </p:nvSpPr>
+        <p:spPr/>
+        <p:txBody>
+          <a:bodyPr/>
+          <a:lstStyle/>
+          <a:p>
+            <a:r>
+              <a:rPr lang="en-US" altLang="ko-KR" dirty="0"/>
+              <a:t>Initialization</a:t>
+            </a:r>
+          </a:p>
+          <a:p>
+            <a:pPr lvl="1"/>
+            <a:r>
+              <a:rPr lang="en-US" altLang="ko-KR" dirty="0"/>
+              <a:t>Aggregation Hierarchy</a:t>
+            </a:r>
+          </a:p>
+          <a:p>
+            <a:pPr lvl="2"/>
+            <a:r>
+              <a:rPr lang="en-US" altLang="ko-KR" dirty="0"/>
+              <a:t>Parent</a:t>
+            </a:r>
+          </a:p>
+          <a:p>
+            <a:pPr lvl="3"/>
+            <a:r>
+              <a:rPr lang="en-US" altLang="ko-KR" dirty="0"/>
+              <a:t>Manage child Lifecycle</a:t>
+            </a:r>
+          </a:p>
+          <a:p>
+            <a:pPr lvl="4"/>
+            <a:r>
+              <a:rPr lang="en-US" altLang="ko-KR" dirty="0"/>
+              <a:t>Create/delete</a:t>
+            </a:r>
+          </a:p>
+          <a:p>
+            <a:pPr lvl="4"/>
+            <a:r>
+              <a:rPr lang="en-US" altLang="ko-KR" dirty="0"/>
+              <a:t>Register</a:t>
+            </a:r>
+          </a:p>
+          <a:p>
+            <a:pPr lvl="4"/>
+            <a:r>
+              <a:rPr lang="en-US" altLang="ko-KR" dirty="0"/>
+              <a:t>Association</a:t>
+            </a:r>
+          </a:p>
+          <a:p>
+            <a:pPr lvl="4"/>
+            <a:endParaRPr lang="en-US" altLang="ko-KR" dirty="0"/>
+          </a:p>
+          <a:p>
+            <a:pPr lvl="2"/>
+            <a:r>
+              <a:rPr lang="en-US" altLang="ko-KR" dirty="0"/>
+              <a:t>3</a:t>
+            </a:r>
+            <a:r>
+              <a:rPr lang="ko-KR" altLang="en-US" dirty="0"/>
+              <a:t>단계</a:t>
+            </a:r>
+            <a:endParaRPr lang="en-US" altLang="ko-KR" dirty="0"/>
+          </a:p>
+          <a:p>
+            <a:pPr lvl="3"/>
+            <a:r>
+              <a:rPr lang="en-US" altLang="ko-KR" dirty="0"/>
+              <a:t>1</a:t>
+            </a:r>
+            <a:r>
+              <a:rPr lang="ko-KR" altLang="en-US" dirty="0"/>
+              <a:t>단계 </a:t>
+            </a:r>
+            <a:r>
+              <a:rPr lang="en-US" altLang="ko-KR" dirty="0"/>
+              <a:t>- </a:t>
+            </a:r>
+            <a:r>
+              <a:rPr lang="ko-KR" altLang="en-US" dirty="0"/>
+              <a:t>구조</a:t>
+            </a:r>
+            <a:endParaRPr lang="en-US" altLang="ko-KR" dirty="0"/>
+          </a:p>
+          <a:p>
+            <a:pPr lvl="4"/>
+            <a:r>
+              <a:rPr lang="en-US" altLang="ko-KR" dirty="0"/>
+              <a:t>New – memory allocation</a:t>
+            </a:r>
+          </a:p>
+          <a:p>
+            <a:pPr lvl="4"/>
+            <a:r>
+              <a:rPr lang="en-US" altLang="ko-KR" dirty="0"/>
+              <a:t>Call constructor</a:t>
+            </a:r>
+          </a:p>
+          <a:p>
+            <a:pPr lvl="5"/>
+            <a:r>
+              <a:rPr lang="en-US" altLang="ko-KR" dirty="0"/>
+              <a:t>Set attributes</a:t>
+            </a:r>
+          </a:p>
+          <a:p>
+            <a:pPr lvl="5"/>
+            <a:r>
+              <a:rPr lang="en-US" altLang="ko-KR" dirty="0"/>
+              <a:t>New Child</a:t>
+            </a:r>
+          </a:p>
+          <a:p>
+            <a:pPr lvl="6"/>
+            <a:r>
+              <a:rPr lang="en-US" altLang="ko-KR" dirty="0"/>
+              <a:t>Call Constructor</a:t>
+            </a:r>
+          </a:p>
+          <a:p>
+            <a:pPr lvl="5"/>
+            <a:r>
+              <a:rPr lang="en-US" altLang="ko-KR" dirty="0"/>
+              <a:t>Add Child</a:t>
+            </a:r>
+          </a:p>
+          <a:p>
+            <a:pPr lvl="5"/>
+            <a:r>
+              <a:rPr lang="en-US" altLang="ko-KR" dirty="0"/>
+              <a:t>Associate child with another child</a:t>
+            </a:r>
+          </a:p>
+          <a:p>
+            <a:pPr lvl="3"/>
+            <a:r>
+              <a:rPr lang="en-US" altLang="ko-KR" dirty="0"/>
+              <a:t>1.5</a:t>
+            </a:r>
+            <a:r>
+              <a:rPr lang="ko-KR" altLang="en-US" dirty="0"/>
+              <a:t>단계</a:t>
+            </a:r>
+            <a:endParaRPr lang="en-US" altLang="ko-KR" dirty="0"/>
+          </a:p>
+          <a:p>
+            <a:pPr lvl="4"/>
+            <a:r>
+              <a:rPr lang="ko-KR" altLang="en-US" dirty="0"/>
+              <a:t>위치</a:t>
+            </a:r>
+            <a:r>
+              <a:rPr lang="en-US" altLang="ko-KR" dirty="0"/>
+              <a:t>/</a:t>
+            </a:r>
+            <a:r>
+              <a:rPr lang="ko-KR" altLang="en-US" dirty="0"/>
+              <a:t>크기 계산</a:t>
+            </a:r>
+            <a:endParaRPr lang="en-US" altLang="ko-KR" dirty="0"/>
+          </a:p>
+          <a:p>
+            <a:pPr lvl="5"/>
+            <a:r>
+              <a:rPr lang="en-US" altLang="ko-KR" dirty="0" err="1"/>
+              <a:t>setVisible</a:t>
+            </a:r>
+            <a:r>
+              <a:rPr lang="en-US" altLang="ko-KR" dirty="0"/>
+              <a:t>(True);</a:t>
+            </a:r>
+          </a:p>
+          <a:p>
+            <a:pPr lvl="3"/>
+            <a:r>
+              <a:rPr lang="en-US" altLang="ko-KR" dirty="0"/>
+              <a:t>2</a:t>
+            </a:r>
+            <a:r>
+              <a:rPr lang="ko-KR" altLang="en-US" dirty="0"/>
+              <a:t>단계</a:t>
+            </a:r>
+            <a:endParaRPr lang="en-US" altLang="ko-KR" dirty="0"/>
+          </a:p>
+          <a:p>
+            <a:pPr lvl="4"/>
+            <a:r>
+              <a:rPr lang="en-US" altLang="ko-KR" dirty="0"/>
+              <a:t>Derived Attributes</a:t>
+            </a:r>
+          </a:p>
+          <a:p>
+            <a:pPr lvl="5"/>
+            <a:r>
+              <a:rPr lang="en-US" altLang="ko-KR" dirty="0"/>
+              <a:t>Associated action</a:t>
+            </a:r>
+          </a:p>
+          <a:p>
+            <a:pPr lvl="6"/>
+            <a:r>
+              <a:rPr lang="en-US" altLang="ko-KR" dirty="0" err="1"/>
+              <a:t>DoClick</a:t>
+            </a:r>
+            <a:r>
+              <a:rPr lang="en-US" altLang="ko-KR" dirty="0"/>
+              <a:t>();</a:t>
+            </a:r>
+          </a:p>
+          <a:p>
+            <a:pPr lvl="5"/>
+            <a:r>
+              <a:rPr lang="en-US" altLang="ko-KR" dirty="0"/>
+              <a:t>Size</a:t>
+            </a:r>
+          </a:p>
+          <a:p>
+            <a:pPr lvl="3"/>
+            <a:endParaRPr lang="ko-KR" altLang="en-US" dirty="0"/>
+          </a:p>
+        </p:txBody>
+      </p:sp>
+      <p:sp>
+        <p:nvSpPr>
+          <p:cNvPr id="5" name="바닥글 개체 틀 4">
+            <a:extLst>
+              <a:ext uri="{FF2B5EF4-FFF2-40B4-BE49-F238E27FC236}">
+                <a16:creationId xmlns:a16="http://schemas.microsoft.com/office/drawing/2014/main" id="{486CAA90-5AEC-7E20-3E26-BD21CAE586FE}"/>
+              </a:ext>
+            </a:extLst>
+          </p:cNvPr>
+          <p:cNvSpPr>
+            <a:spLocks noGrp="1"/>
+          </p:cNvSpPr>
+          <p:nvPr>
+            <p:ph type="ftr" sz="quarter" idx="10"/>
+          </p:nvPr>
+        </p:nvSpPr>
+        <p:spPr/>
+        <p:txBody>
+          <a:bodyPr/>
+          <a:lstStyle/>
+          <a:p>
+            <a:pPr>
+              <a:buFont typeface="맑은 고딕" panose="020B0503020000020004" pitchFamily="50" charset="-127"/>
+              <a:buChar char="ⓒ"/>
+            </a:pPr>
+            <a:r>
+              <a:rPr lang="en-US" altLang="ko-KR"/>
+              <a:t>Sungwoon Choi 2021</a:t>
+            </a:r>
+            <a:endParaRPr lang="en-US" altLang="ko-KR" dirty="0"/>
+          </a:p>
+        </p:txBody>
+      </p:sp>
+      <p:sp>
+        <p:nvSpPr>
+          <p:cNvPr id="6" name="슬라이드 번호 개체 틀 5">
+            <a:extLst>
+              <a:ext uri="{FF2B5EF4-FFF2-40B4-BE49-F238E27FC236}">
+                <a16:creationId xmlns:a16="http://schemas.microsoft.com/office/drawing/2014/main" id="{A5E92F4C-FCC4-8E47-2BD1-802842759051}"/>
+              </a:ext>
+            </a:extLst>
+          </p:cNvPr>
+          <p:cNvSpPr>
+            <a:spLocks noGrp="1"/>
+          </p:cNvSpPr>
+          <p:nvPr>
+            <p:ph type="sldNum" sz="quarter" idx="11"/>
+          </p:nvPr>
+        </p:nvSpPr>
+        <p:spPr/>
+        <p:txBody>
+          <a:bodyPr/>
+          <a:lstStyle/>
+          <a:p>
+            <a:fld id="{AA4216F1-165B-4DFF-BD92-3D8E849D7D48}" type="slidenum">
+              <a:rPr lang="en-US" altLang="ko-KR" smtClean="0"/>
+              <a:pPr/>
+              <a:t>30</a:t>
+            </a:fld>
+            <a:endParaRPr lang="en-US" altLang="ko-KR" dirty="0"/>
+          </a:p>
+        </p:txBody>
+      </p:sp>
+      <p:sp>
+        <p:nvSpPr>
+          <p:cNvPr id="9" name="직사각형 8">
+            <a:extLst>
+              <a:ext uri="{FF2B5EF4-FFF2-40B4-BE49-F238E27FC236}">
+                <a16:creationId xmlns:a16="http://schemas.microsoft.com/office/drawing/2014/main" id="{8760BAC0-8571-1AD8-6671-BBC7D60AA455}"/>
+              </a:ext>
+            </a:extLst>
+          </p:cNvPr>
+          <p:cNvSpPr/>
+          <p:nvPr/>
+        </p:nvSpPr>
+        <p:spPr bwMode="auto">
+          <a:xfrm>
+            <a:off x="5867325" y="1216124"/>
+            <a:ext cx="1328873" cy="648072"/>
+          </a:xfrm>
+          <a:prstGeom prst="rect">
+            <a:avLst/>
+          </a:prstGeom>
+          <a:solidFill>
+            <a:schemeClr val="accent3">
+              <a:lumMod val="20000"/>
+              <a:lumOff val="80000"/>
+            </a:schemeClr>
+          </a:solidFill>
+          <a:ln w="9525" cap="flat" cmpd="sng" algn="ctr">
+            <a:solidFill>
+              <a:schemeClr val="accent3">
+                <a:lumMod val="75000"/>
+              </a:schemeClr>
+            </a:solidFill>
+            <a:prstDash val="solid"/>
+            <a:round/>
+            <a:headEnd type="none" w="med" len="med"/>
+            <a:tailEnd type="none" w="med" len="med"/>
+          </a:ln>
+          <a:effectLst/>
+        </p:spPr>
+        <p:txBody>
+          <a:bodyPr vert="horz" wrap="square" lIns="91440" tIns="45720" rIns="91440" bIns="45720" numCol="1" rtlCol="0" anchor="ctr" anchorCtr="0" compatLnSpc="1">
+            <a:prstTxWarp prst="textNoShape">
+              <a:avLst/>
+            </a:prstTxWarp>
+          </a:bodyPr>
+          <a:lstStyle/>
+          <a:p>
+            <a:pPr marL="0" marR="0" indent="0" algn="ctr" defTabSz="914400" rtl="0" eaLnBrk="1" fontAlgn="base" latinLnBrk="0" hangingPunct="1">
+              <a:lnSpc>
+                <a:spcPct val="100000"/>
+              </a:lnSpc>
+              <a:spcBef>
+                <a:spcPct val="0"/>
+              </a:spcBef>
+              <a:spcAft>
+                <a:spcPct val="0"/>
+              </a:spcAft>
+              <a:buClrTx/>
+              <a:buSzTx/>
+              <a:buFontTx/>
+              <a:buNone/>
+              <a:tabLst/>
+            </a:pPr>
+            <a:r>
+              <a:rPr lang="en-US" altLang="ko-KR" sz="1400" dirty="0" err="1"/>
+              <a:t>mainFrame</a:t>
+            </a:r>
+            <a:endParaRPr kumimoji="0" lang="ko-KR" altLang="en-US" sz="1400" b="0" i="0" u="none" strike="noStrike" cap="none" normalizeH="0" baseline="0" dirty="0">
+              <a:ln>
+                <a:noFill/>
+              </a:ln>
+              <a:solidFill>
+                <a:schemeClr val="tx1"/>
+              </a:solidFill>
+              <a:effectLst/>
+              <a:latin typeface="Arial" charset="0"/>
+            </a:endParaRPr>
+          </a:p>
+        </p:txBody>
+      </p:sp>
+      <p:sp>
+        <p:nvSpPr>
+          <p:cNvPr id="10" name="직사각형 9">
+            <a:extLst>
+              <a:ext uri="{FF2B5EF4-FFF2-40B4-BE49-F238E27FC236}">
+                <a16:creationId xmlns:a16="http://schemas.microsoft.com/office/drawing/2014/main" id="{95DFB55B-7329-0DAD-7189-A653D18EF931}"/>
+              </a:ext>
+            </a:extLst>
+          </p:cNvPr>
+          <p:cNvSpPr/>
+          <p:nvPr/>
+        </p:nvSpPr>
+        <p:spPr bwMode="auto">
+          <a:xfrm>
+            <a:off x="4430911" y="2368252"/>
+            <a:ext cx="1328873" cy="648072"/>
+          </a:xfrm>
+          <a:prstGeom prst="rect">
+            <a:avLst/>
+          </a:prstGeom>
+          <a:solidFill>
+            <a:schemeClr val="accent3">
+              <a:lumMod val="20000"/>
+              <a:lumOff val="80000"/>
+            </a:schemeClr>
+          </a:solidFill>
+          <a:ln w="9525" cap="flat" cmpd="sng" algn="ctr">
+            <a:solidFill>
+              <a:schemeClr val="accent3">
+                <a:lumMod val="75000"/>
+              </a:schemeClr>
+            </a:solidFill>
+            <a:prstDash val="solid"/>
+            <a:round/>
+            <a:headEnd type="none" w="med" len="med"/>
+            <a:tailEnd type="none" w="med" len="med"/>
+          </a:ln>
+          <a:effectLst/>
+        </p:spPr>
+        <p:txBody>
+          <a:bodyPr vert="horz" wrap="square" lIns="91440" tIns="45720" rIns="91440" bIns="45720" numCol="1" rtlCol="0" anchor="ctr" anchorCtr="0" compatLnSpc="1">
+            <a:prstTxWarp prst="textNoShape">
+              <a:avLst/>
+            </a:prstTxWarp>
+          </a:bodyPr>
+          <a:lstStyle/>
+          <a:p>
+            <a:pPr marL="0" marR="0" indent="0" algn="ctr" defTabSz="914400" rtl="0" eaLnBrk="1" fontAlgn="base" latinLnBrk="0" hangingPunct="1">
+              <a:lnSpc>
+                <a:spcPct val="100000"/>
+              </a:lnSpc>
+              <a:spcBef>
+                <a:spcPct val="0"/>
+              </a:spcBef>
+              <a:spcAft>
+                <a:spcPct val="0"/>
+              </a:spcAft>
+              <a:buClrTx/>
+              <a:buSzTx/>
+              <a:buFontTx/>
+              <a:buNone/>
+              <a:tabLst/>
+            </a:pPr>
+            <a:r>
+              <a:rPr lang="en-US" altLang="ko-KR" sz="1400" dirty="0" err="1"/>
+              <a:t>menuBar</a:t>
+            </a:r>
+            <a:endParaRPr kumimoji="0" lang="ko-KR" altLang="en-US" sz="1400" b="0" i="0" u="none" strike="noStrike" cap="none" normalizeH="0" baseline="0" dirty="0">
+              <a:ln>
+                <a:noFill/>
+              </a:ln>
+              <a:solidFill>
+                <a:schemeClr val="tx1"/>
+              </a:solidFill>
+              <a:effectLst/>
+              <a:latin typeface="Arial" charset="0"/>
+            </a:endParaRPr>
+          </a:p>
+        </p:txBody>
+      </p:sp>
+      <p:sp>
+        <p:nvSpPr>
+          <p:cNvPr id="11" name="직사각형 10">
+            <a:extLst>
+              <a:ext uri="{FF2B5EF4-FFF2-40B4-BE49-F238E27FC236}">
+                <a16:creationId xmlns:a16="http://schemas.microsoft.com/office/drawing/2014/main" id="{18E46197-8829-F4F9-2127-6C225B8A1308}"/>
+              </a:ext>
+            </a:extLst>
+          </p:cNvPr>
+          <p:cNvSpPr/>
+          <p:nvPr/>
+        </p:nvSpPr>
+        <p:spPr bwMode="auto">
+          <a:xfrm>
+            <a:off x="5867325" y="2368252"/>
+            <a:ext cx="1328873" cy="648072"/>
+          </a:xfrm>
+          <a:prstGeom prst="rect">
+            <a:avLst/>
+          </a:prstGeom>
+          <a:solidFill>
+            <a:schemeClr val="accent3">
+              <a:lumMod val="20000"/>
+              <a:lumOff val="80000"/>
+            </a:schemeClr>
+          </a:solidFill>
+          <a:ln w="9525" cap="flat" cmpd="sng" algn="ctr">
+            <a:solidFill>
+              <a:schemeClr val="accent3">
+                <a:lumMod val="75000"/>
+              </a:schemeClr>
+            </a:solidFill>
+            <a:prstDash val="solid"/>
+            <a:round/>
+            <a:headEnd type="none" w="med" len="med"/>
+            <a:tailEnd type="none" w="med" len="med"/>
+          </a:ln>
+          <a:effectLst/>
+        </p:spPr>
+        <p:txBody>
+          <a:bodyPr vert="horz" wrap="square" lIns="91440" tIns="45720" rIns="91440" bIns="45720" numCol="1" rtlCol="0" anchor="ctr" anchorCtr="0" compatLnSpc="1">
+            <a:prstTxWarp prst="textNoShape">
+              <a:avLst/>
+            </a:prstTxWarp>
+          </a:bodyPr>
+          <a:lstStyle/>
+          <a:p>
+            <a:pPr marL="0" marR="0" indent="0" algn="ctr" defTabSz="914400" rtl="0" eaLnBrk="1" fontAlgn="base" latinLnBrk="0" hangingPunct="1">
+              <a:lnSpc>
+                <a:spcPct val="100000"/>
+              </a:lnSpc>
+              <a:spcBef>
+                <a:spcPct val="0"/>
+              </a:spcBef>
+              <a:spcAft>
+                <a:spcPct val="0"/>
+              </a:spcAft>
+              <a:buClrTx/>
+              <a:buSzTx/>
+              <a:buFontTx/>
+              <a:buNone/>
+              <a:tabLst/>
+            </a:pPr>
+            <a:r>
+              <a:rPr lang="en-US" altLang="ko-KR" sz="1400" dirty="0" err="1"/>
+              <a:t>toolBar</a:t>
+            </a:r>
+            <a:endParaRPr kumimoji="0" lang="ko-KR" altLang="en-US" sz="1400" b="0" i="0" u="none" strike="noStrike" cap="none" normalizeH="0" baseline="0" dirty="0">
+              <a:ln>
+                <a:noFill/>
+              </a:ln>
+              <a:solidFill>
+                <a:schemeClr val="tx1"/>
+              </a:solidFill>
+              <a:effectLst/>
+              <a:latin typeface="Arial" charset="0"/>
+            </a:endParaRPr>
+          </a:p>
+        </p:txBody>
+      </p:sp>
+      <p:sp>
+        <p:nvSpPr>
+          <p:cNvPr id="12" name="직사각형 11">
+            <a:extLst>
+              <a:ext uri="{FF2B5EF4-FFF2-40B4-BE49-F238E27FC236}">
+                <a16:creationId xmlns:a16="http://schemas.microsoft.com/office/drawing/2014/main" id="{D1C3DC7A-9003-5540-79B8-BA9F811AD6E0}"/>
+              </a:ext>
+            </a:extLst>
+          </p:cNvPr>
+          <p:cNvSpPr/>
+          <p:nvPr/>
+        </p:nvSpPr>
+        <p:spPr bwMode="auto">
+          <a:xfrm>
+            <a:off x="7595517" y="2368251"/>
+            <a:ext cx="1328873" cy="648072"/>
+          </a:xfrm>
+          <a:prstGeom prst="rect">
+            <a:avLst/>
+          </a:prstGeom>
+          <a:solidFill>
+            <a:schemeClr val="accent3">
+              <a:lumMod val="20000"/>
+              <a:lumOff val="80000"/>
+            </a:schemeClr>
+          </a:solidFill>
+          <a:ln w="9525" cap="flat" cmpd="sng" algn="ctr">
+            <a:solidFill>
+              <a:schemeClr val="accent3">
+                <a:lumMod val="75000"/>
+              </a:schemeClr>
+            </a:solidFill>
+            <a:prstDash val="solid"/>
+            <a:round/>
+            <a:headEnd type="none" w="med" len="med"/>
+            <a:tailEnd type="none" w="med" len="med"/>
+          </a:ln>
+          <a:effectLst/>
+        </p:spPr>
+        <p:txBody>
+          <a:bodyPr vert="horz" wrap="square" lIns="91440" tIns="45720" rIns="91440" bIns="45720" numCol="1" rtlCol="0" anchor="ctr" anchorCtr="0" compatLnSpc="1">
+            <a:prstTxWarp prst="textNoShape">
+              <a:avLst/>
+            </a:prstTxWarp>
+          </a:bodyPr>
+          <a:lstStyle/>
+          <a:p>
+            <a:pPr marL="0" marR="0" indent="0" algn="ctr" defTabSz="914400" rtl="0" eaLnBrk="1" fontAlgn="base" latinLnBrk="0" hangingPunct="1">
+              <a:lnSpc>
+                <a:spcPct val="100000"/>
+              </a:lnSpc>
+              <a:spcBef>
+                <a:spcPct val="0"/>
+              </a:spcBef>
+              <a:spcAft>
+                <a:spcPct val="0"/>
+              </a:spcAft>
+              <a:buClrTx/>
+              <a:buSzTx/>
+              <a:buFontTx/>
+              <a:buNone/>
+              <a:tabLst/>
+            </a:pPr>
+            <a:r>
+              <a:rPr kumimoji="0" lang="en-US" altLang="ko-KR" sz="1400" b="0" i="0" u="none" strike="noStrike" cap="none" normalizeH="0" baseline="0" dirty="0" err="1">
+                <a:ln>
+                  <a:noFill/>
+                </a:ln>
+                <a:solidFill>
+                  <a:schemeClr val="tx1"/>
+                </a:solidFill>
+                <a:effectLst/>
+                <a:latin typeface="Arial" charset="0"/>
+              </a:rPr>
+              <a:t>drawingPanel</a:t>
+            </a:r>
+            <a:endParaRPr kumimoji="0" lang="ko-KR" altLang="en-US" sz="1400" b="0" i="0" u="none" strike="noStrike" cap="none" normalizeH="0" baseline="0" dirty="0">
+              <a:ln>
+                <a:noFill/>
+              </a:ln>
+              <a:solidFill>
+                <a:schemeClr val="tx1"/>
+              </a:solidFill>
+              <a:effectLst/>
+              <a:latin typeface="Arial" charset="0"/>
+            </a:endParaRPr>
+          </a:p>
+        </p:txBody>
+      </p:sp>
+      <p:sp>
+        <p:nvSpPr>
+          <p:cNvPr id="13" name="다이아몬드 12">
+            <a:extLst>
+              <a:ext uri="{FF2B5EF4-FFF2-40B4-BE49-F238E27FC236}">
+                <a16:creationId xmlns:a16="http://schemas.microsoft.com/office/drawing/2014/main" id="{06D9A00F-6FE2-25CC-F54E-E6CBB271E2A7}"/>
+              </a:ext>
+            </a:extLst>
+          </p:cNvPr>
+          <p:cNvSpPr/>
+          <p:nvPr/>
+        </p:nvSpPr>
+        <p:spPr bwMode="auto">
+          <a:xfrm>
+            <a:off x="6385237" y="1882658"/>
+            <a:ext cx="291778" cy="269569"/>
+          </a:xfrm>
+          <a:prstGeom prst="diamond">
+            <a:avLst/>
+          </a:prstGeom>
+          <a:solidFill>
+            <a:schemeClr val="accent3">
+              <a:lumMod val="20000"/>
+              <a:lumOff val="80000"/>
+            </a:schemeClr>
+          </a:solidFill>
+          <a:ln w="9525" cap="flat" cmpd="sng" algn="ctr">
+            <a:solidFill>
+              <a:schemeClr val="accent3">
+                <a:lumMod val="75000"/>
+              </a:schemeClr>
+            </a:solidFill>
+            <a:prstDash val="solid"/>
+            <a:round/>
+            <a:headEnd type="none" w="med" len="med"/>
+            <a:tailEnd type="none" w="med" len="med"/>
+          </a:ln>
+          <a:effectLst/>
+        </p:spPr>
+        <p:txBody>
+          <a:bodyPr vert="horz" wrap="square" lIns="91440" tIns="45720" rIns="91440" bIns="45720" numCol="1" rtlCol="0" anchor="ctr" anchorCtr="0" compatLnSpc="1">
+            <a:prstTxWarp prst="textNoShape">
+              <a:avLst/>
+            </a:prstTxWarp>
+          </a:bodyPr>
+          <a:lstStyle/>
+          <a:p>
+            <a:pPr marL="0" marR="0" indent="0" algn="ctr" defTabSz="914400" rtl="0" eaLnBrk="1" fontAlgn="base" latinLnBrk="0" hangingPunct="1">
+              <a:lnSpc>
+                <a:spcPct val="100000"/>
+              </a:lnSpc>
+              <a:spcBef>
+                <a:spcPct val="0"/>
+              </a:spcBef>
+              <a:spcAft>
+                <a:spcPct val="0"/>
+              </a:spcAft>
+              <a:buClrTx/>
+              <a:buSzTx/>
+              <a:buFontTx/>
+              <a:buNone/>
+              <a:tabLst/>
+            </a:pPr>
+            <a:endParaRPr kumimoji="0" lang="ko-KR" altLang="en-US" sz="1400" b="0" i="0" u="none" strike="noStrike" cap="none" normalizeH="0" baseline="0">
+              <a:ln>
+                <a:noFill/>
+              </a:ln>
+              <a:solidFill>
+                <a:schemeClr val="tx1"/>
+              </a:solidFill>
+              <a:effectLst/>
+              <a:latin typeface="Arial" charset="0"/>
+            </a:endParaRPr>
+          </a:p>
+        </p:txBody>
+      </p:sp>
+      <p:cxnSp>
+        <p:nvCxnSpPr>
+          <p:cNvPr id="15" name="연결선: 꺾임 14">
+            <a:extLst>
+              <a:ext uri="{FF2B5EF4-FFF2-40B4-BE49-F238E27FC236}">
+                <a16:creationId xmlns:a16="http://schemas.microsoft.com/office/drawing/2014/main" id="{61FB0A9C-6159-3EDA-4549-66573BA23E89}"/>
+              </a:ext>
+            </a:extLst>
+          </p:cNvPr>
+          <p:cNvCxnSpPr>
+            <a:stCxn id="13" idx="2"/>
+            <a:endCxn id="10" idx="0"/>
+          </p:cNvCxnSpPr>
+          <p:nvPr/>
+        </p:nvCxnSpPr>
+        <p:spPr bwMode="auto">
+          <a:xfrm rot="5400000">
+            <a:off x="5705225" y="1542350"/>
+            <a:ext cx="216025" cy="1435778"/>
+          </a:xfrm>
+          <a:prstGeom prst="bentConnector3">
+            <a:avLst>
+              <a:gd name="adj1" fmla="val 50000"/>
+            </a:avLst>
+          </a:prstGeom>
+          <a:solidFill>
+            <a:schemeClr val="accent1"/>
+          </a:solidFill>
+          <a:ln w="9525" cap="flat" cmpd="sng" algn="ctr">
+            <a:solidFill>
+              <a:schemeClr val="tx1"/>
+            </a:solidFill>
+            <a:prstDash val="solid"/>
+            <a:round/>
+            <a:headEnd type="none" w="med" len="med"/>
+            <a:tailEnd type="none" w="med" len="med"/>
+          </a:ln>
+          <a:effectLst/>
+          <a:extLst>
+            <a:ext uri="{AF507438-7753-43E0-B8FC-AC1667EBCBE1}">
+              <a14:hiddenEffects xmlns:a14="http://schemas.microsoft.com/office/drawing/2010/main">
+                <a:effectLst>
+                  <a:outerShdw dist="35921" dir="2700000" algn="ctr" rotWithShape="0">
+                    <a:schemeClr val="bg2"/>
+                  </a:outerShdw>
+                </a:effectLst>
+              </a14:hiddenEffects>
+            </a:ext>
+          </a:extLst>
+        </p:spPr>
+      </p:cxnSp>
+      <p:cxnSp>
+        <p:nvCxnSpPr>
+          <p:cNvPr id="17" name="연결선: 꺾임 16">
+            <a:extLst>
+              <a:ext uri="{FF2B5EF4-FFF2-40B4-BE49-F238E27FC236}">
+                <a16:creationId xmlns:a16="http://schemas.microsoft.com/office/drawing/2014/main" id="{4D55482D-5C6F-EFDB-E1AE-923ACF0FCEDA}"/>
+              </a:ext>
+            </a:extLst>
+          </p:cNvPr>
+          <p:cNvCxnSpPr>
+            <a:stCxn id="13" idx="2"/>
+            <a:endCxn id="12" idx="0"/>
+          </p:cNvCxnSpPr>
+          <p:nvPr/>
+        </p:nvCxnSpPr>
+        <p:spPr bwMode="auto">
+          <a:xfrm rot="16200000" flipH="1">
+            <a:off x="7287528" y="1395825"/>
+            <a:ext cx="216024" cy="1728828"/>
+          </a:xfrm>
+          <a:prstGeom prst="bentConnector3">
+            <a:avLst>
+              <a:gd name="adj1" fmla="val 50000"/>
+            </a:avLst>
+          </a:prstGeom>
+          <a:solidFill>
+            <a:schemeClr val="accent1"/>
+          </a:solidFill>
+          <a:ln w="9525" cap="flat" cmpd="sng" algn="ctr">
+            <a:solidFill>
+              <a:schemeClr val="tx1"/>
+            </a:solidFill>
+            <a:prstDash val="solid"/>
+            <a:round/>
+            <a:headEnd type="none" w="med" len="med"/>
+            <a:tailEnd type="none" w="med" len="med"/>
+          </a:ln>
+          <a:effectLst/>
+          <a:extLst>
+            <a:ext uri="{AF507438-7753-43E0-B8FC-AC1667EBCBE1}">
+              <a14:hiddenEffects xmlns:a14="http://schemas.microsoft.com/office/drawing/2010/main">
+                <a:effectLst>
+                  <a:outerShdw dist="35921" dir="2700000" algn="ctr" rotWithShape="0">
+                    <a:schemeClr val="bg2"/>
+                  </a:outerShdw>
+                </a:effectLst>
+              </a14:hiddenEffects>
+            </a:ext>
+          </a:extLst>
+        </p:spPr>
+      </p:cxnSp>
+      <p:cxnSp>
+        <p:nvCxnSpPr>
+          <p:cNvPr id="20" name="연결선: 꺾임 19">
+            <a:extLst>
+              <a:ext uri="{FF2B5EF4-FFF2-40B4-BE49-F238E27FC236}">
+                <a16:creationId xmlns:a16="http://schemas.microsoft.com/office/drawing/2014/main" id="{3132B243-D646-60AD-D6E5-C77BAFDE6DC0}"/>
+              </a:ext>
+            </a:extLst>
+          </p:cNvPr>
+          <p:cNvCxnSpPr>
+            <a:stCxn id="13" idx="2"/>
+            <a:endCxn id="11" idx="0"/>
+          </p:cNvCxnSpPr>
+          <p:nvPr/>
+        </p:nvCxnSpPr>
+        <p:spPr bwMode="auto">
+          <a:xfrm rot="16200000" flipH="1">
+            <a:off x="6423432" y="2259921"/>
+            <a:ext cx="216025" cy="636"/>
+          </a:xfrm>
+          <a:prstGeom prst="bentConnector3">
+            <a:avLst>
+              <a:gd name="adj1" fmla="val 50000"/>
+            </a:avLst>
+          </a:prstGeom>
+          <a:solidFill>
+            <a:schemeClr val="accent1"/>
+          </a:solidFill>
+          <a:ln w="9525" cap="flat" cmpd="sng" algn="ctr">
+            <a:solidFill>
+              <a:schemeClr val="tx1"/>
+            </a:solidFill>
+            <a:prstDash val="solid"/>
+            <a:round/>
+            <a:headEnd type="none" w="med" len="med"/>
+            <a:tailEnd type="none" w="med" len="med"/>
+          </a:ln>
+          <a:effectLst/>
+          <a:extLst>
+            <a:ext uri="{AF507438-7753-43E0-B8FC-AC1667EBCBE1}">
+              <a14:hiddenEffects xmlns:a14="http://schemas.microsoft.com/office/drawing/2010/main">
+                <a:effectLst>
+                  <a:outerShdw dist="35921" dir="2700000" algn="ctr" rotWithShape="0">
+                    <a:schemeClr val="bg2"/>
+                  </a:outerShdw>
+                </a:effectLst>
+              </a14:hiddenEffects>
+            </a:ext>
+          </a:extLst>
+        </p:spPr>
+      </p:cxnSp>
+      <p:sp>
+        <p:nvSpPr>
+          <p:cNvPr id="23" name="직사각형 22">
+            <a:extLst>
+              <a:ext uri="{FF2B5EF4-FFF2-40B4-BE49-F238E27FC236}">
+                <a16:creationId xmlns:a16="http://schemas.microsoft.com/office/drawing/2014/main" id="{BF51694F-E207-7E37-4D3D-91FE2FBCA504}"/>
+              </a:ext>
+            </a:extLst>
+          </p:cNvPr>
+          <p:cNvSpPr/>
+          <p:nvPr/>
+        </p:nvSpPr>
+        <p:spPr bwMode="auto">
+          <a:xfrm>
+            <a:off x="4401218" y="3592388"/>
+            <a:ext cx="1328873" cy="648072"/>
+          </a:xfrm>
+          <a:prstGeom prst="rect">
+            <a:avLst/>
+          </a:prstGeom>
+          <a:solidFill>
+            <a:schemeClr val="accent3">
+              <a:lumMod val="20000"/>
+              <a:lumOff val="80000"/>
+            </a:schemeClr>
+          </a:solidFill>
+          <a:ln w="9525" cap="flat" cmpd="sng" algn="ctr">
+            <a:solidFill>
+              <a:schemeClr val="accent3">
+                <a:lumMod val="75000"/>
+              </a:schemeClr>
+            </a:solidFill>
+            <a:prstDash val="solid"/>
+            <a:round/>
+            <a:headEnd type="none" w="med" len="med"/>
+            <a:tailEnd type="none" w="med" len="med"/>
+          </a:ln>
+          <a:effectLst/>
+        </p:spPr>
+        <p:txBody>
+          <a:bodyPr vert="horz" wrap="square" lIns="91440" tIns="45720" rIns="91440" bIns="45720" numCol="1" rtlCol="0" anchor="ctr" anchorCtr="0" compatLnSpc="1">
+            <a:prstTxWarp prst="textNoShape">
+              <a:avLst/>
+            </a:prstTxWarp>
+          </a:bodyPr>
+          <a:lstStyle/>
+          <a:p>
+            <a:pPr marL="0" marR="0" indent="0" algn="ctr" defTabSz="914400" rtl="0" eaLnBrk="1" fontAlgn="base" latinLnBrk="0" hangingPunct="1">
+              <a:lnSpc>
+                <a:spcPct val="100000"/>
+              </a:lnSpc>
+              <a:spcBef>
+                <a:spcPct val="0"/>
+              </a:spcBef>
+              <a:spcAft>
+                <a:spcPct val="0"/>
+              </a:spcAft>
+              <a:buClrTx/>
+              <a:buSzTx/>
+              <a:buFontTx/>
+              <a:buNone/>
+              <a:tabLst/>
+            </a:pPr>
+            <a:r>
+              <a:rPr lang="en-US" altLang="ko-KR" sz="1400" dirty="0" err="1"/>
+              <a:t>fileMenu</a:t>
+            </a:r>
+            <a:endParaRPr kumimoji="0" lang="ko-KR" altLang="en-US" sz="1400" b="0" i="0" u="none" strike="noStrike" cap="none" normalizeH="0" baseline="0" dirty="0">
+              <a:ln>
+                <a:noFill/>
+              </a:ln>
+              <a:solidFill>
+                <a:schemeClr val="tx1"/>
+              </a:solidFill>
+              <a:effectLst/>
+              <a:latin typeface="Arial" charset="0"/>
+            </a:endParaRPr>
+          </a:p>
+        </p:txBody>
+      </p:sp>
+      <p:sp>
+        <p:nvSpPr>
+          <p:cNvPr id="24" name="직사각형 23">
+            <a:extLst>
+              <a:ext uri="{FF2B5EF4-FFF2-40B4-BE49-F238E27FC236}">
+                <a16:creationId xmlns:a16="http://schemas.microsoft.com/office/drawing/2014/main" id="{F2596147-D415-067F-E3E8-4B065A6C4BBC}"/>
+              </a:ext>
+            </a:extLst>
+          </p:cNvPr>
+          <p:cNvSpPr/>
+          <p:nvPr/>
+        </p:nvSpPr>
+        <p:spPr bwMode="auto">
+          <a:xfrm>
+            <a:off x="5866689" y="3592388"/>
+            <a:ext cx="1328873" cy="648072"/>
+          </a:xfrm>
+          <a:prstGeom prst="rect">
+            <a:avLst/>
+          </a:prstGeom>
+          <a:solidFill>
+            <a:schemeClr val="accent3">
+              <a:lumMod val="20000"/>
+              <a:lumOff val="80000"/>
+            </a:schemeClr>
+          </a:solidFill>
+          <a:ln w="9525" cap="flat" cmpd="sng" algn="ctr">
+            <a:solidFill>
+              <a:schemeClr val="accent3">
+                <a:lumMod val="75000"/>
+              </a:schemeClr>
+            </a:solidFill>
+            <a:prstDash val="solid"/>
+            <a:round/>
+            <a:headEnd type="none" w="med" len="med"/>
+            <a:tailEnd type="none" w="med" len="med"/>
+          </a:ln>
+          <a:effectLst/>
+        </p:spPr>
+        <p:txBody>
+          <a:bodyPr vert="horz" wrap="square" lIns="91440" tIns="45720" rIns="91440" bIns="45720" numCol="1" rtlCol="0" anchor="ctr" anchorCtr="0" compatLnSpc="1">
+            <a:prstTxWarp prst="textNoShape">
+              <a:avLst/>
+            </a:prstTxWarp>
+          </a:bodyPr>
+          <a:lstStyle/>
+          <a:p>
+            <a:pPr marL="0" marR="0" indent="0" algn="ctr" defTabSz="914400" rtl="0" eaLnBrk="1" fontAlgn="base" latinLnBrk="0" hangingPunct="1">
+              <a:lnSpc>
+                <a:spcPct val="100000"/>
+              </a:lnSpc>
+              <a:spcBef>
+                <a:spcPct val="0"/>
+              </a:spcBef>
+              <a:spcAft>
+                <a:spcPct val="0"/>
+              </a:spcAft>
+              <a:buClrTx/>
+              <a:buSzTx/>
+              <a:buFontTx/>
+              <a:buNone/>
+              <a:tabLst/>
+            </a:pPr>
+            <a:r>
+              <a:rPr lang="en-US" altLang="ko-KR" sz="1400" dirty="0" err="1"/>
+              <a:t>rectButton</a:t>
+            </a:r>
+            <a:endParaRPr kumimoji="0" lang="ko-KR" altLang="en-US" sz="1400" b="0" i="0" u="none" strike="noStrike" cap="none" normalizeH="0" baseline="0" dirty="0">
+              <a:ln>
+                <a:noFill/>
+              </a:ln>
+              <a:solidFill>
+                <a:schemeClr val="tx1"/>
+              </a:solidFill>
+              <a:effectLst/>
+              <a:latin typeface="Arial" charset="0"/>
+            </a:endParaRPr>
+          </a:p>
+        </p:txBody>
+      </p:sp>
+      <p:sp>
+        <p:nvSpPr>
+          <p:cNvPr id="25" name="다이아몬드 24">
+            <a:extLst>
+              <a:ext uri="{FF2B5EF4-FFF2-40B4-BE49-F238E27FC236}">
+                <a16:creationId xmlns:a16="http://schemas.microsoft.com/office/drawing/2014/main" id="{B453AD0E-EF4D-6EB3-D4DF-0B943AD60021}"/>
+              </a:ext>
+            </a:extLst>
+          </p:cNvPr>
+          <p:cNvSpPr/>
+          <p:nvPr/>
+        </p:nvSpPr>
+        <p:spPr bwMode="auto">
+          <a:xfrm>
+            <a:off x="4929348" y="3016323"/>
+            <a:ext cx="291778" cy="269569"/>
+          </a:xfrm>
+          <a:prstGeom prst="diamond">
+            <a:avLst/>
+          </a:prstGeom>
+          <a:solidFill>
+            <a:schemeClr val="accent3">
+              <a:lumMod val="20000"/>
+              <a:lumOff val="80000"/>
+            </a:schemeClr>
+          </a:solidFill>
+          <a:ln w="9525" cap="flat" cmpd="sng" algn="ctr">
+            <a:solidFill>
+              <a:schemeClr val="accent3">
+                <a:lumMod val="75000"/>
+              </a:schemeClr>
+            </a:solidFill>
+            <a:prstDash val="solid"/>
+            <a:round/>
+            <a:headEnd type="none" w="med" len="med"/>
+            <a:tailEnd type="none" w="med" len="med"/>
+          </a:ln>
+          <a:effectLst/>
+        </p:spPr>
+        <p:txBody>
+          <a:bodyPr vert="horz" wrap="square" lIns="91440" tIns="45720" rIns="91440" bIns="45720" numCol="1" rtlCol="0" anchor="ctr" anchorCtr="0" compatLnSpc="1">
+            <a:prstTxWarp prst="textNoShape">
+              <a:avLst/>
+            </a:prstTxWarp>
+          </a:bodyPr>
+          <a:lstStyle/>
+          <a:p>
+            <a:pPr marL="0" marR="0" indent="0" algn="ctr" defTabSz="914400" rtl="0" eaLnBrk="1" fontAlgn="base" latinLnBrk="0" hangingPunct="1">
+              <a:lnSpc>
+                <a:spcPct val="100000"/>
+              </a:lnSpc>
+              <a:spcBef>
+                <a:spcPct val="0"/>
+              </a:spcBef>
+              <a:spcAft>
+                <a:spcPct val="0"/>
+              </a:spcAft>
+              <a:buClrTx/>
+              <a:buSzTx/>
+              <a:buFontTx/>
+              <a:buNone/>
+              <a:tabLst/>
+            </a:pPr>
+            <a:endParaRPr kumimoji="0" lang="ko-KR" altLang="en-US" sz="1400" b="0" i="0" u="none" strike="noStrike" cap="none" normalizeH="0" baseline="0">
+              <a:ln>
+                <a:noFill/>
+              </a:ln>
+              <a:solidFill>
+                <a:schemeClr val="tx1"/>
+              </a:solidFill>
+              <a:effectLst/>
+              <a:latin typeface="Arial" charset="0"/>
+            </a:endParaRPr>
+          </a:p>
+        </p:txBody>
+      </p:sp>
+      <p:sp>
+        <p:nvSpPr>
+          <p:cNvPr id="26" name="다이아몬드 25">
+            <a:extLst>
+              <a:ext uri="{FF2B5EF4-FFF2-40B4-BE49-F238E27FC236}">
+                <a16:creationId xmlns:a16="http://schemas.microsoft.com/office/drawing/2014/main" id="{F481933E-7B26-FCC7-7132-81D345D45D24}"/>
+              </a:ext>
+            </a:extLst>
+          </p:cNvPr>
+          <p:cNvSpPr/>
+          <p:nvPr/>
+        </p:nvSpPr>
+        <p:spPr bwMode="auto">
+          <a:xfrm>
+            <a:off x="6385237" y="3027990"/>
+            <a:ext cx="291778" cy="269569"/>
+          </a:xfrm>
+          <a:prstGeom prst="diamond">
+            <a:avLst/>
+          </a:prstGeom>
+          <a:solidFill>
+            <a:schemeClr val="accent3">
+              <a:lumMod val="20000"/>
+              <a:lumOff val="80000"/>
+            </a:schemeClr>
+          </a:solidFill>
+          <a:ln w="9525" cap="flat" cmpd="sng" algn="ctr">
+            <a:solidFill>
+              <a:schemeClr val="accent3">
+                <a:lumMod val="75000"/>
+              </a:schemeClr>
+            </a:solidFill>
+            <a:prstDash val="solid"/>
+            <a:round/>
+            <a:headEnd type="none" w="med" len="med"/>
+            <a:tailEnd type="none" w="med" len="med"/>
+          </a:ln>
+          <a:effectLst/>
+        </p:spPr>
+        <p:txBody>
+          <a:bodyPr vert="horz" wrap="square" lIns="91440" tIns="45720" rIns="91440" bIns="45720" numCol="1" rtlCol="0" anchor="ctr" anchorCtr="0" compatLnSpc="1">
+            <a:prstTxWarp prst="textNoShape">
+              <a:avLst/>
+            </a:prstTxWarp>
+          </a:bodyPr>
+          <a:lstStyle/>
+          <a:p>
+            <a:pPr marL="0" marR="0" indent="0" algn="ctr" defTabSz="914400" rtl="0" eaLnBrk="1" fontAlgn="base" latinLnBrk="0" hangingPunct="1">
+              <a:lnSpc>
+                <a:spcPct val="100000"/>
+              </a:lnSpc>
+              <a:spcBef>
+                <a:spcPct val="0"/>
+              </a:spcBef>
+              <a:spcAft>
+                <a:spcPct val="0"/>
+              </a:spcAft>
+              <a:buClrTx/>
+              <a:buSzTx/>
+              <a:buFontTx/>
+              <a:buNone/>
+              <a:tabLst/>
+            </a:pPr>
+            <a:endParaRPr kumimoji="0" lang="ko-KR" altLang="en-US" sz="1400" b="0" i="0" u="none" strike="noStrike" cap="none" normalizeH="0" baseline="0">
+              <a:ln>
+                <a:noFill/>
+              </a:ln>
+              <a:solidFill>
+                <a:schemeClr val="tx1"/>
+              </a:solidFill>
+              <a:effectLst/>
+              <a:latin typeface="Arial" charset="0"/>
+            </a:endParaRPr>
+          </a:p>
+        </p:txBody>
+      </p:sp>
+      <p:cxnSp>
+        <p:nvCxnSpPr>
+          <p:cNvPr id="28" name="직선 연결선 27">
+            <a:extLst>
+              <a:ext uri="{FF2B5EF4-FFF2-40B4-BE49-F238E27FC236}">
+                <a16:creationId xmlns:a16="http://schemas.microsoft.com/office/drawing/2014/main" id="{9CB2C271-B081-556F-F6DA-126D6A4B9CB9}"/>
+              </a:ext>
+            </a:extLst>
+          </p:cNvPr>
+          <p:cNvCxnSpPr>
+            <a:stCxn id="25" idx="2"/>
+            <a:endCxn id="23" idx="0"/>
+          </p:cNvCxnSpPr>
+          <p:nvPr/>
+        </p:nvCxnSpPr>
+        <p:spPr bwMode="auto">
+          <a:xfrm flipH="1">
+            <a:off x="5065655" y="3285892"/>
+            <a:ext cx="9582" cy="306496"/>
+          </a:xfrm>
+          <a:prstGeom prst="line">
+            <a:avLst/>
+          </a:prstGeom>
+          <a:solidFill>
+            <a:schemeClr val="accent1"/>
+          </a:solidFill>
+          <a:ln w="9525" cap="flat" cmpd="sng" algn="ctr">
+            <a:solidFill>
+              <a:schemeClr val="tx1"/>
+            </a:solidFill>
+            <a:prstDash val="solid"/>
+            <a:round/>
+            <a:headEnd type="none" w="med" len="med"/>
+            <a:tailEnd type="none" w="med" len="med"/>
+          </a:ln>
+          <a:effectLst/>
+          <a:extLst>
+            <a:ext uri="{AF507438-7753-43E0-B8FC-AC1667EBCBE1}">
+              <a14:hiddenEffects xmlns:a14="http://schemas.microsoft.com/office/drawing/2010/main">
+                <a:effectLst>
+                  <a:outerShdw dist="35921" dir="2700000" algn="ctr" rotWithShape="0">
+                    <a:schemeClr val="bg2"/>
+                  </a:outerShdw>
+                </a:effectLst>
+              </a14:hiddenEffects>
+            </a:ext>
+          </a:extLst>
+        </p:spPr>
+      </p:cxnSp>
+      <p:cxnSp>
+        <p:nvCxnSpPr>
+          <p:cNvPr id="29" name="직선 연결선 28">
+            <a:extLst>
+              <a:ext uri="{FF2B5EF4-FFF2-40B4-BE49-F238E27FC236}">
+                <a16:creationId xmlns:a16="http://schemas.microsoft.com/office/drawing/2014/main" id="{3A88BE61-393C-865C-0B12-932E3E6D34C2}"/>
+              </a:ext>
+            </a:extLst>
+          </p:cNvPr>
+          <p:cNvCxnSpPr>
+            <a:stCxn id="26" idx="2"/>
+            <a:endCxn id="24" idx="0"/>
+          </p:cNvCxnSpPr>
+          <p:nvPr/>
+        </p:nvCxnSpPr>
+        <p:spPr bwMode="auto">
+          <a:xfrm>
+            <a:off x="6531126" y="3297559"/>
+            <a:ext cx="0" cy="294829"/>
+          </a:xfrm>
+          <a:prstGeom prst="line">
+            <a:avLst/>
+          </a:prstGeom>
+          <a:solidFill>
+            <a:schemeClr val="accent1"/>
+          </a:solidFill>
+          <a:ln w="9525" cap="flat" cmpd="sng" algn="ctr">
+            <a:solidFill>
+              <a:schemeClr val="tx1"/>
+            </a:solidFill>
+            <a:prstDash val="solid"/>
+            <a:round/>
+            <a:headEnd type="none" w="med" len="med"/>
+            <a:tailEnd type="none" w="med" len="med"/>
+          </a:ln>
+          <a:effectLst/>
+          <a:extLst>
+            <a:ext uri="{AF507438-7753-43E0-B8FC-AC1667EBCBE1}">
+              <a14:hiddenEffects xmlns:a14="http://schemas.microsoft.com/office/drawing/2010/main">
+                <a:effectLst>
+                  <a:outerShdw dist="35921" dir="2700000" algn="ctr" rotWithShape="0">
+                    <a:schemeClr val="bg2"/>
+                  </a:outerShdw>
+                </a:effectLst>
+              </a14:hiddenEffects>
+            </a:ext>
+          </a:extLst>
+        </p:spPr>
+      </p:cxnSp>
+      <p:cxnSp>
+        <p:nvCxnSpPr>
+          <p:cNvPr id="36" name="직선 화살표 연결선 35">
+            <a:extLst>
+              <a:ext uri="{FF2B5EF4-FFF2-40B4-BE49-F238E27FC236}">
+                <a16:creationId xmlns:a16="http://schemas.microsoft.com/office/drawing/2014/main" id="{39CB2F4E-D488-297A-D3AD-3A8E1FE886B9}"/>
+              </a:ext>
+            </a:extLst>
+          </p:cNvPr>
+          <p:cNvCxnSpPr>
+            <a:stCxn id="11" idx="3"/>
+            <a:endCxn id="12" idx="1"/>
+          </p:cNvCxnSpPr>
+          <p:nvPr/>
+        </p:nvCxnSpPr>
+        <p:spPr bwMode="auto">
+          <a:xfrm flipV="1">
+            <a:off x="7196198" y="2692287"/>
+            <a:ext cx="399319" cy="1"/>
+          </a:xfrm>
+          <a:prstGeom prst="straightConnector1">
+            <a:avLst/>
+          </a:prstGeom>
+          <a:solidFill>
+            <a:schemeClr val="accent1"/>
+          </a:solidFill>
+          <a:ln w="9525" cap="flat" cmpd="sng" algn="ctr">
+            <a:solidFill>
+              <a:schemeClr val="tx1"/>
+            </a:solidFill>
+            <a:prstDash val="solid"/>
+            <a:round/>
+            <a:headEnd type="none" w="med" len="med"/>
+            <a:tailEnd type="triangle"/>
+          </a:ln>
+          <a:effectLst/>
+          <a:extLst>
+            <a:ext uri="{AF507438-7753-43E0-B8FC-AC1667EBCBE1}">
+              <a14:hiddenEffects xmlns:a14="http://schemas.microsoft.com/office/drawing/2010/main">
+                <a:effectLst>
+                  <a:outerShdw dist="35921" dir="2700000" algn="ctr" rotWithShape="0">
+                    <a:schemeClr val="bg2"/>
+                  </a:outerShdw>
+                </a:effectLst>
+              </a14:hiddenEffects>
+            </a:ext>
+          </a:extLst>
+        </p:spPr>
+      </p:cxnSp>
+    </p:spTree>
+    <p:extLst>
+      <p:ext uri="{BB962C8B-B14F-4D97-AF65-F5344CB8AC3E}">
+        <p14:creationId xmlns:p14="http://schemas.microsoft.com/office/powerpoint/2010/main" val="718831619"/>
+      </p:ext>
+    </p:extLst>
+  </p:cSld>
+  <p:clrMapOvr>
+    <a:masterClrMapping/>
+  </p:clrMapOvr>
+</p:sld>
+</file>
+
+<file path=ppt/slides/slide31.xml><?xml version="1.0" encoding="utf-8"?>
+<p:sld xmlns:a="http://schemas.openxmlformats.org/drawingml/2006/main" xmlns:r="http://schemas.openxmlformats.org/officeDocument/2006/relationships" xmlns:p="http://schemas.openxmlformats.org/presentationml/2006/main">
+  <p:cSld>
+    <p:spTree>
+      <p:nvGrpSpPr>
+        <p:cNvPr id="1" name=""/>
+        <p:cNvGrpSpPr/>
+        <p:nvPr/>
+      </p:nvGrpSpPr>
+      <p:grpSpPr>
+        <a:xfrm>
+          <a:off x="0" y="0"/>
+          <a:ext cx="0" cy="0"/>
+          <a:chOff x="0" y="0"/>
+          <a:chExt cx="0" cy="0"/>
+        </a:xfrm>
+      </p:grpSpPr>
+      <p:sp>
+        <p:nvSpPr>
+          <p:cNvPr id="7" name="내용 개체 틀 6">
+            <a:extLst>
+              <a:ext uri="{FF2B5EF4-FFF2-40B4-BE49-F238E27FC236}">
+                <a16:creationId xmlns:a16="http://schemas.microsoft.com/office/drawing/2014/main" id="{60176C21-4740-4937-497A-2C36B51C84E0}"/>
+              </a:ext>
+            </a:extLst>
+          </p:cNvPr>
+          <p:cNvSpPr>
+            <a:spLocks noGrp="1"/>
+          </p:cNvSpPr>
+          <p:nvPr>
+            <p:ph sz="half" idx="1"/>
+          </p:nvPr>
+        </p:nvSpPr>
+        <p:spPr/>
+        <p:txBody>
+          <a:bodyPr/>
+          <a:lstStyle/>
+          <a:p>
+            <a:r>
+              <a:rPr lang="ko-KR" altLang="en-US" dirty="0"/>
+              <a:t>과제</a:t>
+            </a:r>
+            <a:endParaRPr lang="en-US" altLang="ko-KR" dirty="0"/>
+          </a:p>
+          <a:p>
+            <a:pPr lvl="1"/>
+            <a:r>
+              <a:rPr lang="en-US" altLang="ko-KR" dirty="0"/>
+              <a:t>Anchor </a:t>
+            </a:r>
+            <a:r>
+              <a:rPr lang="ko-KR" altLang="en-US" dirty="0"/>
+              <a:t>제대로 그리기</a:t>
+            </a:r>
+          </a:p>
+        </p:txBody>
+      </p:sp>
+      <p:sp>
+        <p:nvSpPr>
+          <p:cNvPr id="8" name="내용 개체 틀 7">
+            <a:extLst>
+              <a:ext uri="{FF2B5EF4-FFF2-40B4-BE49-F238E27FC236}">
+                <a16:creationId xmlns:a16="http://schemas.microsoft.com/office/drawing/2014/main" id="{03FA8DC1-038C-CB05-A573-C0A7BBCD8393}"/>
+              </a:ext>
+            </a:extLst>
+          </p:cNvPr>
+          <p:cNvSpPr>
+            <a:spLocks noGrp="1"/>
+          </p:cNvSpPr>
+          <p:nvPr>
+            <p:ph sz="half" idx="2"/>
+          </p:nvPr>
+        </p:nvSpPr>
+        <p:spPr/>
+        <p:txBody>
+          <a:bodyPr/>
+          <a:lstStyle/>
+          <a:p>
+            <a:r>
+              <a:rPr lang="ko-KR" altLang="en-US" dirty="0"/>
+              <a:t>기말 평가</a:t>
+            </a:r>
+            <a:endParaRPr lang="en-US" altLang="ko-KR" dirty="0"/>
+          </a:p>
+          <a:p>
+            <a:pPr lvl="1"/>
+            <a:r>
+              <a:rPr lang="en-US" altLang="ko-KR" dirty="0"/>
+              <a:t>2022-06-15(</a:t>
+            </a:r>
+            <a:r>
+              <a:rPr lang="ko-KR" altLang="en-US" dirty="0"/>
+              <a:t>수요일</a:t>
+            </a:r>
+            <a:r>
+              <a:rPr lang="en-US" altLang="ko-KR" dirty="0"/>
+              <a:t>)</a:t>
+            </a:r>
+          </a:p>
+          <a:p>
+            <a:pPr lvl="1"/>
+            <a:r>
+              <a:rPr lang="ko-KR" altLang="en-US" dirty="0"/>
+              <a:t>중간평가와 동일한 방식</a:t>
+            </a:r>
+            <a:endParaRPr lang="en-US" altLang="ko-KR" dirty="0"/>
+          </a:p>
+          <a:p>
+            <a:pPr lvl="1"/>
+            <a:r>
+              <a:rPr lang="ko-KR" altLang="en-US" dirty="0"/>
+              <a:t>구현된 기능 </a:t>
+            </a:r>
+            <a:r>
+              <a:rPr lang="en-US" altLang="ko-KR" dirty="0"/>
+              <a:t>x 5</a:t>
+            </a:r>
+            <a:r>
+              <a:rPr lang="ko-KR" altLang="en-US" dirty="0"/>
+              <a:t>점</a:t>
+            </a:r>
+          </a:p>
+        </p:txBody>
+      </p:sp>
+      <p:sp>
+        <p:nvSpPr>
+          <p:cNvPr id="5" name="바닥글 개체 틀 4">
+            <a:extLst>
+              <a:ext uri="{FF2B5EF4-FFF2-40B4-BE49-F238E27FC236}">
+                <a16:creationId xmlns:a16="http://schemas.microsoft.com/office/drawing/2014/main" id="{998F0CF6-243F-A66F-8DD5-C872A2B5EA9C}"/>
+              </a:ext>
+            </a:extLst>
+          </p:cNvPr>
+          <p:cNvSpPr>
+            <a:spLocks noGrp="1"/>
+          </p:cNvSpPr>
+          <p:nvPr>
+            <p:ph type="ftr" sz="quarter" idx="10"/>
+          </p:nvPr>
+        </p:nvSpPr>
+        <p:spPr/>
+        <p:txBody>
+          <a:bodyPr/>
+          <a:lstStyle/>
+          <a:p>
+            <a:pPr>
+              <a:buFont typeface="맑은 고딕" panose="020B0503020000020004" pitchFamily="50" charset="-127"/>
+              <a:buChar char="ⓒ"/>
+            </a:pPr>
+            <a:r>
+              <a:rPr lang="en-US" altLang="ko-KR"/>
+              <a:t>Sungwoon Choi 2021</a:t>
+            </a:r>
+            <a:endParaRPr lang="en-US" altLang="ko-KR" dirty="0"/>
+          </a:p>
+        </p:txBody>
+      </p:sp>
+      <p:sp>
+        <p:nvSpPr>
+          <p:cNvPr id="6" name="슬라이드 번호 개체 틀 5">
+            <a:extLst>
+              <a:ext uri="{FF2B5EF4-FFF2-40B4-BE49-F238E27FC236}">
+                <a16:creationId xmlns:a16="http://schemas.microsoft.com/office/drawing/2014/main" id="{ED67D7D3-16D0-68CB-0132-F80295A8E8DD}"/>
+              </a:ext>
+            </a:extLst>
+          </p:cNvPr>
+          <p:cNvSpPr>
+            <a:spLocks noGrp="1"/>
+          </p:cNvSpPr>
+          <p:nvPr>
+            <p:ph type="sldNum" sz="quarter" idx="11"/>
+          </p:nvPr>
+        </p:nvSpPr>
+        <p:spPr/>
+        <p:txBody>
+          <a:bodyPr/>
+          <a:lstStyle/>
+          <a:p>
+            <a:fld id="{AA4216F1-165B-4DFF-BD92-3D8E849D7D48}" type="slidenum">
+              <a:rPr lang="en-US" altLang="ko-KR" smtClean="0"/>
+              <a:pPr/>
+              <a:t>31</a:t>
+            </a:fld>
+            <a:endParaRPr lang="en-US" altLang="ko-KR" dirty="0"/>
+          </a:p>
+        </p:txBody>
+      </p:sp>
+    </p:spTree>
+    <p:extLst>
+      <p:ext uri="{BB962C8B-B14F-4D97-AF65-F5344CB8AC3E}">
+        <p14:creationId xmlns:p14="http://schemas.microsoft.com/office/powerpoint/2010/main" val="3772690160"/>
       </p:ext>
     </p:extLst>
   </p:cSld>

--- a/graphicsEditorB/강의진행.pptx
+++ b/graphicsEditorB/강의진행.pptx
@@ -5,7 +5,7 @@
     <p:sldMasterId id="2147483648" r:id="rId1"/>
   </p:sldMasterIdLst>
   <p:notesMasterIdLst>
-    <p:notesMasterId r:id="rId33"/>
+    <p:notesMasterId r:id="rId35"/>
   </p:notesMasterIdLst>
   <p:sldIdLst>
     <p:sldId id="256" r:id="rId2"/>
@@ -39,6 +39,8 @@
     <p:sldId id="323" r:id="rId30"/>
     <p:sldId id="325" r:id="rId31"/>
     <p:sldId id="324" r:id="rId32"/>
+    <p:sldId id="326" r:id="rId33"/>
+    <p:sldId id="327" r:id="rId34"/>
   </p:sldIdLst>
   <p:sldSz cx="10150475" cy="7616825"/>
   <p:notesSz cx="6797675" cy="9928225"/>
@@ -5395,7 +5397,7 @@
             <a:fld id="{6D61DB4D-25AF-4EE9-B3EB-9D14CE91ACF1}" type="datetimeFigureOut">
               <a:rPr lang="ko-KR" altLang="en-US" smtClean="0"/>
               <a:pPr/>
-              <a:t>2022-06-06</a:t>
+              <a:t>2022-06-08</a:t>
             </a:fld>
             <a:endParaRPr lang="ko-KR" altLang="en-US" dirty="0"/>
           </a:p>
@@ -10325,6 +10327,13 @@
   <p:clrMapOvr>
     <a:masterClrMapping/>
   </p:clrMapOvr>
+  <p:timing>
+    <p:tnLst>
+      <p:par>
+        <p:cTn id="1" dur="indefinite" restart="never" nodeType="tmRoot"/>
+      </p:par>
+    </p:tnLst>
+  </p:timing>
 </p:sld>
 </file>
 
@@ -25395,6 +25404,13 @@
   <p:clrMapOvr>
     <a:masterClrMapping/>
   </p:clrMapOvr>
+  <p:timing>
+    <p:tnLst>
+      <p:par>
+        <p:cTn id="1" dur="indefinite" restart="never" nodeType="tmRoot"/>
+      </p:par>
+    </p:tnLst>
+  </p:timing>
 </p:sld>
 </file>
 
@@ -37007,6 +37023,1190 @@
     <p:extLst>
       <p:ext uri="{BB962C8B-B14F-4D97-AF65-F5344CB8AC3E}">
         <p14:creationId xmlns:p14="http://schemas.microsoft.com/office/powerpoint/2010/main" val="3772690160"/>
+      </p:ext>
+    </p:extLst>
+  </p:cSld>
+  <p:clrMapOvr>
+    <a:masterClrMapping/>
+  </p:clrMapOvr>
+</p:sld>
+</file>
+
+<file path=ppt/slides/slide32.xml><?xml version="1.0" encoding="utf-8"?>
+<p:sld xmlns:a="http://schemas.openxmlformats.org/drawingml/2006/main" xmlns:r="http://schemas.openxmlformats.org/officeDocument/2006/relationships" xmlns:p="http://schemas.openxmlformats.org/presentationml/2006/main">
+  <p:cSld>
+    <p:spTree>
+      <p:nvGrpSpPr>
+        <p:cNvPr id="1" name=""/>
+        <p:cNvGrpSpPr/>
+        <p:nvPr/>
+      </p:nvGrpSpPr>
+      <p:grpSpPr>
+        <a:xfrm>
+          <a:off x="0" y="0"/>
+          <a:ext cx="0" cy="0"/>
+          <a:chOff x="0" y="0"/>
+          <a:chExt cx="0" cy="0"/>
+        </a:xfrm>
+      </p:grpSpPr>
+      <p:sp>
+        <p:nvSpPr>
+          <p:cNvPr id="6" name="제목 5"/>
+          <p:cNvSpPr>
+            <a:spLocks noGrp="1"/>
+          </p:cNvSpPr>
+          <p:nvPr>
+            <p:ph type="title"/>
+          </p:nvPr>
+        </p:nvSpPr>
+        <p:spPr/>
+        <p:txBody>
+          <a:bodyPr/>
+          <a:lstStyle/>
+          <a:p>
+            <a:r>
+              <a:rPr lang="en-US" altLang="ko-KR" dirty="0" smtClean="0"/>
+              <a:t>2022-06-08</a:t>
+            </a:r>
+            <a:endParaRPr lang="ko-KR" altLang="en-US" dirty="0"/>
+          </a:p>
+        </p:txBody>
+      </p:sp>
+      <p:sp>
+        <p:nvSpPr>
+          <p:cNvPr id="7" name="내용 개체 틀 6"/>
+          <p:cNvSpPr>
+            <a:spLocks noGrp="1"/>
+          </p:cNvSpPr>
+          <p:nvPr>
+            <p:ph sz="half" idx="1"/>
+          </p:nvPr>
+        </p:nvSpPr>
+        <p:spPr/>
+        <p:txBody>
+          <a:bodyPr/>
+          <a:lstStyle/>
+          <a:p>
+            <a:r>
+              <a:rPr lang="ko-KR" altLang="en-US" dirty="0" smtClean="0"/>
+              <a:t>진행</a:t>
+            </a:r>
+            <a:endParaRPr lang="en-US" altLang="ko-KR" dirty="0" smtClean="0"/>
+          </a:p>
+          <a:p>
+            <a:pPr lvl="1"/>
+            <a:r>
+              <a:rPr lang="en-US" altLang="ko-KR" dirty="0" smtClean="0"/>
+              <a:t>SW </a:t>
+            </a:r>
+            <a:r>
+              <a:rPr lang="ko-KR" altLang="en-US" dirty="0" smtClean="0"/>
+              <a:t>개발 프로세스</a:t>
+            </a:r>
+            <a:endParaRPr lang="en-US" altLang="ko-KR" dirty="0" smtClean="0"/>
+          </a:p>
+          <a:p>
+            <a:pPr lvl="1"/>
+            <a:r>
+              <a:rPr lang="en-US" altLang="ko-KR" dirty="0" smtClean="0"/>
+              <a:t>Repaint</a:t>
+            </a:r>
+          </a:p>
+          <a:p>
+            <a:pPr lvl="1"/>
+            <a:r>
+              <a:rPr lang="en-US" altLang="ko-KR" dirty="0" smtClean="0"/>
+              <a:t>Refactoring</a:t>
+            </a:r>
+            <a:endParaRPr lang="ko-KR" altLang="en-US" dirty="0"/>
+          </a:p>
+        </p:txBody>
+      </p:sp>
+      <p:sp>
+        <p:nvSpPr>
+          <p:cNvPr id="8" name="내용 개체 틀 7"/>
+          <p:cNvSpPr>
+            <a:spLocks noGrp="1"/>
+          </p:cNvSpPr>
+          <p:nvPr>
+            <p:ph sz="half" idx="2"/>
+          </p:nvPr>
+        </p:nvSpPr>
+        <p:spPr/>
+        <p:txBody>
+          <a:bodyPr/>
+          <a:lstStyle/>
+          <a:p>
+            <a:endParaRPr lang="ko-KR" altLang="en-US"/>
+          </a:p>
+        </p:txBody>
+      </p:sp>
+      <p:sp>
+        <p:nvSpPr>
+          <p:cNvPr id="4" name="바닥글 개체 틀 3"/>
+          <p:cNvSpPr>
+            <a:spLocks noGrp="1"/>
+          </p:cNvSpPr>
+          <p:nvPr>
+            <p:ph type="ftr" sz="quarter" idx="10"/>
+          </p:nvPr>
+        </p:nvSpPr>
+        <p:spPr/>
+        <p:txBody>
+          <a:bodyPr/>
+          <a:lstStyle/>
+          <a:p>
+            <a:pPr>
+              <a:buFont typeface="맑은 고딕" panose="020B0503020000020004" pitchFamily="50" charset="-127"/>
+              <a:buChar char="ⓒ"/>
+            </a:pPr>
+            <a:r>
+              <a:rPr lang="en-US" altLang="ko-KR" smtClean="0"/>
+              <a:t>Sungwoon Choi 2021</a:t>
+            </a:r>
+            <a:endParaRPr lang="en-US" altLang="ko-KR" dirty="0"/>
+          </a:p>
+        </p:txBody>
+      </p:sp>
+      <p:sp>
+        <p:nvSpPr>
+          <p:cNvPr id="5" name="슬라이드 번호 개체 틀 4"/>
+          <p:cNvSpPr>
+            <a:spLocks noGrp="1"/>
+          </p:cNvSpPr>
+          <p:nvPr>
+            <p:ph type="sldNum" sz="quarter" idx="11"/>
+          </p:nvPr>
+        </p:nvSpPr>
+        <p:spPr/>
+        <p:txBody>
+          <a:bodyPr/>
+          <a:lstStyle/>
+          <a:p>
+            <a:fld id="{AA4216F1-165B-4DFF-BD92-3D8E849D7D48}" type="slidenum">
+              <a:rPr lang="en-US" altLang="ko-KR" smtClean="0"/>
+              <a:pPr/>
+              <a:t>32</a:t>
+            </a:fld>
+            <a:endParaRPr lang="en-US" altLang="ko-KR" dirty="0"/>
+          </a:p>
+        </p:txBody>
+      </p:sp>
+    </p:spTree>
+    <p:extLst>
+      <p:ext uri="{BB962C8B-B14F-4D97-AF65-F5344CB8AC3E}">
+        <p14:creationId xmlns:p14="http://schemas.microsoft.com/office/powerpoint/2010/main" val="2565401925"/>
+      </p:ext>
+    </p:extLst>
+  </p:cSld>
+  <p:clrMapOvr>
+    <a:masterClrMapping/>
+  </p:clrMapOvr>
+</p:sld>
+</file>
+
+<file path=ppt/slides/slide33.xml><?xml version="1.0" encoding="utf-8"?>
+<p:sld xmlns:a="http://schemas.openxmlformats.org/drawingml/2006/main" xmlns:r="http://schemas.openxmlformats.org/officeDocument/2006/relationships" xmlns:p="http://schemas.openxmlformats.org/presentationml/2006/main">
+  <p:cSld>
+    <p:spTree>
+      <p:nvGrpSpPr>
+        <p:cNvPr id="1" name=""/>
+        <p:cNvGrpSpPr/>
+        <p:nvPr/>
+      </p:nvGrpSpPr>
+      <p:grpSpPr>
+        <a:xfrm>
+          <a:off x="0" y="0"/>
+          <a:ext cx="0" cy="0"/>
+          <a:chOff x="0" y="0"/>
+          <a:chExt cx="0" cy="0"/>
+        </a:xfrm>
+      </p:grpSpPr>
+      <p:sp>
+        <p:nvSpPr>
+          <p:cNvPr id="8" name="내용 개체 틀 7"/>
+          <p:cNvSpPr>
+            <a:spLocks noGrp="1"/>
+          </p:cNvSpPr>
+          <p:nvPr>
+            <p:ph sz="half" idx="2"/>
+          </p:nvPr>
+        </p:nvSpPr>
+        <p:spPr/>
+        <p:txBody>
+          <a:bodyPr/>
+          <a:lstStyle/>
+          <a:p>
+            <a:r>
+              <a:rPr lang="en-US" altLang="ko-KR" dirty="0" smtClean="0"/>
+              <a:t>Transformation</a:t>
+            </a:r>
+          </a:p>
+          <a:p>
+            <a:pPr lvl="1"/>
+            <a:r>
+              <a:rPr lang="ko-KR" altLang="en-US" dirty="0" smtClean="0"/>
+              <a:t>기본</a:t>
+            </a:r>
+            <a:r>
+              <a:rPr lang="en-US" altLang="ko-KR" dirty="0" smtClean="0"/>
+              <a:t> </a:t>
+            </a:r>
+            <a:r>
+              <a:rPr lang="ko-KR" altLang="en-US" dirty="0" smtClean="0"/>
+              <a:t>도형</a:t>
+            </a:r>
+            <a:endParaRPr lang="en-US" altLang="ko-KR" dirty="0" smtClean="0"/>
+          </a:p>
+          <a:p>
+            <a:pPr lvl="2"/>
+            <a:r>
+              <a:rPr lang="en-US" altLang="ko-KR" dirty="0" smtClean="0"/>
+              <a:t>Affine Transformation</a:t>
+            </a:r>
+          </a:p>
+          <a:p>
+            <a:pPr lvl="3"/>
+            <a:r>
+              <a:rPr lang="en-US" altLang="ko-KR" dirty="0" smtClean="0"/>
+              <a:t>Transformed shape</a:t>
+            </a:r>
+          </a:p>
+          <a:p>
+            <a:pPr lvl="3"/>
+            <a:endParaRPr lang="en-US" altLang="ko-KR" dirty="0"/>
+          </a:p>
+          <a:p>
+            <a:pPr lvl="3"/>
+            <a:endParaRPr lang="en-US" altLang="ko-KR" dirty="0" smtClean="0"/>
+          </a:p>
+          <a:p>
+            <a:pPr lvl="3"/>
+            <a:endParaRPr lang="en-US" altLang="ko-KR" dirty="0"/>
+          </a:p>
+          <a:p>
+            <a:pPr lvl="3"/>
+            <a:endParaRPr lang="en-US" altLang="ko-KR" dirty="0" smtClean="0"/>
+          </a:p>
+          <a:p>
+            <a:pPr lvl="3"/>
+            <a:endParaRPr lang="en-US" altLang="ko-KR" dirty="0"/>
+          </a:p>
+          <a:p>
+            <a:pPr lvl="3"/>
+            <a:endParaRPr lang="en-US" altLang="ko-KR" dirty="0" smtClean="0"/>
+          </a:p>
+          <a:p>
+            <a:pPr lvl="3"/>
+            <a:endParaRPr lang="en-US" altLang="ko-KR" dirty="0"/>
+          </a:p>
+          <a:p>
+            <a:pPr lvl="3"/>
+            <a:endParaRPr lang="en-US" altLang="ko-KR" dirty="0" smtClean="0"/>
+          </a:p>
+          <a:p>
+            <a:pPr lvl="3"/>
+            <a:r>
+              <a:rPr lang="en-US" altLang="ko-KR" dirty="0" smtClean="0"/>
+              <a:t>Graphics</a:t>
+            </a:r>
+            <a:endParaRPr lang="ko-KR" altLang="en-US" dirty="0"/>
+          </a:p>
+        </p:txBody>
+      </p:sp>
+      <p:sp>
+        <p:nvSpPr>
+          <p:cNvPr id="13" name="직사각형 12"/>
+          <p:cNvSpPr/>
+          <p:nvPr/>
+        </p:nvSpPr>
+        <p:spPr bwMode="auto">
+          <a:xfrm>
+            <a:off x="6333503" y="4591725"/>
+            <a:ext cx="2160240" cy="1512168"/>
+          </a:xfrm>
+          <a:prstGeom prst="rect">
+            <a:avLst/>
+          </a:prstGeom>
+          <a:solidFill>
+            <a:schemeClr val="accent3">
+              <a:lumMod val="20000"/>
+              <a:lumOff val="80000"/>
+            </a:schemeClr>
+          </a:solidFill>
+          <a:ln w="9525" cap="flat" cmpd="sng" algn="ctr">
+            <a:solidFill>
+              <a:schemeClr val="accent3">
+                <a:lumMod val="75000"/>
+              </a:schemeClr>
+            </a:solidFill>
+            <a:prstDash val="solid"/>
+            <a:round/>
+            <a:headEnd type="none" w="med" len="med"/>
+            <a:tailEnd type="none" w="med" len="med"/>
+          </a:ln>
+          <a:effectLst/>
+        </p:spPr>
+        <p:txBody>
+          <a:bodyPr vert="horz" wrap="square" lIns="91440" tIns="45720" rIns="91440" bIns="45720" numCol="1" rtlCol="0" anchor="ctr" anchorCtr="0" compatLnSpc="1">
+            <a:prstTxWarp prst="textNoShape">
+              <a:avLst/>
+            </a:prstTxWarp>
+          </a:bodyPr>
+          <a:lstStyle/>
+          <a:p>
+            <a:pPr marL="0" marR="0" indent="0" algn="ctr" defTabSz="914400" rtl="0" eaLnBrk="1" fontAlgn="base" latinLnBrk="0" hangingPunct="1">
+              <a:lnSpc>
+                <a:spcPct val="100000"/>
+              </a:lnSpc>
+              <a:spcBef>
+                <a:spcPct val="0"/>
+              </a:spcBef>
+              <a:spcAft>
+                <a:spcPct val="0"/>
+              </a:spcAft>
+              <a:buClrTx/>
+              <a:buSzTx/>
+              <a:buFontTx/>
+              <a:buNone/>
+              <a:tabLst/>
+            </a:pPr>
+            <a:endParaRPr kumimoji="0" lang="ko-KR" altLang="en-US" sz="1400" b="0" i="0" u="none" strike="noStrike" cap="none" normalizeH="0" baseline="0" smtClean="0">
+              <a:ln>
+                <a:noFill/>
+              </a:ln>
+              <a:solidFill>
+                <a:schemeClr val="tx1"/>
+              </a:solidFill>
+              <a:effectLst/>
+              <a:latin typeface="Arial" charset="0"/>
+            </a:endParaRPr>
+          </a:p>
+        </p:txBody>
+      </p:sp>
+      <p:sp>
+        <p:nvSpPr>
+          <p:cNvPr id="17" name="직사각형 16"/>
+          <p:cNvSpPr/>
+          <p:nvPr/>
+        </p:nvSpPr>
+        <p:spPr bwMode="auto">
+          <a:xfrm>
+            <a:off x="6551401" y="4774203"/>
+            <a:ext cx="1656184" cy="1080120"/>
+          </a:xfrm>
+          <a:prstGeom prst="rect">
+            <a:avLst/>
+          </a:prstGeom>
+          <a:solidFill>
+            <a:schemeClr val="accent2"/>
+          </a:solidFill>
+          <a:ln w="9525" cap="flat" cmpd="sng" algn="ctr">
+            <a:solidFill>
+              <a:schemeClr val="accent3">
+                <a:lumMod val="75000"/>
+              </a:schemeClr>
+            </a:solidFill>
+            <a:prstDash val="solid"/>
+            <a:round/>
+            <a:headEnd type="none" w="med" len="med"/>
+            <a:tailEnd type="none" w="med" len="med"/>
+          </a:ln>
+          <a:effectLst/>
+        </p:spPr>
+        <p:txBody>
+          <a:bodyPr vert="horz" wrap="square" lIns="91440" tIns="45720" rIns="91440" bIns="45720" numCol="1" rtlCol="0" anchor="ctr" anchorCtr="0" compatLnSpc="1">
+            <a:prstTxWarp prst="textNoShape">
+              <a:avLst/>
+            </a:prstTxWarp>
+          </a:bodyPr>
+          <a:lstStyle/>
+          <a:p>
+            <a:pPr marL="0" marR="0" indent="0" algn="ctr" defTabSz="914400" rtl="0" eaLnBrk="1" fontAlgn="base" latinLnBrk="0" hangingPunct="1">
+              <a:lnSpc>
+                <a:spcPct val="100000"/>
+              </a:lnSpc>
+              <a:spcBef>
+                <a:spcPct val="0"/>
+              </a:spcBef>
+              <a:spcAft>
+                <a:spcPct val="0"/>
+              </a:spcAft>
+              <a:buClrTx/>
+              <a:buSzTx/>
+              <a:buFontTx/>
+              <a:buNone/>
+              <a:tabLst/>
+            </a:pPr>
+            <a:endParaRPr kumimoji="0" lang="ko-KR" altLang="en-US" sz="1400" b="0" i="0" u="none" strike="noStrike" cap="none" normalizeH="0" baseline="0" smtClean="0">
+              <a:ln>
+                <a:noFill/>
+              </a:ln>
+              <a:solidFill>
+                <a:schemeClr val="tx1"/>
+              </a:solidFill>
+              <a:effectLst/>
+              <a:latin typeface="Arial" charset="0"/>
+            </a:endParaRPr>
+          </a:p>
+        </p:txBody>
+      </p:sp>
+      <p:sp>
+        <p:nvSpPr>
+          <p:cNvPr id="7" name="내용 개체 틀 6"/>
+          <p:cNvSpPr>
+            <a:spLocks noGrp="1"/>
+          </p:cNvSpPr>
+          <p:nvPr>
+            <p:ph sz="half" idx="1"/>
+          </p:nvPr>
+        </p:nvSpPr>
+        <p:spPr/>
+        <p:txBody>
+          <a:bodyPr/>
+          <a:lstStyle/>
+          <a:p>
+            <a:r>
+              <a:rPr lang="en-US" altLang="ko-KR" dirty="0" smtClean="0"/>
+              <a:t>SW </a:t>
+            </a:r>
+            <a:r>
+              <a:rPr lang="ko-KR" altLang="en-US" dirty="0" smtClean="0"/>
+              <a:t>개발 프로세스</a:t>
+            </a:r>
+            <a:endParaRPr lang="en-US" altLang="ko-KR" dirty="0" smtClean="0"/>
+          </a:p>
+          <a:p>
+            <a:pPr lvl="1"/>
+            <a:r>
+              <a:rPr lang="en-US" altLang="ko-KR" dirty="0" smtClean="0"/>
+              <a:t>Iteration</a:t>
+            </a:r>
+            <a:r>
+              <a:rPr lang="ko-KR" altLang="en-US" dirty="0" smtClean="0"/>
+              <a:t> </a:t>
+            </a:r>
+            <a:endParaRPr lang="en-US" altLang="ko-KR" dirty="0" smtClean="0"/>
+          </a:p>
+          <a:p>
+            <a:pPr lvl="2"/>
+            <a:r>
+              <a:rPr lang="ko-KR" altLang="en-US" dirty="0" smtClean="0"/>
+              <a:t>요구사항 </a:t>
+            </a:r>
+            <a:r>
+              <a:rPr lang="en-US" altLang="ko-KR" dirty="0" smtClean="0"/>
+              <a:t>(Requirements) – </a:t>
+            </a:r>
+            <a:r>
+              <a:rPr lang="ko-KR" altLang="en-US" dirty="0" smtClean="0"/>
+              <a:t>모호성</a:t>
+            </a:r>
+            <a:endParaRPr lang="en-US" altLang="ko-KR" dirty="0" smtClean="0"/>
+          </a:p>
+          <a:p>
+            <a:pPr lvl="2"/>
+            <a:r>
+              <a:rPr lang="ko-KR" altLang="en-US" dirty="0" smtClean="0"/>
+              <a:t>분석 </a:t>
+            </a:r>
+            <a:r>
+              <a:rPr lang="en-US" altLang="ko-KR" dirty="0" smtClean="0"/>
+              <a:t>(Analysis) – </a:t>
+            </a:r>
+            <a:r>
+              <a:rPr lang="ko-KR" altLang="en-US" dirty="0" smtClean="0"/>
+              <a:t>정리</a:t>
+            </a:r>
+            <a:r>
+              <a:rPr lang="en-US" altLang="ko-KR" dirty="0" smtClean="0"/>
+              <a:t> </a:t>
+            </a:r>
+          </a:p>
+          <a:p>
+            <a:pPr lvl="2"/>
+            <a:r>
+              <a:rPr lang="ko-KR" altLang="en-US" dirty="0" smtClean="0"/>
+              <a:t>설계 </a:t>
+            </a:r>
+            <a:r>
+              <a:rPr lang="en-US" altLang="ko-KR" dirty="0" smtClean="0"/>
+              <a:t>(Design) – </a:t>
+            </a:r>
+            <a:r>
+              <a:rPr lang="ko-KR" altLang="en-US" dirty="0" smtClean="0"/>
+              <a:t>구현</a:t>
+            </a:r>
+            <a:r>
+              <a:rPr lang="en-US" altLang="ko-KR" dirty="0" smtClean="0"/>
+              <a:t> </a:t>
+            </a:r>
+            <a:r>
+              <a:rPr lang="ko-KR" altLang="en-US" dirty="0" smtClean="0"/>
+              <a:t>계획</a:t>
+            </a:r>
+            <a:endParaRPr lang="en-US" altLang="ko-KR" dirty="0"/>
+          </a:p>
+          <a:p>
+            <a:pPr lvl="2"/>
+            <a:r>
+              <a:rPr lang="ko-KR" altLang="en-US" dirty="0" smtClean="0"/>
+              <a:t>구현 </a:t>
+            </a:r>
+            <a:r>
+              <a:rPr lang="en-US" altLang="ko-KR" dirty="0" smtClean="0"/>
+              <a:t>(Implementation) – </a:t>
+            </a:r>
+            <a:r>
+              <a:rPr lang="ko-KR" altLang="en-US" dirty="0" smtClean="0"/>
+              <a:t>확정적</a:t>
+            </a:r>
+            <a:r>
+              <a:rPr lang="en-US" altLang="ko-KR" dirty="0" smtClean="0"/>
+              <a:t>/</a:t>
+            </a:r>
+            <a:r>
+              <a:rPr lang="ko-KR" altLang="en-US" dirty="0" smtClean="0"/>
+              <a:t>논리적</a:t>
+            </a:r>
+            <a:endParaRPr lang="en-US" altLang="ko-KR" dirty="0" smtClean="0"/>
+          </a:p>
+          <a:p>
+            <a:pPr lvl="2"/>
+            <a:r>
+              <a:rPr lang="ko-KR" altLang="en-US" dirty="0" smtClean="0"/>
+              <a:t>테스트 </a:t>
+            </a:r>
+            <a:r>
+              <a:rPr lang="en-US" altLang="ko-KR" dirty="0" smtClean="0"/>
+              <a:t>(Test)</a:t>
+            </a:r>
+          </a:p>
+          <a:p>
+            <a:pPr lvl="3"/>
+            <a:r>
+              <a:rPr lang="ko-KR" altLang="en-US" dirty="0" smtClean="0"/>
+              <a:t>단위</a:t>
+            </a:r>
+            <a:r>
+              <a:rPr lang="en-US" altLang="ko-KR" dirty="0" smtClean="0"/>
+              <a:t> </a:t>
+            </a:r>
+            <a:r>
+              <a:rPr lang="ko-KR" altLang="en-US" dirty="0" smtClean="0"/>
+              <a:t>테스트</a:t>
+            </a:r>
+            <a:endParaRPr lang="en-US" altLang="ko-KR" dirty="0" smtClean="0"/>
+          </a:p>
+          <a:p>
+            <a:pPr lvl="3"/>
+            <a:r>
+              <a:rPr lang="ko-KR" altLang="en-US" dirty="0" smtClean="0"/>
+              <a:t>통합 테스트 </a:t>
+            </a:r>
+            <a:r>
+              <a:rPr lang="en-US" altLang="ko-KR" dirty="0" smtClean="0"/>
+              <a:t>– </a:t>
+            </a:r>
+            <a:r>
+              <a:rPr lang="ko-KR" altLang="en-US" dirty="0" smtClean="0"/>
+              <a:t>내부 테스트</a:t>
+            </a:r>
+            <a:r>
+              <a:rPr lang="en-US" altLang="ko-KR" dirty="0" smtClean="0"/>
+              <a:t>, </a:t>
+            </a:r>
+            <a:r>
+              <a:rPr lang="ko-KR" altLang="en-US" dirty="0" smtClean="0"/>
+              <a:t>알파 버전</a:t>
+            </a:r>
+            <a:endParaRPr lang="en-US" altLang="ko-KR" dirty="0" smtClean="0"/>
+          </a:p>
+          <a:p>
+            <a:pPr lvl="3"/>
+            <a:r>
+              <a:rPr lang="ko-KR" altLang="en-US" dirty="0" smtClean="0"/>
+              <a:t>시스템 테스트 </a:t>
+            </a:r>
+            <a:r>
+              <a:rPr lang="en-US" altLang="ko-KR" dirty="0" smtClean="0"/>
+              <a:t>– </a:t>
+            </a:r>
+            <a:r>
+              <a:rPr lang="ko-KR" altLang="en-US" dirty="0" smtClean="0"/>
+              <a:t>실 환경 테스트</a:t>
+            </a:r>
+            <a:r>
+              <a:rPr lang="en-US" altLang="ko-KR" dirty="0" smtClean="0"/>
+              <a:t>, </a:t>
+            </a:r>
+            <a:r>
+              <a:rPr lang="ko-KR" altLang="en-US" dirty="0" smtClean="0"/>
+              <a:t>베타 버전</a:t>
+            </a:r>
+            <a:endParaRPr lang="en-US" altLang="ko-KR" dirty="0" smtClean="0"/>
+          </a:p>
+          <a:p>
+            <a:endParaRPr lang="en-US" altLang="ko-KR" dirty="0" smtClean="0"/>
+          </a:p>
+          <a:p>
+            <a:r>
+              <a:rPr lang="en-US" altLang="ko-KR" dirty="0" smtClean="0"/>
+              <a:t>Architecture</a:t>
+            </a:r>
+          </a:p>
+          <a:p>
+            <a:pPr lvl="1"/>
+            <a:r>
+              <a:rPr lang="en-US" altLang="ko-KR" dirty="0" smtClean="0"/>
+              <a:t>Drawing Panel</a:t>
+            </a:r>
+          </a:p>
+          <a:p>
+            <a:pPr lvl="2"/>
+            <a:r>
+              <a:rPr lang="en-US" altLang="ko-KR" dirty="0" smtClean="0"/>
+              <a:t>Drawing</a:t>
+            </a:r>
+          </a:p>
+          <a:p>
+            <a:pPr lvl="1"/>
+            <a:r>
+              <a:rPr lang="en-US" altLang="ko-KR" dirty="0" smtClean="0"/>
+              <a:t>Transformer</a:t>
+            </a:r>
+          </a:p>
+          <a:p>
+            <a:pPr lvl="2"/>
+            <a:r>
+              <a:rPr lang="en-US" altLang="ko-KR" dirty="0" smtClean="0"/>
+              <a:t>Affine Transform</a:t>
+            </a:r>
+          </a:p>
+          <a:p>
+            <a:pPr lvl="1"/>
+            <a:r>
+              <a:rPr lang="en-US" altLang="ko-KR" dirty="0" smtClean="0"/>
+              <a:t>Shape</a:t>
+            </a:r>
+          </a:p>
+          <a:p>
+            <a:pPr lvl="2"/>
+            <a:r>
+              <a:rPr lang="en-US" altLang="ko-KR" dirty="0" smtClean="0"/>
+              <a:t>Graphics Attribute</a:t>
+            </a:r>
+          </a:p>
+        </p:txBody>
+      </p:sp>
+      <p:sp>
+        <p:nvSpPr>
+          <p:cNvPr id="5" name="바닥글 개체 틀 4"/>
+          <p:cNvSpPr>
+            <a:spLocks noGrp="1"/>
+          </p:cNvSpPr>
+          <p:nvPr>
+            <p:ph type="ftr" sz="quarter" idx="10"/>
+          </p:nvPr>
+        </p:nvSpPr>
+        <p:spPr/>
+        <p:txBody>
+          <a:bodyPr/>
+          <a:lstStyle/>
+          <a:p>
+            <a:pPr>
+              <a:buFont typeface="맑은 고딕" panose="020B0503020000020004" pitchFamily="50" charset="-127"/>
+              <a:buChar char="ⓒ"/>
+            </a:pPr>
+            <a:r>
+              <a:rPr lang="en-US" altLang="ko-KR" smtClean="0"/>
+              <a:t>Sungwoon Choi 2021</a:t>
+            </a:r>
+            <a:endParaRPr lang="en-US" altLang="ko-KR" dirty="0"/>
+          </a:p>
+        </p:txBody>
+      </p:sp>
+      <p:sp>
+        <p:nvSpPr>
+          <p:cNvPr id="6" name="슬라이드 번호 개체 틀 5"/>
+          <p:cNvSpPr>
+            <a:spLocks noGrp="1"/>
+          </p:cNvSpPr>
+          <p:nvPr>
+            <p:ph type="sldNum" sz="quarter" idx="11"/>
+          </p:nvPr>
+        </p:nvSpPr>
+        <p:spPr/>
+        <p:txBody>
+          <a:bodyPr/>
+          <a:lstStyle/>
+          <a:p>
+            <a:fld id="{AA4216F1-165B-4DFF-BD92-3D8E849D7D48}" type="slidenum">
+              <a:rPr lang="en-US" altLang="ko-KR" smtClean="0"/>
+              <a:pPr/>
+              <a:t>33</a:t>
+            </a:fld>
+            <a:endParaRPr lang="en-US" altLang="ko-KR" dirty="0"/>
+          </a:p>
+        </p:txBody>
+      </p:sp>
+      <p:sp>
+        <p:nvSpPr>
+          <p:cNvPr id="9" name="직사각형 8"/>
+          <p:cNvSpPr/>
+          <p:nvPr/>
+        </p:nvSpPr>
+        <p:spPr bwMode="auto">
+          <a:xfrm>
+            <a:off x="6227365" y="2008212"/>
+            <a:ext cx="2160240" cy="1512168"/>
+          </a:xfrm>
+          <a:prstGeom prst="rect">
+            <a:avLst/>
+          </a:prstGeom>
+          <a:solidFill>
+            <a:schemeClr val="accent3">
+              <a:lumMod val="20000"/>
+              <a:lumOff val="80000"/>
+            </a:schemeClr>
+          </a:solidFill>
+          <a:ln w="9525" cap="flat" cmpd="sng" algn="ctr">
+            <a:solidFill>
+              <a:schemeClr val="accent3">
+                <a:lumMod val="75000"/>
+              </a:schemeClr>
+            </a:solidFill>
+            <a:prstDash val="solid"/>
+            <a:round/>
+            <a:headEnd type="none" w="med" len="med"/>
+            <a:tailEnd type="none" w="med" len="med"/>
+          </a:ln>
+          <a:effectLst/>
+        </p:spPr>
+        <p:txBody>
+          <a:bodyPr vert="horz" wrap="square" lIns="91440" tIns="45720" rIns="91440" bIns="45720" numCol="1" rtlCol="0" anchor="ctr" anchorCtr="0" compatLnSpc="1">
+            <a:prstTxWarp prst="textNoShape">
+              <a:avLst/>
+            </a:prstTxWarp>
+          </a:bodyPr>
+          <a:lstStyle/>
+          <a:p>
+            <a:pPr marL="0" marR="0" indent="0" algn="ctr" defTabSz="914400" rtl="0" eaLnBrk="1" fontAlgn="base" latinLnBrk="0" hangingPunct="1">
+              <a:lnSpc>
+                <a:spcPct val="100000"/>
+              </a:lnSpc>
+              <a:spcBef>
+                <a:spcPct val="0"/>
+              </a:spcBef>
+              <a:spcAft>
+                <a:spcPct val="0"/>
+              </a:spcAft>
+              <a:buClrTx/>
+              <a:buSzTx/>
+              <a:buFontTx/>
+              <a:buNone/>
+              <a:tabLst/>
+            </a:pPr>
+            <a:endParaRPr kumimoji="0" lang="ko-KR" altLang="en-US" sz="1400" b="0" i="0" u="none" strike="noStrike" cap="none" normalizeH="0" baseline="0" smtClean="0">
+              <a:ln>
+                <a:noFill/>
+              </a:ln>
+              <a:solidFill>
+                <a:schemeClr val="tx1"/>
+              </a:solidFill>
+              <a:effectLst/>
+              <a:latin typeface="Arial" charset="0"/>
+            </a:endParaRPr>
+          </a:p>
+        </p:txBody>
+      </p:sp>
+      <p:sp>
+        <p:nvSpPr>
+          <p:cNvPr id="10" name="직사각형 9"/>
+          <p:cNvSpPr/>
+          <p:nvPr/>
+        </p:nvSpPr>
+        <p:spPr bwMode="auto">
+          <a:xfrm>
+            <a:off x="6515397" y="2224236"/>
+            <a:ext cx="1656184" cy="1080120"/>
+          </a:xfrm>
+          <a:prstGeom prst="rect">
+            <a:avLst/>
+          </a:prstGeom>
+          <a:solidFill>
+            <a:schemeClr val="accent2"/>
+          </a:solidFill>
+          <a:ln w="9525" cap="flat" cmpd="sng" algn="ctr">
+            <a:solidFill>
+              <a:schemeClr val="accent3">
+                <a:lumMod val="75000"/>
+              </a:schemeClr>
+            </a:solidFill>
+            <a:prstDash val="solid"/>
+            <a:round/>
+            <a:headEnd type="none" w="med" len="med"/>
+            <a:tailEnd type="none" w="med" len="med"/>
+          </a:ln>
+          <a:effectLst/>
+        </p:spPr>
+        <p:txBody>
+          <a:bodyPr vert="horz" wrap="square" lIns="91440" tIns="45720" rIns="91440" bIns="45720" numCol="1" rtlCol="0" anchor="ctr" anchorCtr="0" compatLnSpc="1">
+            <a:prstTxWarp prst="textNoShape">
+              <a:avLst/>
+            </a:prstTxWarp>
+          </a:bodyPr>
+          <a:lstStyle/>
+          <a:p>
+            <a:pPr marL="0" marR="0" indent="0" algn="ctr" defTabSz="914400" rtl="0" eaLnBrk="1" fontAlgn="base" latinLnBrk="0" hangingPunct="1">
+              <a:lnSpc>
+                <a:spcPct val="100000"/>
+              </a:lnSpc>
+              <a:spcBef>
+                <a:spcPct val="0"/>
+              </a:spcBef>
+              <a:spcAft>
+                <a:spcPct val="0"/>
+              </a:spcAft>
+              <a:buClrTx/>
+              <a:buSzTx/>
+              <a:buFontTx/>
+              <a:buNone/>
+              <a:tabLst/>
+            </a:pPr>
+            <a:endParaRPr kumimoji="0" lang="ko-KR" altLang="en-US" sz="1400" b="0" i="0" u="none" strike="noStrike" cap="none" normalizeH="0" baseline="0" smtClean="0">
+              <a:ln>
+                <a:noFill/>
+              </a:ln>
+              <a:solidFill>
+                <a:schemeClr val="tx1"/>
+              </a:solidFill>
+              <a:effectLst/>
+              <a:latin typeface="Arial" charset="0"/>
+            </a:endParaRPr>
+          </a:p>
+        </p:txBody>
+      </p:sp>
+      <p:sp>
+        <p:nvSpPr>
+          <p:cNvPr id="11" name="타원 10"/>
+          <p:cNvSpPr/>
+          <p:nvPr/>
+        </p:nvSpPr>
+        <p:spPr bwMode="auto">
+          <a:xfrm>
+            <a:off x="6875437" y="2800300"/>
+            <a:ext cx="504056" cy="360040"/>
+          </a:xfrm>
+          <a:prstGeom prst="ellipse">
+            <a:avLst/>
+          </a:prstGeom>
+          <a:solidFill>
+            <a:schemeClr val="accent3">
+              <a:lumMod val="20000"/>
+              <a:lumOff val="80000"/>
+            </a:schemeClr>
+          </a:solidFill>
+          <a:ln w="9525" cap="flat" cmpd="sng" algn="ctr">
+            <a:solidFill>
+              <a:schemeClr val="accent3">
+                <a:lumMod val="75000"/>
+              </a:schemeClr>
+            </a:solidFill>
+            <a:prstDash val="solid"/>
+            <a:round/>
+            <a:headEnd type="none" w="med" len="med"/>
+            <a:tailEnd type="none" w="med" len="med"/>
+          </a:ln>
+          <a:effectLst/>
+        </p:spPr>
+        <p:txBody>
+          <a:bodyPr vert="horz" wrap="square" lIns="91440" tIns="45720" rIns="91440" bIns="45720" numCol="1" rtlCol="0" anchor="ctr" anchorCtr="0" compatLnSpc="1">
+            <a:prstTxWarp prst="textNoShape">
+              <a:avLst/>
+            </a:prstTxWarp>
+          </a:bodyPr>
+          <a:lstStyle/>
+          <a:p>
+            <a:pPr marL="0" marR="0" indent="0" algn="ctr" defTabSz="914400" rtl="0" eaLnBrk="1" fontAlgn="base" latinLnBrk="0" hangingPunct="1">
+              <a:lnSpc>
+                <a:spcPct val="100000"/>
+              </a:lnSpc>
+              <a:spcBef>
+                <a:spcPct val="0"/>
+              </a:spcBef>
+              <a:spcAft>
+                <a:spcPct val="0"/>
+              </a:spcAft>
+              <a:buClrTx/>
+              <a:buSzTx/>
+              <a:buFontTx/>
+              <a:buNone/>
+              <a:tabLst/>
+            </a:pPr>
+            <a:r>
+              <a:rPr kumimoji="0" lang="en-US" altLang="ko-KR" sz="1400" b="0" i="0" u="none" strike="noStrike" cap="none" normalizeH="0" baseline="0" dirty="0" smtClean="0">
+                <a:ln>
+                  <a:noFill/>
+                </a:ln>
+                <a:solidFill>
+                  <a:schemeClr val="tx1"/>
+                </a:solidFill>
+                <a:effectLst/>
+                <a:latin typeface="Arial" charset="0"/>
+              </a:rPr>
+              <a:t>o</a:t>
+            </a:r>
+            <a:endParaRPr kumimoji="0" lang="ko-KR" altLang="en-US" sz="1400" b="0" i="0" u="none" strike="noStrike" cap="none" normalizeH="0" baseline="0" dirty="0" smtClean="0">
+              <a:ln>
+                <a:noFill/>
+              </a:ln>
+              <a:solidFill>
+                <a:schemeClr val="tx1"/>
+              </a:solidFill>
+              <a:effectLst/>
+              <a:latin typeface="Arial" charset="0"/>
+            </a:endParaRPr>
+          </a:p>
+        </p:txBody>
+      </p:sp>
+      <p:sp>
+        <p:nvSpPr>
+          <p:cNvPr id="12" name="타원 11"/>
+          <p:cNvSpPr/>
+          <p:nvPr/>
+        </p:nvSpPr>
+        <p:spPr bwMode="auto">
+          <a:xfrm>
+            <a:off x="7379493" y="2415745"/>
+            <a:ext cx="504056" cy="360040"/>
+          </a:xfrm>
+          <a:prstGeom prst="ellipse">
+            <a:avLst/>
+          </a:prstGeom>
+          <a:solidFill>
+            <a:schemeClr val="accent3">
+              <a:lumMod val="20000"/>
+              <a:lumOff val="80000"/>
+            </a:schemeClr>
+          </a:solidFill>
+          <a:ln w="9525" cap="flat" cmpd="sng" algn="ctr">
+            <a:solidFill>
+              <a:schemeClr val="accent3">
+                <a:lumMod val="75000"/>
+              </a:schemeClr>
+            </a:solidFill>
+            <a:prstDash val="solid"/>
+            <a:round/>
+            <a:headEnd type="none" w="med" len="med"/>
+            <a:tailEnd type="none" w="med" len="med"/>
+          </a:ln>
+          <a:effectLst/>
+        </p:spPr>
+        <p:txBody>
+          <a:bodyPr vert="horz" wrap="square" lIns="91440" tIns="45720" rIns="91440" bIns="45720" numCol="1" rtlCol="0" anchor="ctr" anchorCtr="0" compatLnSpc="1">
+            <a:prstTxWarp prst="textNoShape">
+              <a:avLst/>
+            </a:prstTxWarp>
+          </a:bodyPr>
+          <a:lstStyle/>
+          <a:p>
+            <a:pPr marL="0" marR="0" indent="0" algn="ctr" defTabSz="914400" rtl="0" eaLnBrk="1" fontAlgn="base" latinLnBrk="0" hangingPunct="1">
+              <a:lnSpc>
+                <a:spcPct val="100000"/>
+              </a:lnSpc>
+              <a:spcBef>
+                <a:spcPct val="0"/>
+              </a:spcBef>
+              <a:spcAft>
+                <a:spcPct val="0"/>
+              </a:spcAft>
+              <a:buClrTx/>
+              <a:buSzTx/>
+              <a:buFontTx/>
+              <a:buNone/>
+              <a:tabLst/>
+            </a:pPr>
+            <a:r>
+              <a:rPr kumimoji="0" lang="en-US" altLang="ko-KR" sz="1400" b="0" i="0" u="none" strike="noStrike" cap="none" normalizeH="0" baseline="0" dirty="0" smtClean="0">
+                <a:ln>
+                  <a:noFill/>
+                </a:ln>
+                <a:solidFill>
+                  <a:schemeClr val="tx1"/>
+                </a:solidFill>
+                <a:effectLst/>
+                <a:latin typeface="Arial" charset="0"/>
+              </a:rPr>
+              <a:t>T</a:t>
+            </a:r>
+            <a:endParaRPr kumimoji="0" lang="ko-KR" altLang="en-US" sz="1400" b="0" i="0" u="none" strike="noStrike" cap="none" normalizeH="0" baseline="0" dirty="0" smtClean="0">
+              <a:ln>
+                <a:noFill/>
+              </a:ln>
+              <a:solidFill>
+                <a:schemeClr val="tx1"/>
+              </a:solidFill>
+              <a:effectLst/>
+              <a:latin typeface="Arial" charset="0"/>
+            </a:endParaRPr>
+          </a:p>
+        </p:txBody>
+      </p:sp>
+      <p:sp>
+        <p:nvSpPr>
+          <p:cNvPr id="14" name="직사각형 13"/>
+          <p:cNvSpPr/>
+          <p:nvPr/>
+        </p:nvSpPr>
+        <p:spPr bwMode="auto">
+          <a:xfrm>
+            <a:off x="6153483" y="5203793"/>
+            <a:ext cx="1656184" cy="1080120"/>
+          </a:xfrm>
+          <a:prstGeom prst="rect">
+            <a:avLst/>
+          </a:prstGeom>
+          <a:solidFill>
+            <a:schemeClr val="accent2"/>
+          </a:solidFill>
+          <a:ln w="9525" cap="flat" cmpd="sng" algn="ctr">
+            <a:solidFill>
+              <a:schemeClr val="accent3">
+                <a:lumMod val="75000"/>
+              </a:schemeClr>
+            </a:solidFill>
+            <a:prstDash val="solid"/>
+            <a:round/>
+            <a:headEnd type="none" w="med" len="med"/>
+            <a:tailEnd type="none" w="med" len="med"/>
+          </a:ln>
+          <a:effectLst/>
+        </p:spPr>
+        <p:txBody>
+          <a:bodyPr vert="horz" wrap="square" lIns="91440" tIns="45720" rIns="91440" bIns="45720" numCol="1" rtlCol="0" anchor="ctr" anchorCtr="0" compatLnSpc="1">
+            <a:prstTxWarp prst="textNoShape">
+              <a:avLst/>
+            </a:prstTxWarp>
+          </a:bodyPr>
+          <a:lstStyle/>
+          <a:p>
+            <a:pPr marL="0" marR="0" indent="0" algn="ctr" defTabSz="914400" rtl="0" eaLnBrk="1" fontAlgn="base" latinLnBrk="0" hangingPunct="1">
+              <a:lnSpc>
+                <a:spcPct val="100000"/>
+              </a:lnSpc>
+              <a:spcBef>
+                <a:spcPct val="0"/>
+              </a:spcBef>
+              <a:spcAft>
+                <a:spcPct val="0"/>
+              </a:spcAft>
+              <a:buClrTx/>
+              <a:buSzTx/>
+              <a:buFontTx/>
+              <a:buNone/>
+              <a:tabLst/>
+            </a:pPr>
+            <a:endParaRPr kumimoji="0" lang="ko-KR" altLang="en-US" sz="1400" b="0" i="0" u="none" strike="noStrike" cap="none" normalizeH="0" baseline="0" smtClean="0">
+              <a:ln>
+                <a:noFill/>
+              </a:ln>
+              <a:solidFill>
+                <a:schemeClr val="tx1"/>
+              </a:solidFill>
+              <a:effectLst/>
+              <a:latin typeface="Arial" charset="0"/>
+            </a:endParaRPr>
+          </a:p>
+        </p:txBody>
+      </p:sp>
+      <p:sp>
+        <p:nvSpPr>
+          <p:cNvPr id="15" name="타원 14"/>
+          <p:cNvSpPr/>
+          <p:nvPr/>
+        </p:nvSpPr>
+        <p:spPr bwMode="auto">
+          <a:xfrm>
+            <a:off x="6981575" y="5383813"/>
+            <a:ext cx="504056" cy="360040"/>
+          </a:xfrm>
+          <a:prstGeom prst="ellipse">
+            <a:avLst/>
+          </a:prstGeom>
+          <a:solidFill>
+            <a:schemeClr val="accent3">
+              <a:lumMod val="20000"/>
+              <a:lumOff val="80000"/>
+            </a:schemeClr>
+          </a:solidFill>
+          <a:ln w="9525" cap="flat" cmpd="sng" algn="ctr">
+            <a:solidFill>
+              <a:schemeClr val="accent3">
+                <a:lumMod val="75000"/>
+              </a:schemeClr>
+            </a:solidFill>
+            <a:prstDash val="solid"/>
+            <a:round/>
+            <a:headEnd type="none" w="med" len="med"/>
+            <a:tailEnd type="none" w="med" len="med"/>
+          </a:ln>
+          <a:effectLst/>
+        </p:spPr>
+        <p:txBody>
+          <a:bodyPr vert="horz" wrap="square" lIns="91440" tIns="45720" rIns="91440" bIns="45720" numCol="1" rtlCol="0" anchor="ctr" anchorCtr="0" compatLnSpc="1">
+            <a:prstTxWarp prst="textNoShape">
+              <a:avLst/>
+            </a:prstTxWarp>
+          </a:bodyPr>
+          <a:lstStyle/>
+          <a:p>
+            <a:pPr marL="0" marR="0" indent="0" algn="ctr" defTabSz="914400" rtl="0" eaLnBrk="1" fontAlgn="base" latinLnBrk="0" hangingPunct="1">
+              <a:lnSpc>
+                <a:spcPct val="100000"/>
+              </a:lnSpc>
+              <a:spcBef>
+                <a:spcPct val="0"/>
+              </a:spcBef>
+              <a:spcAft>
+                <a:spcPct val="0"/>
+              </a:spcAft>
+              <a:buClrTx/>
+              <a:buSzTx/>
+              <a:buFontTx/>
+              <a:buNone/>
+              <a:tabLst/>
+            </a:pPr>
+            <a:r>
+              <a:rPr kumimoji="0" lang="en-US" altLang="ko-KR" sz="1400" b="0" i="0" u="none" strike="noStrike" cap="none" normalizeH="0" baseline="0" dirty="0" smtClean="0">
+                <a:ln>
+                  <a:noFill/>
+                </a:ln>
+                <a:solidFill>
+                  <a:schemeClr val="tx1"/>
+                </a:solidFill>
+                <a:effectLst/>
+                <a:latin typeface="Arial" charset="0"/>
+              </a:rPr>
+              <a:t>o</a:t>
+            </a:r>
+            <a:endParaRPr kumimoji="0" lang="ko-KR" altLang="en-US" sz="1400" b="0" i="0" u="none" strike="noStrike" cap="none" normalizeH="0" baseline="0" dirty="0" smtClean="0">
+              <a:ln>
+                <a:noFill/>
+              </a:ln>
+              <a:solidFill>
+                <a:schemeClr val="tx1"/>
+              </a:solidFill>
+              <a:effectLst/>
+              <a:latin typeface="Arial" charset="0"/>
+            </a:endParaRPr>
+          </a:p>
+        </p:txBody>
+      </p:sp>
+    </p:spTree>
+    <p:extLst>
+      <p:ext uri="{BB962C8B-B14F-4D97-AF65-F5344CB8AC3E}">
+        <p14:creationId xmlns:p14="http://schemas.microsoft.com/office/powerpoint/2010/main" val="3057186004"/>
       </p:ext>
     </p:extLst>
   </p:cSld>

--- a/graphicsEditorB/강의진행.pptx
+++ b/graphicsEditorB/강의진행.pptx
@@ -5,7 +5,7 @@
     <p:sldMasterId id="2147483648" r:id="rId1"/>
   </p:sldMasterIdLst>
   <p:notesMasterIdLst>
-    <p:notesMasterId r:id="rId35"/>
+    <p:notesMasterId r:id="rId37"/>
   </p:notesMasterIdLst>
   <p:sldIdLst>
     <p:sldId id="256" r:id="rId2"/>
@@ -41,6 +41,8 @@
     <p:sldId id="324" r:id="rId32"/>
     <p:sldId id="326" r:id="rId33"/>
     <p:sldId id="327" r:id="rId34"/>
+    <p:sldId id="328" r:id="rId35"/>
+    <p:sldId id="330" r:id="rId36"/>
   </p:sldIdLst>
   <p:sldSz cx="10150475" cy="7616825"/>
   <p:notesSz cx="6797675" cy="9928225"/>
@@ -5397,7 +5399,7 @@
             <a:fld id="{6D61DB4D-25AF-4EE9-B3EB-9D14CE91ACF1}" type="datetimeFigureOut">
               <a:rPr lang="ko-KR" altLang="en-US" smtClean="0"/>
               <a:pPr/>
-              <a:t>2022-06-08</a:t>
+              <a:t>2022-06-13</a:t>
             </a:fld>
             <a:endParaRPr lang="ko-KR" altLang="en-US" dirty="0"/>
           </a:p>
@@ -38207,6 +38209,2199 @@
     <p:extLst>
       <p:ext uri="{BB962C8B-B14F-4D97-AF65-F5344CB8AC3E}">
         <p14:creationId xmlns:p14="http://schemas.microsoft.com/office/powerpoint/2010/main" val="3057186004"/>
+      </p:ext>
+    </p:extLst>
+  </p:cSld>
+  <p:clrMapOvr>
+    <a:masterClrMapping/>
+  </p:clrMapOvr>
+</p:sld>
+</file>
+
+<file path=ppt/slides/slide34.xml><?xml version="1.0" encoding="utf-8"?>
+<p:sld xmlns:a="http://schemas.openxmlformats.org/drawingml/2006/main" xmlns:r="http://schemas.openxmlformats.org/officeDocument/2006/relationships" xmlns:p="http://schemas.openxmlformats.org/presentationml/2006/main">
+  <p:cSld>
+    <p:spTree>
+      <p:nvGrpSpPr>
+        <p:cNvPr id="1" name=""/>
+        <p:cNvGrpSpPr/>
+        <p:nvPr/>
+      </p:nvGrpSpPr>
+      <p:grpSpPr>
+        <a:xfrm>
+          <a:off x="0" y="0"/>
+          <a:ext cx="0" cy="0"/>
+          <a:chOff x="0" y="0"/>
+          <a:chExt cx="0" cy="0"/>
+        </a:xfrm>
+      </p:grpSpPr>
+      <p:sp>
+        <p:nvSpPr>
+          <p:cNvPr id="7" name="내용 개체 틀 6"/>
+          <p:cNvSpPr>
+            <a:spLocks noGrp="1"/>
+          </p:cNvSpPr>
+          <p:nvPr>
+            <p:ph sz="half" idx="1"/>
+          </p:nvPr>
+        </p:nvSpPr>
+        <p:spPr/>
+        <p:txBody>
+          <a:bodyPr/>
+          <a:lstStyle/>
+          <a:p>
+            <a:r>
+              <a:rPr lang="ko-KR" altLang="en-US" dirty="0" smtClean="0"/>
+              <a:t>진행</a:t>
+            </a:r>
+            <a:endParaRPr lang="en-US" altLang="ko-KR" dirty="0" smtClean="0"/>
+          </a:p>
+          <a:p>
+            <a:pPr lvl="1"/>
+            <a:r>
+              <a:rPr lang="en-US" altLang="ko-KR" dirty="0" smtClean="0"/>
+              <a:t>Rotate</a:t>
+            </a:r>
+            <a:endParaRPr lang="ko-KR" altLang="en-US" dirty="0"/>
+          </a:p>
+        </p:txBody>
+      </p:sp>
+      <p:sp>
+        <p:nvSpPr>
+          <p:cNvPr id="10" name="타원 9"/>
+          <p:cNvSpPr/>
+          <p:nvPr/>
+        </p:nvSpPr>
+        <p:spPr bwMode="auto">
+          <a:xfrm>
+            <a:off x="1451595" y="3406786"/>
+            <a:ext cx="2952328" cy="3024336"/>
+          </a:xfrm>
+          <a:prstGeom prst="ellipse">
+            <a:avLst/>
+          </a:prstGeom>
+          <a:solidFill>
+            <a:schemeClr val="accent3">
+              <a:lumMod val="20000"/>
+              <a:lumOff val="80000"/>
+            </a:schemeClr>
+          </a:solidFill>
+          <a:ln w="9525" cap="flat" cmpd="sng" algn="ctr">
+            <a:solidFill>
+              <a:schemeClr val="accent3">
+                <a:lumMod val="75000"/>
+              </a:schemeClr>
+            </a:solidFill>
+            <a:prstDash val="solid"/>
+            <a:round/>
+            <a:headEnd type="none" w="med" len="med"/>
+            <a:tailEnd type="none" w="med" len="med"/>
+          </a:ln>
+          <a:effectLst/>
+        </p:spPr>
+        <p:txBody>
+          <a:bodyPr vert="horz" wrap="square" lIns="91440" tIns="45720" rIns="91440" bIns="45720" numCol="1" rtlCol="0" anchor="ctr" anchorCtr="0" compatLnSpc="1">
+            <a:prstTxWarp prst="textNoShape">
+              <a:avLst/>
+            </a:prstTxWarp>
+          </a:bodyPr>
+          <a:lstStyle/>
+          <a:p>
+            <a:pPr marL="0" marR="0" indent="0" algn="ctr" defTabSz="914400" rtl="0" eaLnBrk="1" fontAlgn="base" latinLnBrk="0" hangingPunct="1">
+              <a:lnSpc>
+                <a:spcPct val="100000"/>
+              </a:lnSpc>
+              <a:spcBef>
+                <a:spcPct val="0"/>
+              </a:spcBef>
+              <a:spcAft>
+                <a:spcPct val="0"/>
+              </a:spcAft>
+              <a:buClrTx/>
+              <a:buSzTx/>
+              <a:buFontTx/>
+              <a:buNone/>
+              <a:tabLst/>
+            </a:pPr>
+            <a:endParaRPr kumimoji="0" lang="ko-KR" altLang="en-US" sz="1400" b="0" i="0" u="none" strike="noStrike" cap="none" normalizeH="0" baseline="0" smtClean="0">
+              <a:ln>
+                <a:noFill/>
+              </a:ln>
+              <a:solidFill>
+                <a:schemeClr val="tx1"/>
+              </a:solidFill>
+              <a:effectLst/>
+              <a:latin typeface="Arial" charset="0"/>
+            </a:endParaRPr>
+          </a:p>
+        </p:txBody>
+      </p:sp>
+      <p:sp>
+        <p:nvSpPr>
+          <p:cNvPr id="6" name="제목 5"/>
+          <p:cNvSpPr>
+            <a:spLocks noGrp="1"/>
+          </p:cNvSpPr>
+          <p:nvPr>
+            <p:ph type="title"/>
+          </p:nvPr>
+        </p:nvSpPr>
+        <p:spPr/>
+        <p:txBody>
+          <a:bodyPr/>
+          <a:lstStyle/>
+          <a:p>
+            <a:r>
+              <a:rPr lang="en-US" altLang="ko-KR" dirty="0" smtClean="0"/>
+              <a:t>2022-06-13</a:t>
+            </a:r>
+            <a:endParaRPr lang="ko-KR" altLang="en-US" dirty="0"/>
+          </a:p>
+        </p:txBody>
+      </p:sp>
+      <p:sp>
+        <p:nvSpPr>
+          <p:cNvPr id="8" name="내용 개체 틀 7"/>
+          <p:cNvSpPr>
+            <a:spLocks noGrp="1"/>
+          </p:cNvSpPr>
+          <p:nvPr>
+            <p:ph sz="half" idx="2"/>
+          </p:nvPr>
+        </p:nvSpPr>
+        <p:spPr/>
+        <p:txBody>
+          <a:bodyPr/>
+          <a:lstStyle/>
+          <a:p>
+            <a:r>
+              <a:rPr lang="en-US" altLang="ko-KR" dirty="0" smtClean="0"/>
+              <a:t>Tan(Angle) = x/y</a:t>
+            </a:r>
+          </a:p>
+          <a:p>
+            <a:r>
+              <a:rPr lang="en-US" altLang="ko-KR" dirty="0" err="1" smtClean="0"/>
+              <a:t>aTan</a:t>
+            </a:r>
+            <a:r>
+              <a:rPr lang="en-US" altLang="ko-KR" dirty="0" smtClean="0"/>
+              <a:t>(</a:t>
+            </a:r>
+            <a:r>
+              <a:rPr lang="en-US" altLang="ko-KR" dirty="0" err="1" smtClean="0"/>
+              <a:t>px</a:t>
+            </a:r>
+            <a:r>
+              <a:rPr lang="en-US" altLang="ko-KR" dirty="0" smtClean="0"/>
+              <a:t>/</a:t>
+            </a:r>
+            <a:r>
+              <a:rPr lang="en-US" altLang="ko-KR" dirty="0" err="1" smtClean="0"/>
+              <a:t>py</a:t>
+            </a:r>
+            <a:r>
+              <a:rPr lang="en-US" altLang="ko-KR" dirty="0"/>
+              <a:t>) = </a:t>
+            </a:r>
+            <a:r>
+              <a:rPr lang="en-US" altLang="ko-KR" dirty="0" err="1" smtClean="0"/>
+              <a:t>startAngle</a:t>
+            </a:r>
+            <a:r>
+              <a:rPr lang="en-US" altLang="ko-KR" dirty="0"/>
+              <a:t>;</a:t>
+            </a:r>
+            <a:endParaRPr lang="ko-KR" altLang="en-US" dirty="0"/>
+          </a:p>
+          <a:p>
+            <a:r>
+              <a:rPr lang="en-US" altLang="ko-KR" dirty="0" err="1" smtClean="0"/>
+              <a:t>aTan</a:t>
+            </a:r>
+            <a:r>
+              <a:rPr lang="en-US" altLang="ko-KR" dirty="0" smtClean="0"/>
+              <a:t>(x/y) = </a:t>
+            </a:r>
+            <a:r>
+              <a:rPr lang="en-US" altLang="ko-KR" dirty="0" err="1" smtClean="0"/>
+              <a:t>endAngle</a:t>
+            </a:r>
+            <a:r>
+              <a:rPr lang="en-US" altLang="ko-KR" dirty="0" smtClean="0"/>
+              <a:t>;</a:t>
+            </a:r>
+          </a:p>
+          <a:p>
+            <a:r>
+              <a:rPr lang="en-US" altLang="ko-KR" dirty="0"/>
+              <a:t>a</a:t>
+            </a:r>
+            <a:r>
+              <a:rPr lang="en-US" altLang="ko-KR" dirty="0" smtClean="0"/>
+              <a:t>ngle = </a:t>
+            </a:r>
+            <a:r>
+              <a:rPr lang="en-US" altLang="ko-KR" dirty="0" err="1" smtClean="0"/>
+              <a:t>endAngle</a:t>
+            </a:r>
+            <a:r>
+              <a:rPr lang="en-US" altLang="ko-KR" dirty="0" smtClean="0"/>
+              <a:t> - </a:t>
+            </a:r>
+            <a:r>
+              <a:rPr lang="en-US" altLang="ko-KR" dirty="0" err="1" smtClean="0"/>
+              <a:t>startAngle</a:t>
+            </a:r>
+            <a:endParaRPr lang="ko-KR" altLang="en-US" dirty="0"/>
+          </a:p>
+        </p:txBody>
+      </p:sp>
+      <p:sp>
+        <p:nvSpPr>
+          <p:cNvPr id="4" name="바닥글 개체 틀 3"/>
+          <p:cNvSpPr>
+            <a:spLocks noGrp="1"/>
+          </p:cNvSpPr>
+          <p:nvPr>
+            <p:ph type="ftr" sz="quarter" idx="10"/>
+          </p:nvPr>
+        </p:nvSpPr>
+        <p:spPr/>
+        <p:txBody>
+          <a:bodyPr/>
+          <a:lstStyle/>
+          <a:p>
+            <a:pPr>
+              <a:buFont typeface="맑은 고딕" panose="020B0503020000020004" pitchFamily="50" charset="-127"/>
+              <a:buChar char="ⓒ"/>
+            </a:pPr>
+            <a:r>
+              <a:rPr lang="en-US" altLang="ko-KR" smtClean="0"/>
+              <a:t>Sungwoon Choi 2021</a:t>
+            </a:r>
+            <a:endParaRPr lang="en-US" altLang="ko-KR" dirty="0"/>
+          </a:p>
+        </p:txBody>
+      </p:sp>
+      <p:sp>
+        <p:nvSpPr>
+          <p:cNvPr id="5" name="슬라이드 번호 개체 틀 4"/>
+          <p:cNvSpPr>
+            <a:spLocks noGrp="1"/>
+          </p:cNvSpPr>
+          <p:nvPr>
+            <p:ph type="sldNum" sz="quarter" idx="11"/>
+          </p:nvPr>
+        </p:nvSpPr>
+        <p:spPr/>
+        <p:txBody>
+          <a:bodyPr/>
+          <a:lstStyle/>
+          <a:p>
+            <a:fld id="{AA4216F1-165B-4DFF-BD92-3D8E849D7D48}" type="slidenum">
+              <a:rPr lang="en-US" altLang="ko-KR" smtClean="0"/>
+              <a:pPr/>
+              <a:t>34</a:t>
+            </a:fld>
+            <a:endParaRPr lang="en-US" altLang="ko-KR" dirty="0"/>
+          </a:p>
+        </p:txBody>
+      </p:sp>
+      <p:sp>
+        <p:nvSpPr>
+          <p:cNvPr id="9" name="직사각형 8"/>
+          <p:cNvSpPr/>
+          <p:nvPr/>
+        </p:nvSpPr>
+        <p:spPr bwMode="auto">
+          <a:xfrm rot="2011328">
+            <a:off x="1951682" y="4306886"/>
+            <a:ext cx="1944216" cy="1152128"/>
+          </a:xfrm>
+          <a:prstGeom prst="rect">
+            <a:avLst/>
+          </a:prstGeom>
+          <a:solidFill>
+            <a:schemeClr val="accent3">
+              <a:lumMod val="20000"/>
+              <a:lumOff val="80000"/>
+            </a:schemeClr>
+          </a:solidFill>
+          <a:ln w="57150" cap="flat" cmpd="sng" algn="ctr">
+            <a:solidFill>
+              <a:srgbClr val="00B0F0"/>
+            </a:solidFill>
+            <a:prstDash val="solid"/>
+            <a:round/>
+            <a:headEnd type="none" w="med" len="med"/>
+            <a:tailEnd type="none" w="med" len="med"/>
+          </a:ln>
+          <a:effectLst/>
+        </p:spPr>
+        <p:txBody>
+          <a:bodyPr vert="horz" wrap="square" lIns="91440" tIns="45720" rIns="91440" bIns="45720" numCol="1" rtlCol="0" anchor="ctr" anchorCtr="0" compatLnSpc="1">
+            <a:prstTxWarp prst="textNoShape">
+              <a:avLst/>
+            </a:prstTxWarp>
+          </a:bodyPr>
+          <a:lstStyle/>
+          <a:p>
+            <a:pPr marL="0" marR="0" indent="0" algn="ctr" defTabSz="914400" rtl="0" eaLnBrk="1" fontAlgn="base" latinLnBrk="0" hangingPunct="1">
+              <a:lnSpc>
+                <a:spcPct val="100000"/>
+              </a:lnSpc>
+              <a:spcBef>
+                <a:spcPct val="0"/>
+              </a:spcBef>
+              <a:spcAft>
+                <a:spcPct val="0"/>
+              </a:spcAft>
+              <a:buClrTx/>
+              <a:buSzTx/>
+              <a:buFontTx/>
+              <a:buNone/>
+              <a:tabLst/>
+            </a:pPr>
+            <a:endParaRPr kumimoji="0" lang="ko-KR" altLang="en-US" sz="1400" b="0" i="0" u="none" strike="noStrike" cap="none" normalizeH="0" baseline="0" smtClean="0">
+              <a:ln>
+                <a:noFill/>
+              </a:ln>
+              <a:solidFill>
+                <a:schemeClr val="tx1"/>
+              </a:solidFill>
+              <a:effectLst/>
+              <a:latin typeface="Arial" charset="0"/>
+            </a:endParaRPr>
+          </a:p>
+        </p:txBody>
+      </p:sp>
+      <p:cxnSp>
+        <p:nvCxnSpPr>
+          <p:cNvPr id="12" name="직선 연결선 11"/>
+          <p:cNvCxnSpPr>
+            <a:stCxn id="10" idx="0"/>
+          </p:cNvCxnSpPr>
+          <p:nvPr/>
+        </p:nvCxnSpPr>
+        <p:spPr bwMode="auto">
+          <a:xfrm flipH="1">
+            <a:off x="2923791" y="3406786"/>
+            <a:ext cx="3968" cy="1476164"/>
+          </a:xfrm>
+          <a:prstGeom prst="line">
+            <a:avLst/>
+          </a:prstGeom>
+          <a:solidFill>
+            <a:schemeClr val="accent1"/>
+          </a:solidFill>
+          <a:ln w="9525" cap="flat" cmpd="sng" algn="ctr">
+            <a:solidFill>
+              <a:schemeClr val="tx1"/>
+            </a:solidFill>
+            <a:prstDash val="solid"/>
+            <a:round/>
+            <a:headEnd type="none" w="med" len="med"/>
+            <a:tailEnd type="none" w="med" len="med"/>
+          </a:ln>
+          <a:effectLst/>
+          <a:extLst>
+            <a:ext uri="{AF507438-7753-43E0-B8FC-AC1667EBCBE1}">
+              <a14:hiddenEffects xmlns:a14="http://schemas.microsoft.com/office/drawing/2010/main">
+                <a:effectLst>
+                  <a:outerShdw dist="35921" dir="2700000" algn="ctr" rotWithShape="0">
+                    <a:schemeClr val="bg2"/>
+                  </a:outerShdw>
+                </a:effectLst>
+              </a14:hiddenEffects>
+            </a:ext>
+          </a:extLst>
+        </p:spPr>
+      </p:cxnSp>
+      <p:cxnSp>
+        <p:nvCxnSpPr>
+          <p:cNvPr id="15" name="직선 연결선 14"/>
+          <p:cNvCxnSpPr>
+            <a:stCxn id="24" idx="3"/>
+          </p:cNvCxnSpPr>
+          <p:nvPr/>
+        </p:nvCxnSpPr>
+        <p:spPr bwMode="auto">
+          <a:xfrm flipH="1">
+            <a:off x="2923791" y="3735191"/>
+            <a:ext cx="789802" cy="1147759"/>
+          </a:xfrm>
+          <a:prstGeom prst="line">
+            <a:avLst/>
+          </a:prstGeom>
+          <a:solidFill>
+            <a:schemeClr val="accent1"/>
+          </a:solidFill>
+          <a:ln w="9525" cap="flat" cmpd="sng" algn="ctr">
+            <a:solidFill>
+              <a:schemeClr val="tx1"/>
+            </a:solidFill>
+            <a:prstDash val="solid"/>
+            <a:round/>
+            <a:headEnd type="none" w="med" len="med"/>
+            <a:tailEnd type="none" w="med" len="med"/>
+          </a:ln>
+          <a:effectLst/>
+          <a:extLst>
+            <a:ext uri="{AF507438-7753-43E0-B8FC-AC1667EBCBE1}">
+              <a14:hiddenEffects xmlns:a14="http://schemas.microsoft.com/office/drawing/2010/main">
+                <a:effectLst>
+                  <a:outerShdw dist="35921" dir="2700000" algn="ctr" rotWithShape="0">
+                    <a:schemeClr val="bg2"/>
+                  </a:outerShdw>
+                </a:effectLst>
+              </a14:hiddenEffects>
+            </a:ext>
+          </a:extLst>
+        </p:spPr>
+      </p:cxnSp>
+      <p:sp>
+        <p:nvSpPr>
+          <p:cNvPr id="24" name="타원 23"/>
+          <p:cNvSpPr/>
+          <p:nvPr/>
+        </p:nvSpPr>
+        <p:spPr bwMode="auto">
+          <a:xfrm>
+            <a:off x="3687811" y="3550803"/>
+            <a:ext cx="176052" cy="216024"/>
+          </a:xfrm>
+          <a:prstGeom prst="ellipse">
+            <a:avLst/>
+          </a:prstGeom>
+          <a:solidFill>
+            <a:srgbClr val="FF0000"/>
+          </a:solidFill>
+          <a:ln w="9525" cap="flat" cmpd="sng" algn="ctr">
+            <a:solidFill>
+              <a:schemeClr val="accent3">
+                <a:lumMod val="75000"/>
+              </a:schemeClr>
+            </a:solidFill>
+            <a:prstDash val="solid"/>
+            <a:round/>
+            <a:headEnd type="none" w="med" len="med"/>
+            <a:tailEnd type="none" w="med" len="med"/>
+          </a:ln>
+          <a:effectLst/>
+        </p:spPr>
+        <p:txBody>
+          <a:bodyPr vert="horz" wrap="square" lIns="91440" tIns="45720" rIns="91440" bIns="45720" numCol="1" rtlCol="0" anchor="ctr" anchorCtr="0" compatLnSpc="1">
+            <a:prstTxWarp prst="textNoShape">
+              <a:avLst/>
+            </a:prstTxWarp>
+          </a:bodyPr>
+          <a:lstStyle/>
+          <a:p>
+            <a:pPr marL="0" marR="0" indent="0" algn="ctr" defTabSz="914400" rtl="0" eaLnBrk="1" fontAlgn="base" latinLnBrk="0" hangingPunct="1">
+              <a:lnSpc>
+                <a:spcPct val="100000"/>
+              </a:lnSpc>
+              <a:spcBef>
+                <a:spcPct val="0"/>
+              </a:spcBef>
+              <a:spcAft>
+                <a:spcPct val="0"/>
+              </a:spcAft>
+              <a:buClrTx/>
+              <a:buSzTx/>
+              <a:buFontTx/>
+              <a:buNone/>
+              <a:tabLst/>
+            </a:pPr>
+            <a:endParaRPr kumimoji="0" lang="ko-KR" altLang="en-US" sz="1400" b="0" i="0" u="none" strike="noStrike" cap="none" normalizeH="0" baseline="0" smtClean="0">
+              <a:ln>
+                <a:noFill/>
+              </a:ln>
+              <a:solidFill>
+                <a:schemeClr val="tx1"/>
+              </a:solidFill>
+              <a:effectLst/>
+              <a:latin typeface="Arial" charset="0"/>
+            </a:endParaRPr>
+          </a:p>
+        </p:txBody>
+      </p:sp>
+      <p:sp>
+        <p:nvSpPr>
+          <p:cNvPr id="26" name="TextBox 25"/>
+          <p:cNvSpPr txBox="1"/>
+          <p:nvPr/>
+        </p:nvSpPr>
+        <p:spPr>
+          <a:xfrm>
+            <a:off x="3709199" y="3183968"/>
+            <a:ext cx="714162" cy="366835"/>
+          </a:xfrm>
+          <a:prstGeom prst="rect">
+            <a:avLst/>
+          </a:prstGeom>
+          <a:noFill/>
+          <a:ln>
+            <a:noFill/>
+          </a:ln>
+        </p:spPr>
+        <p:txBody>
+          <a:bodyPr wrap="none" rtlCol="0" anchor="ctr">
+            <a:noAutofit/>
+          </a:bodyPr>
+          <a:lstStyle/>
+          <a:p>
+            <a:pPr algn="ctr"/>
+            <a:r>
+              <a:rPr lang="en-US" altLang="ko-KR" sz="1600" dirty="0" err="1"/>
+              <a:t>p</a:t>
+            </a:r>
+            <a:r>
+              <a:rPr lang="en-US" altLang="ko-KR" sz="1600" dirty="0" err="1" smtClean="0"/>
+              <a:t>X</a:t>
+            </a:r>
+            <a:r>
+              <a:rPr lang="en-US" altLang="ko-KR" sz="1600" dirty="0" smtClean="0"/>
+              <a:t>, </a:t>
+            </a:r>
+            <a:r>
+              <a:rPr lang="en-US" altLang="ko-KR" sz="1600" dirty="0" err="1" smtClean="0"/>
+              <a:t>pY</a:t>
+            </a:r>
+            <a:endParaRPr lang="ko-KR" altLang="en-US" sz="1600" dirty="0" err="1" smtClean="0"/>
+          </a:p>
+        </p:txBody>
+      </p:sp>
+      <p:cxnSp>
+        <p:nvCxnSpPr>
+          <p:cNvPr id="28" name="직선 연결선 27"/>
+          <p:cNvCxnSpPr>
+            <a:stCxn id="10" idx="2"/>
+            <a:endCxn id="10" idx="6"/>
+          </p:cNvCxnSpPr>
+          <p:nvPr/>
+        </p:nvCxnSpPr>
+        <p:spPr bwMode="auto">
+          <a:xfrm>
+            <a:off x="1451595" y="4918954"/>
+            <a:ext cx="2952328" cy="0"/>
+          </a:xfrm>
+          <a:prstGeom prst="line">
+            <a:avLst/>
+          </a:prstGeom>
+          <a:solidFill>
+            <a:schemeClr val="accent1"/>
+          </a:solidFill>
+          <a:ln w="9525" cap="flat" cmpd="sng" algn="ctr">
+            <a:solidFill>
+              <a:schemeClr val="tx1"/>
+            </a:solidFill>
+            <a:prstDash val="solid"/>
+            <a:round/>
+            <a:headEnd type="none" w="med" len="med"/>
+            <a:tailEnd type="none" w="med" len="med"/>
+          </a:ln>
+          <a:effectLst/>
+          <a:extLst>
+            <a:ext uri="{AF507438-7753-43E0-B8FC-AC1667EBCBE1}">
+              <a14:hiddenEffects xmlns:a14="http://schemas.microsoft.com/office/drawing/2010/main">
+                <a:effectLst>
+                  <a:outerShdw dist="35921" dir="2700000" algn="ctr" rotWithShape="0">
+                    <a:schemeClr val="bg2"/>
+                  </a:outerShdw>
+                </a:effectLst>
+              </a14:hiddenEffects>
+            </a:ext>
+          </a:extLst>
+        </p:spPr>
+      </p:cxnSp>
+      <p:cxnSp>
+        <p:nvCxnSpPr>
+          <p:cNvPr id="29" name="직선 연결선 28"/>
+          <p:cNvCxnSpPr>
+            <a:stCxn id="24" idx="4"/>
+          </p:cNvCxnSpPr>
+          <p:nvPr/>
+        </p:nvCxnSpPr>
+        <p:spPr bwMode="auto">
+          <a:xfrm>
+            <a:off x="3775837" y="3766827"/>
+            <a:ext cx="0" cy="1152127"/>
+          </a:xfrm>
+          <a:prstGeom prst="line">
+            <a:avLst/>
+          </a:prstGeom>
+          <a:solidFill>
+            <a:schemeClr val="accent1"/>
+          </a:solidFill>
+          <a:ln w="9525" cap="flat" cmpd="sng" algn="ctr">
+            <a:solidFill>
+              <a:schemeClr val="tx1"/>
+            </a:solidFill>
+            <a:prstDash val="solid"/>
+            <a:round/>
+            <a:headEnd type="none" w="med" len="med"/>
+            <a:tailEnd type="none" w="med" len="med"/>
+          </a:ln>
+          <a:effectLst/>
+          <a:extLst>
+            <a:ext uri="{AF507438-7753-43E0-B8FC-AC1667EBCBE1}">
+              <a14:hiddenEffects xmlns:a14="http://schemas.microsoft.com/office/drawing/2010/main">
+                <a:effectLst>
+                  <a:outerShdw dist="35921" dir="2700000" algn="ctr" rotWithShape="0">
+                    <a:schemeClr val="bg2"/>
+                  </a:outerShdw>
+                </a:effectLst>
+              </a14:hiddenEffects>
+            </a:ext>
+          </a:extLst>
+        </p:spPr>
+      </p:cxnSp>
+      <p:cxnSp>
+        <p:nvCxnSpPr>
+          <p:cNvPr id="33" name="직선 연결선 32"/>
+          <p:cNvCxnSpPr>
+            <a:endCxn id="24" idx="2"/>
+          </p:cNvCxnSpPr>
+          <p:nvPr/>
+        </p:nvCxnSpPr>
+        <p:spPr bwMode="auto">
+          <a:xfrm>
+            <a:off x="2923790" y="3658815"/>
+            <a:ext cx="764021" cy="0"/>
+          </a:xfrm>
+          <a:prstGeom prst="line">
+            <a:avLst/>
+          </a:prstGeom>
+          <a:solidFill>
+            <a:schemeClr val="accent1"/>
+          </a:solidFill>
+          <a:ln w="9525" cap="flat" cmpd="sng" algn="ctr">
+            <a:solidFill>
+              <a:schemeClr val="tx1"/>
+            </a:solidFill>
+            <a:prstDash val="solid"/>
+            <a:round/>
+            <a:headEnd type="none" w="med" len="med"/>
+            <a:tailEnd type="none" w="med" len="med"/>
+          </a:ln>
+          <a:effectLst/>
+          <a:extLst>
+            <a:ext uri="{AF507438-7753-43E0-B8FC-AC1667EBCBE1}">
+              <a14:hiddenEffects xmlns:a14="http://schemas.microsoft.com/office/drawing/2010/main">
+                <a:effectLst>
+                  <a:outerShdw dist="35921" dir="2700000" algn="ctr" rotWithShape="0">
+                    <a:schemeClr val="bg2"/>
+                  </a:outerShdw>
+                </a:effectLst>
+              </a14:hiddenEffects>
+            </a:ext>
+          </a:extLst>
+        </p:spPr>
+      </p:cxnSp>
+      <p:sp>
+        <p:nvSpPr>
+          <p:cNvPr id="37" name="왼쪽 중괄호 36"/>
+          <p:cNvSpPr/>
+          <p:nvPr/>
+        </p:nvSpPr>
+        <p:spPr bwMode="auto">
+          <a:xfrm>
+            <a:off x="2675731" y="3658815"/>
+            <a:ext cx="137951" cy="1224135"/>
+          </a:xfrm>
+          <a:prstGeom prst="leftBrace">
+            <a:avLst/>
+          </a:prstGeom>
+          <a:noFill/>
+          <a:ln w="19050" cap="flat" cmpd="sng" algn="ctr">
+            <a:solidFill>
+              <a:srgbClr val="FF0000"/>
+            </a:solidFill>
+            <a:prstDash val="solid"/>
+            <a:round/>
+            <a:headEnd type="none" w="med" len="med"/>
+            <a:tailEnd type="none" w="med" len="med"/>
+          </a:ln>
+          <a:effectLst/>
+          <a:extLst/>
+        </p:spPr>
+        <p:txBody>
+          <a:bodyPr vert="horz" wrap="square" lIns="91440" tIns="45720" rIns="91440" bIns="45720" numCol="1" rtlCol="0" anchor="t" anchorCtr="0" compatLnSpc="1">
+            <a:prstTxWarp prst="textNoShape">
+              <a:avLst/>
+            </a:prstTxWarp>
+          </a:bodyPr>
+          <a:lstStyle/>
+          <a:p>
+            <a:pPr marL="0" marR="0" indent="0" algn="l" defTabSz="914400" rtl="0" eaLnBrk="1" fontAlgn="base" latinLnBrk="0" hangingPunct="1">
+              <a:lnSpc>
+                <a:spcPct val="100000"/>
+              </a:lnSpc>
+              <a:spcBef>
+                <a:spcPct val="0"/>
+              </a:spcBef>
+              <a:spcAft>
+                <a:spcPct val="0"/>
+              </a:spcAft>
+              <a:buClrTx/>
+              <a:buSzTx/>
+              <a:buFontTx/>
+              <a:buNone/>
+              <a:tabLst/>
+            </a:pPr>
+            <a:endParaRPr kumimoji="0" lang="ko-KR" altLang="en-US" sz="2400" b="0" i="0" u="none" strike="noStrike" cap="none" normalizeH="0" baseline="0" smtClean="0">
+              <a:ln>
+                <a:noFill/>
+              </a:ln>
+              <a:solidFill>
+                <a:schemeClr val="tx1"/>
+              </a:solidFill>
+              <a:effectLst/>
+              <a:latin typeface="Arial" charset="0"/>
+            </a:endParaRPr>
+          </a:p>
+        </p:txBody>
+      </p:sp>
+      <p:sp>
+        <p:nvSpPr>
+          <p:cNvPr id="38" name="왼쪽 중괄호 37"/>
+          <p:cNvSpPr/>
+          <p:nvPr/>
+        </p:nvSpPr>
+        <p:spPr bwMode="auto">
+          <a:xfrm rot="16200000">
+            <a:off x="3180475" y="4809840"/>
+            <a:ext cx="371170" cy="686279"/>
+          </a:xfrm>
+          <a:prstGeom prst="leftBrace">
+            <a:avLst>
+              <a:gd name="adj1" fmla="val 19660"/>
+              <a:gd name="adj2" fmla="val 50000"/>
+            </a:avLst>
+          </a:prstGeom>
+          <a:noFill/>
+          <a:ln w="19050" cap="flat" cmpd="sng" algn="ctr">
+            <a:solidFill>
+              <a:srgbClr val="FF0000"/>
+            </a:solidFill>
+            <a:prstDash val="solid"/>
+            <a:round/>
+            <a:headEnd type="none" w="med" len="med"/>
+            <a:tailEnd type="none" w="med" len="med"/>
+          </a:ln>
+          <a:effectLst/>
+          <a:extLst/>
+        </p:spPr>
+        <p:txBody>
+          <a:bodyPr vert="horz" wrap="square" lIns="91440" tIns="45720" rIns="91440" bIns="45720" numCol="1" rtlCol="0" anchor="t" anchorCtr="0" compatLnSpc="1">
+            <a:prstTxWarp prst="textNoShape">
+              <a:avLst/>
+            </a:prstTxWarp>
+          </a:bodyPr>
+          <a:lstStyle/>
+          <a:p>
+            <a:pPr marL="0" marR="0" indent="0" algn="l" defTabSz="914400" rtl="0" eaLnBrk="1" fontAlgn="base" latinLnBrk="0" hangingPunct="1">
+              <a:lnSpc>
+                <a:spcPct val="100000"/>
+              </a:lnSpc>
+              <a:spcBef>
+                <a:spcPct val="0"/>
+              </a:spcBef>
+              <a:spcAft>
+                <a:spcPct val="0"/>
+              </a:spcAft>
+              <a:buClrTx/>
+              <a:buSzTx/>
+              <a:buFontTx/>
+              <a:buNone/>
+              <a:tabLst/>
+            </a:pPr>
+            <a:endParaRPr kumimoji="0" lang="ko-KR" altLang="en-US" sz="2400" b="0" i="0" u="none" strike="noStrike" cap="none" normalizeH="0" baseline="0" smtClean="0">
+              <a:ln>
+                <a:noFill/>
+              </a:ln>
+              <a:solidFill>
+                <a:schemeClr val="tx1"/>
+              </a:solidFill>
+              <a:effectLst/>
+              <a:latin typeface="Arial" charset="0"/>
+            </a:endParaRPr>
+          </a:p>
+        </p:txBody>
+      </p:sp>
+      <p:sp>
+        <p:nvSpPr>
+          <p:cNvPr id="40" name="원호 39"/>
+          <p:cNvSpPr/>
+          <p:nvPr/>
+        </p:nvSpPr>
+        <p:spPr bwMode="auto">
+          <a:xfrm>
+            <a:off x="2744706" y="4451620"/>
+            <a:ext cx="359232" cy="321869"/>
+          </a:xfrm>
+          <a:prstGeom prst="arc">
+            <a:avLst/>
+          </a:prstGeom>
+          <a:solidFill>
+            <a:schemeClr val="accent1"/>
+          </a:solidFill>
+          <a:ln w="9525" cap="flat" cmpd="sng" algn="ctr">
+            <a:solidFill>
+              <a:schemeClr val="tx1"/>
+            </a:solidFill>
+            <a:prstDash val="solid"/>
+            <a:round/>
+            <a:headEnd type="none" w="med" len="med"/>
+            <a:tailEnd type="none" w="med" len="med"/>
+          </a:ln>
+          <a:effectLst/>
+          <a:extLst>
+            <a:ext uri="{AF507438-7753-43E0-B8FC-AC1667EBCBE1}">
+              <a14:hiddenEffects xmlns:a14="http://schemas.microsoft.com/office/drawing/2010/main">
+                <a:effectLst>
+                  <a:outerShdw dist="35921" dir="2700000" algn="ctr" rotWithShape="0">
+                    <a:schemeClr val="bg2"/>
+                  </a:outerShdw>
+                </a:effectLst>
+              </a14:hiddenEffects>
+            </a:ext>
+          </a:extLst>
+        </p:spPr>
+        <p:txBody>
+          <a:bodyPr vert="horz" wrap="square" lIns="91440" tIns="45720" rIns="91440" bIns="45720" numCol="1" rtlCol="0" anchor="t" anchorCtr="0" compatLnSpc="1">
+            <a:prstTxWarp prst="textNoShape">
+              <a:avLst/>
+            </a:prstTxWarp>
+          </a:bodyPr>
+          <a:lstStyle/>
+          <a:p>
+            <a:pPr marL="0" marR="0" indent="0" algn="l" defTabSz="914400" rtl="0" eaLnBrk="1" fontAlgn="base" latinLnBrk="0" hangingPunct="1">
+              <a:lnSpc>
+                <a:spcPct val="100000"/>
+              </a:lnSpc>
+              <a:spcBef>
+                <a:spcPct val="0"/>
+              </a:spcBef>
+              <a:spcAft>
+                <a:spcPct val="0"/>
+              </a:spcAft>
+              <a:buClrTx/>
+              <a:buSzTx/>
+              <a:buFontTx/>
+              <a:buNone/>
+              <a:tabLst/>
+            </a:pPr>
+            <a:endParaRPr kumimoji="0" lang="ko-KR" altLang="en-US" sz="2400" b="0" i="0" u="none" strike="noStrike" cap="none" normalizeH="0" baseline="0" smtClean="0">
+              <a:ln>
+                <a:noFill/>
+              </a:ln>
+              <a:solidFill>
+                <a:schemeClr val="tx1"/>
+              </a:solidFill>
+              <a:effectLst/>
+              <a:latin typeface="Arial" charset="0"/>
+            </a:endParaRPr>
+          </a:p>
+        </p:txBody>
+      </p:sp>
+      <p:sp>
+        <p:nvSpPr>
+          <p:cNvPr id="43" name="TextBox 42"/>
+          <p:cNvSpPr txBox="1"/>
+          <p:nvPr/>
+        </p:nvSpPr>
+        <p:spPr>
+          <a:xfrm>
+            <a:off x="2234349" y="4945124"/>
+            <a:ext cx="714162" cy="366835"/>
+          </a:xfrm>
+          <a:prstGeom prst="rect">
+            <a:avLst/>
+          </a:prstGeom>
+          <a:noFill/>
+          <a:ln>
+            <a:noFill/>
+          </a:ln>
+        </p:spPr>
+        <p:txBody>
+          <a:bodyPr wrap="none" rtlCol="0" anchor="ctr">
+            <a:noAutofit/>
+          </a:bodyPr>
+          <a:lstStyle/>
+          <a:p>
+            <a:pPr algn="ctr"/>
+            <a:r>
+              <a:rPr lang="en-US" altLang="ko-KR" sz="1600" dirty="0" err="1" smtClean="0"/>
+              <a:t>cX</a:t>
+            </a:r>
+            <a:r>
+              <a:rPr lang="en-US" altLang="ko-KR" sz="1600" dirty="0" smtClean="0"/>
+              <a:t>, </a:t>
+            </a:r>
+            <a:r>
+              <a:rPr lang="en-US" altLang="ko-KR" sz="1600" dirty="0" err="1" smtClean="0"/>
+              <a:t>cY</a:t>
+            </a:r>
+            <a:endParaRPr lang="ko-KR" altLang="en-US" sz="1600" dirty="0" err="1" smtClean="0"/>
+          </a:p>
+        </p:txBody>
+      </p:sp>
+      <p:sp>
+        <p:nvSpPr>
+          <p:cNvPr id="44" name="타원 43"/>
+          <p:cNvSpPr/>
+          <p:nvPr/>
+        </p:nvSpPr>
+        <p:spPr bwMode="auto">
+          <a:xfrm>
+            <a:off x="2834623" y="4770569"/>
+            <a:ext cx="176052" cy="216024"/>
+          </a:xfrm>
+          <a:prstGeom prst="ellipse">
+            <a:avLst/>
+          </a:prstGeom>
+          <a:solidFill>
+            <a:srgbClr val="00B0F0"/>
+          </a:solidFill>
+          <a:ln w="9525" cap="flat" cmpd="sng" algn="ctr">
+            <a:solidFill>
+              <a:schemeClr val="accent3">
+                <a:lumMod val="75000"/>
+              </a:schemeClr>
+            </a:solidFill>
+            <a:prstDash val="solid"/>
+            <a:round/>
+            <a:headEnd type="none" w="med" len="med"/>
+            <a:tailEnd type="none" w="med" len="med"/>
+          </a:ln>
+          <a:effectLst/>
+        </p:spPr>
+        <p:txBody>
+          <a:bodyPr vert="horz" wrap="square" lIns="91440" tIns="45720" rIns="91440" bIns="45720" numCol="1" rtlCol="0" anchor="ctr" anchorCtr="0" compatLnSpc="1">
+            <a:prstTxWarp prst="textNoShape">
+              <a:avLst/>
+            </a:prstTxWarp>
+          </a:bodyPr>
+          <a:lstStyle/>
+          <a:p>
+            <a:pPr marL="0" marR="0" indent="0" algn="ctr" defTabSz="914400" rtl="0" eaLnBrk="1" fontAlgn="base" latinLnBrk="0" hangingPunct="1">
+              <a:lnSpc>
+                <a:spcPct val="100000"/>
+              </a:lnSpc>
+              <a:spcBef>
+                <a:spcPct val="0"/>
+              </a:spcBef>
+              <a:spcAft>
+                <a:spcPct val="0"/>
+              </a:spcAft>
+              <a:buClrTx/>
+              <a:buSzTx/>
+              <a:buFontTx/>
+              <a:buNone/>
+              <a:tabLst/>
+            </a:pPr>
+            <a:endParaRPr kumimoji="0" lang="ko-KR" altLang="en-US" sz="1400" b="0" i="0" u="none" strike="noStrike" cap="none" normalizeH="0" baseline="0" smtClean="0">
+              <a:ln>
+                <a:noFill/>
+              </a:ln>
+              <a:solidFill>
+                <a:schemeClr val="tx1"/>
+              </a:solidFill>
+              <a:effectLst/>
+              <a:latin typeface="Arial" charset="0"/>
+            </a:endParaRPr>
+          </a:p>
+        </p:txBody>
+      </p:sp>
+      <p:cxnSp>
+        <p:nvCxnSpPr>
+          <p:cNvPr id="45" name="직선 연결선 44"/>
+          <p:cNvCxnSpPr/>
+          <p:nvPr/>
+        </p:nvCxnSpPr>
+        <p:spPr bwMode="auto">
+          <a:xfrm>
+            <a:off x="826765" y="3088332"/>
+            <a:ext cx="3484022" cy="30422"/>
+          </a:xfrm>
+          <a:prstGeom prst="line">
+            <a:avLst/>
+          </a:prstGeom>
+          <a:solidFill>
+            <a:schemeClr val="accent1"/>
+          </a:solidFill>
+          <a:ln w="9525" cap="flat" cmpd="sng" algn="ctr">
+            <a:solidFill>
+              <a:schemeClr val="tx1"/>
+            </a:solidFill>
+            <a:prstDash val="solid"/>
+            <a:round/>
+            <a:headEnd type="none" w="med" len="med"/>
+            <a:tailEnd type="none" w="med" len="med"/>
+          </a:ln>
+          <a:effectLst/>
+          <a:extLst>
+            <a:ext uri="{AF507438-7753-43E0-B8FC-AC1667EBCBE1}">
+              <a14:hiddenEffects xmlns:a14="http://schemas.microsoft.com/office/drawing/2010/main">
+                <a:effectLst>
+                  <a:outerShdw dist="35921" dir="2700000" algn="ctr" rotWithShape="0">
+                    <a:schemeClr val="bg2"/>
+                  </a:outerShdw>
+                </a:effectLst>
+              </a14:hiddenEffects>
+            </a:ext>
+          </a:extLst>
+        </p:spPr>
+      </p:cxnSp>
+      <p:cxnSp>
+        <p:nvCxnSpPr>
+          <p:cNvPr id="48" name="직선 연결선 47"/>
+          <p:cNvCxnSpPr/>
+          <p:nvPr/>
+        </p:nvCxnSpPr>
+        <p:spPr bwMode="auto">
+          <a:xfrm>
+            <a:off x="826765" y="3074507"/>
+            <a:ext cx="0" cy="3460258"/>
+          </a:xfrm>
+          <a:prstGeom prst="line">
+            <a:avLst/>
+          </a:prstGeom>
+          <a:solidFill>
+            <a:schemeClr val="accent1"/>
+          </a:solidFill>
+          <a:ln w="9525" cap="flat" cmpd="sng" algn="ctr">
+            <a:solidFill>
+              <a:schemeClr val="tx1"/>
+            </a:solidFill>
+            <a:prstDash val="solid"/>
+            <a:round/>
+            <a:headEnd type="none" w="med" len="med"/>
+            <a:tailEnd type="none" w="med" len="med"/>
+          </a:ln>
+          <a:effectLst/>
+          <a:extLst>
+            <a:ext uri="{AF507438-7753-43E0-B8FC-AC1667EBCBE1}">
+              <a14:hiddenEffects xmlns:a14="http://schemas.microsoft.com/office/drawing/2010/main">
+                <a:effectLst>
+                  <a:outerShdw dist="35921" dir="2700000" algn="ctr" rotWithShape="0">
+                    <a:schemeClr val="bg2"/>
+                  </a:outerShdw>
+                </a:effectLst>
+              </a14:hiddenEffects>
+            </a:ext>
+          </a:extLst>
+        </p:spPr>
+      </p:cxnSp>
+      <p:sp>
+        <p:nvSpPr>
+          <p:cNvPr id="51" name="타원 50"/>
+          <p:cNvSpPr/>
+          <p:nvPr/>
+        </p:nvSpPr>
+        <p:spPr bwMode="auto">
+          <a:xfrm>
+            <a:off x="5986370" y="3550803"/>
+            <a:ext cx="2690067" cy="2561865"/>
+          </a:xfrm>
+          <a:prstGeom prst="ellipse">
+            <a:avLst/>
+          </a:prstGeom>
+          <a:solidFill>
+            <a:schemeClr val="accent3">
+              <a:lumMod val="20000"/>
+              <a:lumOff val="80000"/>
+            </a:schemeClr>
+          </a:solidFill>
+          <a:ln w="9525" cap="flat" cmpd="sng" algn="ctr">
+            <a:solidFill>
+              <a:schemeClr val="accent3">
+                <a:lumMod val="75000"/>
+              </a:schemeClr>
+            </a:solidFill>
+            <a:prstDash val="solid"/>
+            <a:round/>
+            <a:headEnd type="none" w="med" len="med"/>
+            <a:tailEnd type="none" w="med" len="med"/>
+          </a:ln>
+          <a:effectLst/>
+        </p:spPr>
+        <p:txBody>
+          <a:bodyPr vert="horz" wrap="square" lIns="91440" tIns="45720" rIns="91440" bIns="45720" numCol="1" rtlCol="0" anchor="ctr" anchorCtr="0" compatLnSpc="1">
+            <a:prstTxWarp prst="textNoShape">
+              <a:avLst/>
+            </a:prstTxWarp>
+          </a:bodyPr>
+          <a:lstStyle/>
+          <a:p>
+            <a:pPr marL="0" marR="0" indent="0" algn="ctr" defTabSz="914400" rtl="0" eaLnBrk="1" fontAlgn="base" latinLnBrk="0" hangingPunct="1">
+              <a:lnSpc>
+                <a:spcPct val="100000"/>
+              </a:lnSpc>
+              <a:spcBef>
+                <a:spcPct val="0"/>
+              </a:spcBef>
+              <a:spcAft>
+                <a:spcPct val="0"/>
+              </a:spcAft>
+              <a:buClrTx/>
+              <a:buSzTx/>
+              <a:buFontTx/>
+              <a:buNone/>
+              <a:tabLst/>
+            </a:pPr>
+            <a:endParaRPr kumimoji="0" lang="ko-KR" altLang="en-US" sz="1400" b="0" i="0" u="none" strike="noStrike" cap="none" normalizeH="0" baseline="0" smtClean="0">
+              <a:ln>
+                <a:noFill/>
+              </a:ln>
+              <a:solidFill>
+                <a:schemeClr val="tx1"/>
+              </a:solidFill>
+              <a:effectLst/>
+              <a:latin typeface="Arial" charset="0"/>
+            </a:endParaRPr>
+          </a:p>
+        </p:txBody>
+      </p:sp>
+      <p:sp>
+        <p:nvSpPr>
+          <p:cNvPr id="52" name="직사각형 51"/>
+          <p:cNvSpPr/>
+          <p:nvPr/>
+        </p:nvSpPr>
+        <p:spPr bwMode="auto">
+          <a:xfrm rot="3193845">
+            <a:off x="6317333" y="4270882"/>
+            <a:ext cx="1944216" cy="1152128"/>
+          </a:xfrm>
+          <a:prstGeom prst="rect">
+            <a:avLst/>
+          </a:prstGeom>
+          <a:solidFill>
+            <a:schemeClr val="accent3">
+              <a:lumMod val="20000"/>
+              <a:lumOff val="80000"/>
+            </a:schemeClr>
+          </a:solidFill>
+          <a:ln w="57150" cap="flat" cmpd="sng" algn="ctr">
+            <a:solidFill>
+              <a:srgbClr val="00B0F0"/>
+            </a:solidFill>
+            <a:prstDash val="solid"/>
+            <a:round/>
+            <a:headEnd type="none" w="med" len="med"/>
+            <a:tailEnd type="none" w="med" len="med"/>
+          </a:ln>
+          <a:effectLst/>
+        </p:spPr>
+        <p:txBody>
+          <a:bodyPr vert="horz" wrap="square" lIns="91440" tIns="45720" rIns="91440" bIns="45720" numCol="1" rtlCol="0" anchor="ctr" anchorCtr="0" compatLnSpc="1">
+            <a:prstTxWarp prst="textNoShape">
+              <a:avLst/>
+            </a:prstTxWarp>
+          </a:bodyPr>
+          <a:lstStyle/>
+          <a:p>
+            <a:pPr marL="0" marR="0" indent="0" algn="ctr" defTabSz="914400" rtl="0" eaLnBrk="1" fontAlgn="base" latinLnBrk="0" hangingPunct="1">
+              <a:lnSpc>
+                <a:spcPct val="100000"/>
+              </a:lnSpc>
+              <a:spcBef>
+                <a:spcPct val="0"/>
+              </a:spcBef>
+              <a:spcAft>
+                <a:spcPct val="0"/>
+              </a:spcAft>
+              <a:buClrTx/>
+              <a:buSzTx/>
+              <a:buFontTx/>
+              <a:buNone/>
+              <a:tabLst/>
+            </a:pPr>
+            <a:endParaRPr kumimoji="0" lang="ko-KR" altLang="en-US" sz="1400" b="0" i="0" u="none" strike="noStrike" cap="none" normalizeH="0" baseline="0" smtClean="0">
+              <a:ln>
+                <a:noFill/>
+              </a:ln>
+              <a:solidFill>
+                <a:schemeClr val="tx1"/>
+              </a:solidFill>
+              <a:effectLst/>
+              <a:latin typeface="Arial" charset="0"/>
+            </a:endParaRPr>
+          </a:p>
+        </p:txBody>
+      </p:sp>
+      <p:cxnSp>
+        <p:nvCxnSpPr>
+          <p:cNvPr id="53" name="직선 연결선 52"/>
+          <p:cNvCxnSpPr>
+            <a:stCxn id="51" idx="0"/>
+          </p:cNvCxnSpPr>
+          <p:nvPr/>
+        </p:nvCxnSpPr>
+        <p:spPr bwMode="auto">
+          <a:xfrm flipH="1">
+            <a:off x="7289442" y="3550803"/>
+            <a:ext cx="41962" cy="1296143"/>
+          </a:xfrm>
+          <a:prstGeom prst="line">
+            <a:avLst/>
+          </a:prstGeom>
+          <a:solidFill>
+            <a:schemeClr val="accent1"/>
+          </a:solidFill>
+          <a:ln w="28575" cap="flat" cmpd="sng" algn="ctr">
+            <a:solidFill>
+              <a:schemeClr val="tx1"/>
+            </a:solidFill>
+            <a:prstDash val="solid"/>
+            <a:round/>
+            <a:headEnd type="none" w="med" len="med"/>
+            <a:tailEnd type="none" w="med" len="med"/>
+          </a:ln>
+          <a:effectLst/>
+          <a:extLst>
+            <a:ext uri="{AF507438-7753-43E0-B8FC-AC1667EBCBE1}">
+              <a14:hiddenEffects xmlns:a14="http://schemas.microsoft.com/office/drawing/2010/main">
+                <a:effectLst>
+                  <a:outerShdw dist="35921" dir="2700000" algn="ctr" rotWithShape="0">
+                    <a:schemeClr val="bg2"/>
+                  </a:outerShdw>
+                </a:effectLst>
+              </a14:hiddenEffects>
+            </a:ext>
+          </a:extLst>
+        </p:spPr>
+      </p:cxnSp>
+      <p:cxnSp>
+        <p:nvCxnSpPr>
+          <p:cNvPr id="54" name="직선 연결선 53"/>
+          <p:cNvCxnSpPr>
+            <a:stCxn id="55" idx="3"/>
+            <a:endCxn id="64" idx="7"/>
+          </p:cNvCxnSpPr>
+          <p:nvPr/>
+        </p:nvCxnSpPr>
+        <p:spPr bwMode="auto">
+          <a:xfrm flipH="1">
+            <a:off x="7350544" y="4071662"/>
+            <a:ext cx="847551" cy="694539"/>
+          </a:xfrm>
+          <a:prstGeom prst="line">
+            <a:avLst/>
+          </a:prstGeom>
+          <a:solidFill>
+            <a:schemeClr val="accent1"/>
+          </a:solidFill>
+          <a:ln w="9525" cap="flat" cmpd="sng" algn="ctr">
+            <a:solidFill>
+              <a:schemeClr val="tx1"/>
+            </a:solidFill>
+            <a:prstDash val="solid"/>
+            <a:round/>
+            <a:headEnd type="none" w="med" len="med"/>
+            <a:tailEnd type="none" w="med" len="med"/>
+          </a:ln>
+          <a:effectLst/>
+          <a:extLst>
+            <a:ext uri="{AF507438-7753-43E0-B8FC-AC1667EBCBE1}">
+              <a14:hiddenEffects xmlns:a14="http://schemas.microsoft.com/office/drawing/2010/main">
+                <a:effectLst>
+                  <a:outerShdw dist="35921" dir="2700000" algn="ctr" rotWithShape="0">
+                    <a:schemeClr val="bg2"/>
+                  </a:outerShdw>
+                </a:effectLst>
+              </a14:hiddenEffects>
+            </a:ext>
+          </a:extLst>
+        </p:spPr>
+      </p:cxnSp>
+      <p:sp>
+        <p:nvSpPr>
+          <p:cNvPr id="55" name="타원 54"/>
+          <p:cNvSpPr/>
+          <p:nvPr/>
+        </p:nvSpPr>
+        <p:spPr bwMode="auto">
+          <a:xfrm>
+            <a:off x="8172313" y="3887274"/>
+            <a:ext cx="176052" cy="216024"/>
+          </a:xfrm>
+          <a:prstGeom prst="ellipse">
+            <a:avLst/>
+          </a:prstGeom>
+          <a:solidFill>
+            <a:srgbClr val="FF0000"/>
+          </a:solidFill>
+          <a:ln w="9525" cap="flat" cmpd="sng" algn="ctr">
+            <a:solidFill>
+              <a:schemeClr val="accent3">
+                <a:lumMod val="75000"/>
+              </a:schemeClr>
+            </a:solidFill>
+            <a:prstDash val="solid"/>
+            <a:round/>
+            <a:headEnd type="none" w="med" len="med"/>
+            <a:tailEnd type="none" w="med" len="med"/>
+          </a:ln>
+          <a:effectLst/>
+        </p:spPr>
+        <p:txBody>
+          <a:bodyPr vert="horz" wrap="square" lIns="91440" tIns="45720" rIns="91440" bIns="45720" numCol="1" rtlCol="0" anchor="ctr" anchorCtr="0" compatLnSpc="1">
+            <a:prstTxWarp prst="textNoShape">
+              <a:avLst/>
+            </a:prstTxWarp>
+          </a:bodyPr>
+          <a:lstStyle/>
+          <a:p>
+            <a:pPr marL="0" marR="0" indent="0" algn="ctr" defTabSz="914400" rtl="0" eaLnBrk="1" fontAlgn="base" latinLnBrk="0" hangingPunct="1">
+              <a:lnSpc>
+                <a:spcPct val="100000"/>
+              </a:lnSpc>
+              <a:spcBef>
+                <a:spcPct val="0"/>
+              </a:spcBef>
+              <a:spcAft>
+                <a:spcPct val="0"/>
+              </a:spcAft>
+              <a:buClrTx/>
+              <a:buSzTx/>
+              <a:buFontTx/>
+              <a:buNone/>
+              <a:tabLst/>
+            </a:pPr>
+            <a:endParaRPr kumimoji="0" lang="ko-KR" altLang="en-US" sz="1400" b="0" i="0" u="none" strike="noStrike" cap="none" normalizeH="0" baseline="0" smtClean="0">
+              <a:ln>
+                <a:noFill/>
+              </a:ln>
+              <a:solidFill>
+                <a:schemeClr val="tx1"/>
+              </a:solidFill>
+              <a:effectLst/>
+              <a:latin typeface="Arial" charset="0"/>
+            </a:endParaRPr>
+          </a:p>
+        </p:txBody>
+      </p:sp>
+      <p:sp>
+        <p:nvSpPr>
+          <p:cNvPr id="56" name="TextBox 55"/>
+          <p:cNvSpPr txBox="1"/>
+          <p:nvPr/>
+        </p:nvSpPr>
+        <p:spPr>
+          <a:xfrm>
+            <a:off x="8200971" y="3611998"/>
+            <a:ext cx="714162" cy="366835"/>
+          </a:xfrm>
+          <a:prstGeom prst="rect">
+            <a:avLst/>
+          </a:prstGeom>
+          <a:noFill/>
+          <a:ln>
+            <a:noFill/>
+          </a:ln>
+        </p:spPr>
+        <p:txBody>
+          <a:bodyPr wrap="none" rtlCol="0" anchor="ctr">
+            <a:noAutofit/>
+          </a:bodyPr>
+          <a:lstStyle/>
+          <a:p>
+            <a:pPr algn="ctr"/>
+            <a:r>
+              <a:rPr lang="en-US" altLang="ko-KR" sz="1600" dirty="0" smtClean="0"/>
+              <a:t>X, Y</a:t>
+            </a:r>
+            <a:endParaRPr lang="ko-KR" altLang="en-US" sz="1600" dirty="0" err="1" smtClean="0"/>
+          </a:p>
+        </p:txBody>
+      </p:sp>
+      <p:cxnSp>
+        <p:nvCxnSpPr>
+          <p:cNvPr id="57" name="직선 연결선 56"/>
+          <p:cNvCxnSpPr>
+            <a:stCxn id="51" idx="2"/>
+            <a:endCxn id="51" idx="6"/>
+          </p:cNvCxnSpPr>
+          <p:nvPr/>
+        </p:nvCxnSpPr>
+        <p:spPr bwMode="auto">
+          <a:xfrm>
+            <a:off x="5986370" y="4831736"/>
+            <a:ext cx="2690067" cy="0"/>
+          </a:xfrm>
+          <a:prstGeom prst="line">
+            <a:avLst/>
+          </a:prstGeom>
+          <a:solidFill>
+            <a:schemeClr val="accent1"/>
+          </a:solidFill>
+          <a:ln w="9525" cap="flat" cmpd="sng" algn="ctr">
+            <a:solidFill>
+              <a:schemeClr val="tx1"/>
+            </a:solidFill>
+            <a:prstDash val="solid"/>
+            <a:round/>
+            <a:headEnd type="none" w="med" len="med"/>
+            <a:tailEnd type="none" w="med" len="med"/>
+          </a:ln>
+          <a:effectLst/>
+          <a:extLst>
+            <a:ext uri="{AF507438-7753-43E0-B8FC-AC1667EBCBE1}">
+              <a14:hiddenEffects xmlns:a14="http://schemas.microsoft.com/office/drawing/2010/main">
+                <a:effectLst>
+                  <a:outerShdw dist="35921" dir="2700000" algn="ctr" rotWithShape="0">
+                    <a:schemeClr val="bg2"/>
+                  </a:outerShdw>
+                </a:effectLst>
+              </a14:hiddenEffects>
+            </a:ext>
+          </a:extLst>
+        </p:spPr>
+      </p:cxnSp>
+      <p:cxnSp>
+        <p:nvCxnSpPr>
+          <p:cNvPr id="58" name="직선 연결선 57"/>
+          <p:cNvCxnSpPr>
+            <a:stCxn id="55" idx="4"/>
+          </p:cNvCxnSpPr>
+          <p:nvPr/>
+        </p:nvCxnSpPr>
+        <p:spPr bwMode="auto">
+          <a:xfrm>
+            <a:off x="8260339" y="4103298"/>
+            <a:ext cx="42352" cy="743648"/>
+          </a:xfrm>
+          <a:prstGeom prst="line">
+            <a:avLst/>
+          </a:prstGeom>
+          <a:solidFill>
+            <a:schemeClr val="accent1"/>
+          </a:solidFill>
+          <a:ln w="9525" cap="flat" cmpd="sng" algn="ctr">
+            <a:solidFill>
+              <a:schemeClr val="tx1"/>
+            </a:solidFill>
+            <a:prstDash val="solid"/>
+            <a:round/>
+            <a:headEnd type="none" w="med" len="med"/>
+            <a:tailEnd type="none" w="med" len="med"/>
+          </a:ln>
+          <a:effectLst/>
+          <a:extLst>
+            <a:ext uri="{AF507438-7753-43E0-B8FC-AC1667EBCBE1}">
+              <a14:hiddenEffects xmlns:a14="http://schemas.microsoft.com/office/drawing/2010/main">
+                <a:effectLst>
+                  <a:outerShdw dist="35921" dir="2700000" algn="ctr" rotWithShape="0">
+                    <a:schemeClr val="bg2"/>
+                  </a:outerShdw>
+                </a:effectLst>
+              </a14:hiddenEffects>
+            </a:ext>
+          </a:extLst>
+        </p:spPr>
+      </p:cxnSp>
+      <p:cxnSp>
+        <p:nvCxnSpPr>
+          <p:cNvPr id="59" name="직선 연결선 58"/>
+          <p:cNvCxnSpPr>
+            <a:endCxn id="55" idx="2"/>
+          </p:cNvCxnSpPr>
+          <p:nvPr/>
+        </p:nvCxnSpPr>
+        <p:spPr bwMode="auto">
+          <a:xfrm>
+            <a:off x="7408292" y="3995286"/>
+            <a:ext cx="764021" cy="0"/>
+          </a:xfrm>
+          <a:prstGeom prst="line">
+            <a:avLst/>
+          </a:prstGeom>
+          <a:solidFill>
+            <a:schemeClr val="accent1"/>
+          </a:solidFill>
+          <a:ln w="9525" cap="flat" cmpd="sng" algn="ctr">
+            <a:solidFill>
+              <a:schemeClr val="tx1"/>
+            </a:solidFill>
+            <a:prstDash val="solid"/>
+            <a:round/>
+            <a:headEnd type="none" w="med" len="med"/>
+            <a:tailEnd type="none" w="med" len="med"/>
+          </a:ln>
+          <a:effectLst/>
+          <a:extLst>
+            <a:ext uri="{AF507438-7753-43E0-B8FC-AC1667EBCBE1}">
+              <a14:hiddenEffects xmlns:a14="http://schemas.microsoft.com/office/drawing/2010/main">
+                <a:effectLst>
+                  <a:outerShdw dist="35921" dir="2700000" algn="ctr" rotWithShape="0">
+                    <a:schemeClr val="bg2"/>
+                  </a:outerShdw>
+                </a:effectLst>
+              </a14:hiddenEffects>
+            </a:ext>
+          </a:extLst>
+        </p:spPr>
+      </p:cxnSp>
+      <p:sp>
+        <p:nvSpPr>
+          <p:cNvPr id="60" name="왼쪽 중괄호 59"/>
+          <p:cNvSpPr/>
+          <p:nvPr/>
+        </p:nvSpPr>
+        <p:spPr bwMode="auto">
+          <a:xfrm>
+            <a:off x="7041382" y="3622811"/>
+            <a:ext cx="137951" cy="1224135"/>
+          </a:xfrm>
+          <a:prstGeom prst="leftBrace">
+            <a:avLst/>
+          </a:prstGeom>
+          <a:noFill/>
+          <a:ln w="19050" cap="flat" cmpd="sng" algn="ctr">
+            <a:solidFill>
+              <a:srgbClr val="FF0000"/>
+            </a:solidFill>
+            <a:prstDash val="solid"/>
+            <a:round/>
+            <a:headEnd type="none" w="med" len="med"/>
+            <a:tailEnd type="none" w="med" len="med"/>
+          </a:ln>
+          <a:effectLst/>
+          <a:extLst/>
+        </p:spPr>
+        <p:txBody>
+          <a:bodyPr vert="horz" wrap="square" lIns="91440" tIns="45720" rIns="91440" bIns="45720" numCol="1" rtlCol="0" anchor="t" anchorCtr="0" compatLnSpc="1">
+            <a:prstTxWarp prst="textNoShape">
+              <a:avLst/>
+            </a:prstTxWarp>
+          </a:bodyPr>
+          <a:lstStyle/>
+          <a:p>
+            <a:pPr marL="0" marR="0" indent="0" algn="l" defTabSz="914400" rtl="0" eaLnBrk="1" fontAlgn="base" latinLnBrk="0" hangingPunct="1">
+              <a:lnSpc>
+                <a:spcPct val="100000"/>
+              </a:lnSpc>
+              <a:spcBef>
+                <a:spcPct val="0"/>
+              </a:spcBef>
+              <a:spcAft>
+                <a:spcPct val="0"/>
+              </a:spcAft>
+              <a:buClrTx/>
+              <a:buSzTx/>
+              <a:buFontTx/>
+              <a:buNone/>
+              <a:tabLst/>
+            </a:pPr>
+            <a:endParaRPr kumimoji="0" lang="ko-KR" altLang="en-US" sz="2400" b="0" i="0" u="none" strike="noStrike" cap="none" normalizeH="0" baseline="0" smtClean="0">
+              <a:ln>
+                <a:noFill/>
+              </a:ln>
+              <a:solidFill>
+                <a:schemeClr val="tx1"/>
+              </a:solidFill>
+              <a:effectLst/>
+              <a:latin typeface="Arial" charset="0"/>
+            </a:endParaRPr>
+          </a:p>
+        </p:txBody>
+      </p:sp>
+      <p:sp>
+        <p:nvSpPr>
+          <p:cNvPr id="61" name="왼쪽 중괄호 60"/>
+          <p:cNvSpPr/>
+          <p:nvPr/>
+        </p:nvSpPr>
+        <p:spPr bwMode="auto">
+          <a:xfrm rot="16200000">
+            <a:off x="7546126" y="4773836"/>
+            <a:ext cx="371170" cy="686279"/>
+          </a:xfrm>
+          <a:prstGeom prst="leftBrace">
+            <a:avLst>
+              <a:gd name="adj1" fmla="val 19660"/>
+              <a:gd name="adj2" fmla="val 50000"/>
+            </a:avLst>
+          </a:prstGeom>
+          <a:noFill/>
+          <a:ln w="19050" cap="flat" cmpd="sng" algn="ctr">
+            <a:solidFill>
+              <a:srgbClr val="FF0000"/>
+            </a:solidFill>
+            <a:prstDash val="solid"/>
+            <a:round/>
+            <a:headEnd type="none" w="med" len="med"/>
+            <a:tailEnd type="none" w="med" len="med"/>
+          </a:ln>
+          <a:effectLst/>
+          <a:extLst/>
+        </p:spPr>
+        <p:txBody>
+          <a:bodyPr vert="horz" wrap="square" lIns="91440" tIns="45720" rIns="91440" bIns="45720" numCol="1" rtlCol="0" anchor="t" anchorCtr="0" compatLnSpc="1">
+            <a:prstTxWarp prst="textNoShape">
+              <a:avLst/>
+            </a:prstTxWarp>
+          </a:bodyPr>
+          <a:lstStyle/>
+          <a:p>
+            <a:pPr marL="0" marR="0" indent="0" algn="l" defTabSz="914400" rtl="0" eaLnBrk="1" fontAlgn="base" latinLnBrk="0" hangingPunct="1">
+              <a:lnSpc>
+                <a:spcPct val="100000"/>
+              </a:lnSpc>
+              <a:spcBef>
+                <a:spcPct val="0"/>
+              </a:spcBef>
+              <a:spcAft>
+                <a:spcPct val="0"/>
+              </a:spcAft>
+              <a:buClrTx/>
+              <a:buSzTx/>
+              <a:buFontTx/>
+              <a:buNone/>
+              <a:tabLst/>
+            </a:pPr>
+            <a:endParaRPr kumimoji="0" lang="ko-KR" altLang="en-US" sz="2400" b="0" i="0" u="none" strike="noStrike" cap="none" normalizeH="0" baseline="0" smtClean="0">
+              <a:ln>
+                <a:noFill/>
+              </a:ln>
+              <a:solidFill>
+                <a:schemeClr val="tx1"/>
+              </a:solidFill>
+              <a:effectLst/>
+              <a:latin typeface="Arial" charset="0"/>
+            </a:endParaRPr>
+          </a:p>
+        </p:txBody>
+      </p:sp>
+      <p:sp>
+        <p:nvSpPr>
+          <p:cNvPr id="62" name="원호 61"/>
+          <p:cNvSpPr/>
+          <p:nvPr/>
+        </p:nvSpPr>
+        <p:spPr bwMode="auto">
+          <a:xfrm>
+            <a:off x="7110357" y="4415616"/>
+            <a:ext cx="389910" cy="493504"/>
+          </a:xfrm>
+          <a:prstGeom prst="arc">
+            <a:avLst/>
+          </a:prstGeom>
+          <a:solidFill>
+            <a:schemeClr val="accent1"/>
+          </a:solidFill>
+          <a:ln w="9525" cap="flat" cmpd="sng" algn="ctr">
+            <a:solidFill>
+              <a:schemeClr val="tx1"/>
+            </a:solidFill>
+            <a:prstDash val="solid"/>
+            <a:round/>
+            <a:headEnd type="none" w="med" len="med"/>
+            <a:tailEnd type="none" w="med" len="med"/>
+          </a:ln>
+          <a:effectLst/>
+          <a:extLst>
+            <a:ext uri="{AF507438-7753-43E0-B8FC-AC1667EBCBE1}">
+              <a14:hiddenEffects xmlns:a14="http://schemas.microsoft.com/office/drawing/2010/main">
+                <a:effectLst>
+                  <a:outerShdw dist="35921" dir="2700000" algn="ctr" rotWithShape="0">
+                    <a:schemeClr val="bg2"/>
+                  </a:outerShdw>
+                </a:effectLst>
+              </a14:hiddenEffects>
+            </a:ext>
+          </a:extLst>
+        </p:spPr>
+        <p:txBody>
+          <a:bodyPr vert="horz" wrap="square" lIns="91440" tIns="45720" rIns="91440" bIns="45720" numCol="1" rtlCol="0" anchor="t" anchorCtr="0" compatLnSpc="1">
+            <a:prstTxWarp prst="textNoShape">
+              <a:avLst/>
+            </a:prstTxWarp>
+          </a:bodyPr>
+          <a:lstStyle/>
+          <a:p>
+            <a:pPr marL="0" marR="0" indent="0" algn="l" defTabSz="914400" rtl="0" eaLnBrk="1" fontAlgn="base" latinLnBrk="0" hangingPunct="1">
+              <a:lnSpc>
+                <a:spcPct val="100000"/>
+              </a:lnSpc>
+              <a:spcBef>
+                <a:spcPct val="0"/>
+              </a:spcBef>
+              <a:spcAft>
+                <a:spcPct val="0"/>
+              </a:spcAft>
+              <a:buClrTx/>
+              <a:buSzTx/>
+              <a:buFontTx/>
+              <a:buNone/>
+              <a:tabLst/>
+            </a:pPr>
+            <a:endParaRPr kumimoji="0" lang="ko-KR" altLang="en-US" sz="2400" b="0" i="0" u="none" strike="noStrike" cap="none" normalizeH="0" baseline="0" smtClean="0">
+              <a:ln>
+                <a:noFill/>
+              </a:ln>
+              <a:solidFill>
+                <a:schemeClr val="tx1"/>
+              </a:solidFill>
+              <a:effectLst/>
+              <a:latin typeface="Arial" charset="0"/>
+            </a:endParaRPr>
+          </a:p>
+        </p:txBody>
+      </p:sp>
+      <p:sp>
+        <p:nvSpPr>
+          <p:cNvPr id="63" name="TextBox 62"/>
+          <p:cNvSpPr txBox="1"/>
+          <p:nvPr/>
+        </p:nvSpPr>
+        <p:spPr>
+          <a:xfrm>
+            <a:off x="6600000" y="4909120"/>
+            <a:ext cx="714162" cy="366835"/>
+          </a:xfrm>
+          <a:prstGeom prst="rect">
+            <a:avLst/>
+          </a:prstGeom>
+          <a:noFill/>
+          <a:ln>
+            <a:noFill/>
+          </a:ln>
+        </p:spPr>
+        <p:txBody>
+          <a:bodyPr wrap="none" rtlCol="0" anchor="ctr">
+            <a:noAutofit/>
+          </a:bodyPr>
+          <a:lstStyle/>
+          <a:p>
+            <a:pPr algn="ctr"/>
+            <a:r>
+              <a:rPr lang="en-US" altLang="ko-KR" sz="1600" dirty="0" err="1" smtClean="0"/>
+              <a:t>cX</a:t>
+            </a:r>
+            <a:r>
+              <a:rPr lang="en-US" altLang="ko-KR" sz="1600" dirty="0" smtClean="0"/>
+              <a:t>, </a:t>
+            </a:r>
+            <a:r>
+              <a:rPr lang="en-US" altLang="ko-KR" sz="1600" dirty="0" err="1" smtClean="0"/>
+              <a:t>cY</a:t>
+            </a:r>
+            <a:endParaRPr lang="ko-KR" altLang="en-US" sz="1600" dirty="0" err="1" smtClean="0"/>
+          </a:p>
+        </p:txBody>
+      </p:sp>
+      <p:sp>
+        <p:nvSpPr>
+          <p:cNvPr id="64" name="타원 63"/>
+          <p:cNvSpPr/>
+          <p:nvPr/>
+        </p:nvSpPr>
+        <p:spPr bwMode="auto">
+          <a:xfrm>
+            <a:off x="7200274" y="4734565"/>
+            <a:ext cx="176052" cy="216024"/>
+          </a:xfrm>
+          <a:prstGeom prst="ellipse">
+            <a:avLst/>
+          </a:prstGeom>
+          <a:solidFill>
+            <a:srgbClr val="00B0F0"/>
+          </a:solidFill>
+          <a:ln w="9525" cap="flat" cmpd="sng" algn="ctr">
+            <a:solidFill>
+              <a:schemeClr val="accent3">
+                <a:lumMod val="75000"/>
+              </a:schemeClr>
+            </a:solidFill>
+            <a:prstDash val="solid"/>
+            <a:round/>
+            <a:headEnd type="none" w="med" len="med"/>
+            <a:tailEnd type="none" w="med" len="med"/>
+          </a:ln>
+          <a:effectLst/>
+        </p:spPr>
+        <p:txBody>
+          <a:bodyPr vert="horz" wrap="square" lIns="91440" tIns="45720" rIns="91440" bIns="45720" numCol="1" rtlCol="0" anchor="ctr" anchorCtr="0" compatLnSpc="1">
+            <a:prstTxWarp prst="textNoShape">
+              <a:avLst/>
+            </a:prstTxWarp>
+          </a:bodyPr>
+          <a:lstStyle/>
+          <a:p>
+            <a:pPr marL="0" marR="0" indent="0" algn="ctr" defTabSz="914400" rtl="0" eaLnBrk="1" fontAlgn="base" latinLnBrk="0" hangingPunct="1">
+              <a:lnSpc>
+                <a:spcPct val="100000"/>
+              </a:lnSpc>
+              <a:spcBef>
+                <a:spcPct val="0"/>
+              </a:spcBef>
+              <a:spcAft>
+                <a:spcPct val="0"/>
+              </a:spcAft>
+              <a:buClrTx/>
+              <a:buSzTx/>
+              <a:buFontTx/>
+              <a:buNone/>
+              <a:tabLst/>
+            </a:pPr>
+            <a:endParaRPr kumimoji="0" lang="ko-KR" altLang="en-US" sz="1400" b="0" i="0" u="none" strike="noStrike" cap="none" normalizeH="0" baseline="0" smtClean="0">
+              <a:ln>
+                <a:noFill/>
+              </a:ln>
+              <a:solidFill>
+                <a:schemeClr val="tx1"/>
+              </a:solidFill>
+              <a:effectLst/>
+              <a:latin typeface="Arial" charset="0"/>
+            </a:endParaRPr>
+          </a:p>
+        </p:txBody>
+      </p:sp>
+      <p:cxnSp>
+        <p:nvCxnSpPr>
+          <p:cNvPr id="65" name="직선 연결선 64"/>
+          <p:cNvCxnSpPr/>
+          <p:nvPr/>
+        </p:nvCxnSpPr>
+        <p:spPr bwMode="auto">
+          <a:xfrm>
+            <a:off x="5192416" y="3052328"/>
+            <a:ext cx="3484022" cy="30422"/>
+          </a:xfrm>
+          <a:prstGeom prst="line">
+            <a:avLst/>
+          </a:prstGeom>
+          <a:solidFill>
+            <a:schemeClr val="accent1"/>
+          </a:solidFill>
+          <a:ln w="9525" cap="flat" cmpd="sng" algn="ctr">
+            <a:solidFill>
+              <a:schemeClr val="tx1"/>
+            </a:solidFill>
+            <a:prstDash val="solid"/>
+            <a:round/>
+            <a:headEnd type="none" w="med" len="med"/>
+            <a:tailEnd type="none" w="med" len="med"/>
+          </a:ln>
+          <a:effectLst/>
+          <a:extLst>
+            <a:ext uri="{AF507438-7753-43E0-B8FC-AC1667EBCBE1}">
+              <a14:hiddenEffects xmlns:a14="http://schemas.microsoft.com/office/drawing/2010/main">
+                <a:effectLst>
+                  <a:outerShdw dist="35921" dir="2700000" algn="ctr" rotWithShape="0">
+                    <a:schemeClr val="bg2"/>
+                  </a:outerShdw>
+                </a:effectLst>
+              </a14:hiddenEffects>
+            </a:ext>
+          </a:extLst>
+        </p:spPr>
+      </p:cxnSp>
+      <p:cxnSp>
+        <p:nvCxnSpPr>
+          <p:cNvPr id="66" name="직선 연결선 65"/>
+          <p:cNvCxnSpPr/>
+          <p:nvPr/>
+        </p:nvCxnSpPr>
+        <p:spPr bwMode="auto">
+          <a:xfrm>
+            <a:off x="5192416" y="3038503"/>
+            <a:ext cx="0" cy="3460258"/>
+          </a:xfrm>
+          <a:prstGeom prst="line">
+            <a:avLst/>
+          </a:prstGeom>
+          <a:solidFill>
+            <a:schemeClr val="accent1"/>
+          </a:solidFill>
+          <a:ln w="9525" cap="flat" cmpd="sng" algn="ctr">
+            <a:solidFill>
+              <a:schemeClr val="tx1"/>
+            </a:solidFill>
+            <a:prstDash val="solid"/>
+            <a:round/>
+            <a:headEnd type="none" w="med" len="med"/>
+            <a:tailEnd type="none" w="med" len="med"/>
+          </a:ln>
+          <a:effectLst/>
+          <a:extLst>
+            <a:ext uri="{AF507438-7753-43E0-B8FC-AC1667EBCBE1}">
+              <a14:hiddenEffects xmlns:a14="http://schemas.microsoft.com/office/drawing/2010/main">
+                <a:effectLst>
+                  <a:outerShdw dist="35921" dir="2700000" algn="ctr" rotWithShape="0">
+                    <a:schemeClr val="bg2"/>
+                  </a:outerShdw>
+                </a:effectLst>
+              </a14:hiddenEffects>
+            </a:ext>
+          </a:extLst>
+        </p:spPr>
+      </p:cxnSp>
+    </p:spTree>
+    <p:extLst>
+      <p:ext uri="{BB962C8B-B14F-4D97-AF65-F5344CB8AC3E}">
+        <p14:creationId xmlns:p14="http://schemas.microsoft.com/office/powerpoint/2010/main" val="974747575"/>
+      </p:ext>
+    </p:extLst>
+  </p:cSld>
+  <p:clrMapOvr>
+    <a:masterClrMapping/>
+  </p:clrMapOvr>
+</p:sld>
+</file>
+
+<file path=ppt/slides/slide35.xml><?xml version="1.0" encoding="utf-8"?>
+<p:sld xmlns:a="http://schemas.openxmlformats.org/drawingml/2006/main" xmlns:r="http://schemas.openxmlformats.org/officeDocument/2006/relationships" xmlns:p="http://schemas.openxmlformats.org/presentationml/2006/main">
+  <p:cSld>
+    <p:spTree>
+      <p:nvGrpSpPr>
+        <p:cNvPr id="1" name=""/>
+        <p:cNvGrpSpPr/>
+        <p:nvPr/>
+      </p:nvGrpSpPr>
+      <p:grpSpPr>
+        <a:xfrm>
+          <a:off x="0" y="0"/>
+          <a:ext cx="0" cy="0"/>
+          <a:chOff x="0" y="0"/>
+          <a:chExt cx="0" cy="0"/>
+        </a:xfrm>
+      </p:grpSpPr>
+      <p:sp>
+        <p:nvSpPr>
+          <p:cNvPr id="9" name="내용 개체 틀 8"/>
+          <p:cNvSpPr>
+            <a:spLocks noGrp="1"/>
+          </p:cNvSpPr>
+          <p:nvPr>
+            <p:ph sz="half" idx="1"/>
+          </p:nvPr>
+        </p:nvSpPr>
+        <p:spPr/>
+        <p:txBody>
+          <a:bodyPr/>
+          <a:lstStyle/>
+          <a:p>
+            <a:r>
+              <a:rPr lang="ko-KR" altLang="en-US" dirty="0" smtClean="0"/>
+              <a:t>평가</a:t>
+            </a:r>
+            <a:r>
+              <a:rPr lang="en-US" altLang="ko-KR" dirty="0" smtClean="0"/>
+              <a:t> </a:t>
+            </a:r>
+            <a:r>
+              <a:rPr lang="ko-KR" altLang="en-US" dirty="0" smtClean="0"/>
+              <a:t>기준</a:t>
+            </a:r>
+            <a:endParaRPr lang="en-US" altLang="ko-KR" dirty="0" smtClean="0"/>
+          </a:p>
+          <a:p>
+            <a:pPr lvl="1"/>
+            <a:r>
+              <a:rPr lang="ko-KR" altLang="en-US" dirty="0" smtClean="0"/>
+              <a:t>기본</a:t>
+            </a:r>
+            <a:r>
+              <a:rPr lang="en-US" altLang="ko-KR" dirty="0" smtClean="0"/>
+              <a:t> </a:t>
+            </a:r>
+            <a:r>
+              <a:rPr lang="ko-KR" altLang="en-US" dirty="0" smtClean="0"/>
+              <a:t>항목당 </a:t>
+            </a:r>
+            <a:r>
+              <a:rPr lang="en-US" altLang="ko-KR" dirty="0" smtClean="0"/>
+              <a:t>5</a:t>
+            </a:r>
+            <a:r>
+              <a:rPr lang="ko-KR" altLang="en-US" dirty="0" smtClean="0"/>
+              <a:t>점</a:t>
+            </a:r>
+            <a:endParaRPr lang="en-US" altLang="ko-KR" dirty="0" smtClean="0"/>
+          </a:p>
+          <a:p>
+            <a:pPr lvl="1"/>
+            <a:r>
+              <a:rPr lang="ko-KR" altLang="en-US" dirty="0" smtClean="0"/>
+              <a:t>간단한 항복 </a:t>
+            </a:r>
+            <a:r>
+              <a:rPr lang="en-US" altLang="ko-KR" dirty="0" smtClean="0"/>
+              <a:t>2-3</a:t>
+            </a:r>
+            <a:r>
+              <a:rPr lang="ko-KR" altLang="en-US" dirty="0" smtClean="0"/>
+              <a:t>점</a:t>
+            </a:r>
+            <a:endParaRPr lang="en-US" altLang="ko-KR" dirty="0" smtClean="0"/>
+          </a:p>
+          <a:p>
+            <a:pPr lvl="1"/>
+            <a:endParaRPr lang="en-US" altLang="ko-KR" dirty="0" smtClean="0"/>
+          </a:p>
+          <a:p>
+            <a:pPr lvl="1"/>
+            <a:r>
+              <a:rPr lang="en-US" altLang="ko-KR" dirty="0" smtClean="0"/>
+              <a:t>Open/save/save as 5</a:t>
+            </a:r>
+            <a:r>
+              <a:rPr lang="ko-KR" altLang="en-US" dirty="0" smtClean="0"/>
+              <a:t>점</a:t>
+            </a:r>
+            <a:endParaRPr lang="en-US" altLang="ko-KR" dirty="0" smtClean="0"/>
+          </a:p>
+          <a:p>
+            <a:pPr lvl="1"/>
+            <a:r>
+              <a:rPr lang="en-US" altLang="ko-KR" dirty="0" smtClean="0"/>
+              <a:t>Close/quit/close button 5</a:t>
+            </a:r>
+            <a:r>
+              <a:rPr lang="ko-KR" altLang="en-US" dirty="0" smtClean="0"/>
+              <a:t>점</a:t>
+            </a:r>
+            <a:endParaRPr lang="en-US" altLang="ko-KR" dirty="0" smtClean="0"/>
+          </a:p>
+          <a:p>
+            <a:pPr lvl="1"/>
+            <a:r>
+              <a:rPr lang="ko-KR" altLang="en-US" dirty="0" smtClean="0"/>
+              <a:t>도형 기본 </a:t>
+            </a:r>
+            <a:r>
+              <a:rPr lang="en-US" altLang="ko-KR" dirty="0" smtClean="0"/>
+              <a:t>3</a:t>
+            </a:r>
+            <a:r>
+              <a:rPr lang="ko-KR" altLang="en-US" dirty="0" smtClean="0"/>
+              <a:t>점</a:t>
+            </a:r>
+            <a:endParaRPr lang="en-US" altLang="ko-KR" dirty="0" smtClean="0"/>
+          </a:p>
+          <a:p>
+            <a:pPr lvl="1"/>
+            <a:r>
+              <a:rPr lang="en-US" altLang="ko-KR" dirty="0" smtClean="0"/>
+              <a:t>Transform 5</a:t>
+            </a:r>
+            <a:r>
+              <a:rPr lang="ko-KR" altLang="en-US" dirty="0" smtClean="0"/>
+              <a:t>점</a:t>
+            </a:r>
+            <a:endParaRPr lang="en-US" altLang="ko-KR" dirty="0" smtClean="0"/>
+          </a:p>
+          <a:p>
+            <a:pPr lvl="2"/>
+            <a:r>
+              <a:rPr lang="ko-KR" altLang="en-US" dirty="0" smtClean="0"/>
+              <a:t>전체 정상 동작 </a:t>
+            </a:r>
+            <a:r>
+              <a:rPr lang="en-US" altLang="ko-KR" dirty="0" smtClean="0"/>
+              <a:t>20</a:t>
+            </a:r>
+            <a:r>
+              <a:rPr lang="ko-KR" altLang="en-US" dirty="0" smtClean="0"/>
+              <a:t>점</a:t>
+            </a:r>
+            <a:endParaRPr lang="en-US" altLang="ko-KR" dirty="0" smtClean="0"/>
+          </a:p>
+          <a:p>
+            <a:pPr lvl="1"/>
+            <a:r>
+              <a:rPr lang="en-US" altLang="ko-KR" dirty="0" smtClean="0"/>
+              <a:t>Double buffering 5</a:t>
+            </a:r>
+            <a:r>
+              <a:rPr lang="ko-KR" altLang="en-US" dirty="0" smtClean="0"/>
+              <a:t>점</a:t>
+            </a:r>
+            <a:endParaRPr lang="en-US" altLang="ko-KR" dirty="0" smtClean="0"/>
+          </a:p>
+        </p:txBody>
+      </p:sp>
+      <p:sp>
+        <p:nvSpPr>
+          <p:cNvPr id="10" name="내용 개체 틀 9"/>
+          <p:cNvSpPr>
+            <a:spLocks noGrp="1"/>
+          </p:cNvSpPr>
+          <p:nvPr>
+            <p:ph sz="half" idx="2"/>
+          </p:nvPr>
+        </p:nvSpPr>
+        <p:spPr/>
+        <p:txBody>
+          <a:bodyPr/>
+          <a:lstStyle/>
+          <a:p>
+            <a:endParaRPr lang="ko-KR" altLang="en-US"/>
+          </a:p>
+        </p:txBody>
+      </p:sp>
+      <p:sp>
+        <p:nvSpPr>
+          <p:cNvPr id="4" name="바닥글 개체 틀 3"/>
+          <p:cNvSpPr>
+            <a:spLocks noGrp="1"/>
+          </p:cNvSpPr>
+          <p:nvPr>
+            <p:ph type="ftr" sz="quarter" idx="10"/>
+          </p:nvPr>
+        </p:nvSpPr>
+        <p:spPr/>
+        <p:txBody>
+          <a:bodyPr/>
+          <a:lstStyle/>
+          <a:p>
+            <a:pPr>
+              <a:buFont typeface="맑은 고딕" panose="020B0503020000020004" pitchFamily="50" charset="-127"/>
+              <a:buChar char="ⓒ"/>
+            </a:pPr>
+            <a:r>
+              <a:rPr lang="en-US" altLang="ko-KR" smtClean="0"/>
+              <a:t>Sungwoon Choi 2021</a:t>
+            </a:r>
+            <a:endParaRPr lang="en-US" altLang="ko-KR" dirty="0"/>
+          </a:p>
+        </p:txBody>
+      </p:sp>
+      <p:sp>
+        <p:nvSpPr>
+          <p:cNvPr id="5" name="슬라이드 번호 개체 틀 4"/>
+          <p:cNvSpPr>
+            <a:spLocks noGrp="1"/>
+          </p:cNvSpPr>
+          <p:nvPr>
+            <p:ph type="sldNum" sz="quarter" idx="11"/>
+          </p:nvPr>
+        </p:nvSpPr>
+        <p:spPr/>
+        <p:txBody>
+          <a:bodyPr/>
+          <a:lstStyle/>
+          <a:p>
+            <a:fld id="{AA4216F1-165B-4DFF-BD92-3D8E849D7D48}" type="slidenum">
+              <a:rPr lang="en-US" altLang="ko-KR" smtClean="0"/>
+              <a:pPr/>
+              <a:t>35</a:t>
+            </a:fld>
+            <a:endParaRPr lang="en-US" altLang="ko-KR" dirty="0"/>
+          </a:p>
+        </p:txBody>
+      </p:sp>
+    </p:spTree>
+    <p:extLst>
+      <p:ext uri="{BB962C8B-B14F-4D97-AF65-F5344CB8AC3E}">
+        <p14:creationId xmlns:p14="http://schemas.microsoft.com/office/powerpoint/2010/main" val="1831494591"/>
       </p:ext>
     </p:extLst>
   </p:cSld>
